--- a/results/bivariate/bivariate.pptx
+++ b/results/bivariate/bivariate.pptx
@@ -6,10 +6,11 @@
   </p:sldMasterIdLst>
   <p:sldIdLst>
     <p:sldId id="262" r:id="rId2"/>
-    <p:sldId id="264" r:id="rId3"/>
-    <p:sldId id="261" r:id="rId4"/>
-    <p:sldId id="266" r:id="rId5"/>
-    <p:sldId id="263" r:id="rId6"/>
+    <p:sldId id="265" r:id="rId3"/>
+    <p:sldId id="266" r:id="rId4"/>
+    <p:sldId id="267" r:id="rId5"/>
+    <p:sldId id="264" r:id="rId6"/>
+    <p:sldId id="263" r:id="rId7"/>
   </p:sldIdLst>
   <p:sldSz cx="12192000" cy="6858000"/>
   <p:notesSz cx="6858000" cy="9144000"/>
@@ -108,6 +109,11 @@
       </a:defRPr>
     </a:lvl9pPr>
   </p:defaultTextStyle>
+  <p:extLst>
+    <p:ext uri="{EFAFB233-063F-42B5-8137-9DF3F51BA10A}">
+      <p15:sldGuideLst xmlns:p15="http://schemas.microsoft.com/office/powerpoint/2012/main"/>
+    </p:ext>
+  </p:extLst>
 </p:presentation>
 </file>
 
@@ -260,7 +266,7 @@
           <a:p>
             <a:fld id="{59F2DA02-C017-43A8-B4B3-504ECAFB589F}" type="datetimeFigureOut">
               <a:rPr lang="en-NZ" smtClean="0"/>
-              <a:t>30/09/2022</a:t>
+              <a:t>20/10/2022</a:t>
             </a:fld>
             <a:endParaRPr lang="en-NZ"/>
           </a:p>
@@ -460,7 +466,7 @@
           <a:p>
             <a:fld id="{59F2DA02-C017-43A8-B4B3-504ECAFB589F}" type="datetimeFigureOut">
               <a:rPr lang="en-NZ" smtClean="0"/>
-              <a:t>30/09/2022</a:t>
+              <a:t>20/10/2022</a:t>
             </a:fld>
             <a:endParaRPr lang="en-NZ"/>
           </a:p>
@@ -670,7 +676,7 @@
           <a:p>
             <a:fld id="{59F2DA02-C017-43A8-B4B3-504ECAFB589F}" type="datetimeFigureOut">
               <a:rPr lang="en-NZ" smtClean="0"/>
-              <a:t>30/09/2022</a:t>
+              <a:t>20/10/2022</a:t>
             </a:fld>
             <a:endParaRPr lang="en-NZ"/>
           </a:p>
@@ -870,7 +876,7 @@
           <a:p>
             <a:fld id="{59F2DA02-C017-43A8-B4B3-504ECAFB589F}" type="datetimeFigureOut">
               <a:rPr lang="en-NZ" smtClean="0"/>
-              <a:t>30/09/2022</a:t>
+              <a:t>20/10/2022</a:t>
             </a:fld>
             <a:endParaRPr lang="en-NZ"/>
           </a:p>
@@ -1146,7 +1152,7 @@
           <a:p>
             <a:fld id="{59F2DA02-C017-43A8-B4B3-504ECAFB589F}" type="datetimeFigureOut">
               <a:rPr lang="en-NZ" smtClean="0"/>
-              <a:t>30/09/2022</a:t>
+              <a:t>20/10/2022</a:t>
             </a:fld>
             <a:endParaRPr lang="en-NZ"/>
           </a:p>
@@ -1414,7 +1420,7 @@
           <a:p>
             <a:fld id="{59F2DA02-C017-43A8-B4B3-504ECAFB589F}" type="datetimeFigureOut">
               <a:rPr lang="en-NZ" smtClean="0"/>
-              <a:t>30/09/2022</a:t>
+              <a:t>20/10/2022</a:t>
             </a:fld>
             <a:endParaRPr lang="en-NZ"/>
           </a:p>
@@ -1829,7 +1835,7 @@
           <a:p>
             <a:fld id="{59F2DA02-C017-43A8-B4B3-504ECAFB589F}" type="datetimeFigureOut">
               <a:rPr lang="en-NZ" smtClean="0"/>
-              <a:t>30/09/2022</a:t>
+              <a:t>20/10/2022</a:t>
             </a:fld>
             <a:endParaRPr lang="en-NZ"/>
           </a:p>
@@ -1971,7 +1977,7 @@
           <a:p>
             <a:fld id="{59F2DA02-C017-43A8-B4B3-504ECAFB589F}" type="datetimeFigureOut">
               <a:rPr lang="en-NZ" smtClean="0"/>
-              <a:t>30/09/2022</a:t>
+              <a:t>20/10/2022</a:t>
             </a:fld>
             <a:endParaRPr lang="en-NZ"/>
           </a:p>
@@ -2084,7 +2090,7 @@
           <a:p>
             <a:fld id="{59F2DA02-C017-43A8-B4B3-504ECAFB589F}" type="datetimeFigureOut">
               <a:rPr lang="en-NZ" smtClean="0"/>
-              <a:t>30/09/2022</a:t>
+              <a:t>20/10/2022</a:t>
             </a:fld>
             <a:endParaRPr lang="en-NZ"/>
           </a:p>
@@ -2397,7 +2403,7 @@
           <a:p>
             <a:fld id="{59F2DA02-C017-43A8-B4B3-504ECAFB589F}" type="datetimeFigureOut">
               <a:rPr lang="en-NZ" smtClean="0"/>
-              <a:t>30/09/2022</a:t>
+              <a:t>20/10/2022</a:t>
             </a:fld>
             <a:endParaRPr lang="en-NZ"/>
           </a:p>
@@ -2686,7 +2692,7 @@
           <a:p>
             <a:fld id="{59F2DA02-C017-43A8-B4B3-504ECAFB589F}" type="datetimeFigureOut">
               <a:rPr lang="en-NZ" smtClean="0"/>
-              <a:t>30/09/2022</a:t>
+              <a:t>20/10/2022</a:t>
             </a:fld>
             <a:endParaRPr lang="en-NZ"/>
           </a:p>
@@ -2929,7 +2935,7 @@
           <a:p>
             <a:fld id="{59F2DA02-C017-43A8-B4B3-504ECAFB589F}" type="datetimeFigureOut">
               <a:rPr lang="en-NZ" smtClean="0"/>
-              <a:t>30/09/2022</a:t>
+              <a:t>20/10/2022</a:t>
             </a:fld>
             <a:endParaRPr lang="en-NZ"/>
           </a:p>
@@ -3882,62 +3888,12 @@
           <a:chExt cx="0" cy="0"/>
         </a:xfrm>
       </p:grpSpPr>
-      <p:sp>
-        <p:nvSpPr>
-          <p:cNvPr id="2" name="Title 1">
-            <a:extLst>
-              <a:ext uri="{FF2B5EF4-FFF2-40B4-BE49-F238E27FC236}">
-                <a16:creationId xmlns:a16="http://schemas.microsoft.com/office/drawing/2014/main" id="{54CAA44C-093D-57F5-824F-7CB31C578875}"/>
-              </a:ext>
-            </a:extLst>
-          </p:cNvPr>
-          <p:cNvSpPr>
-            <a:spLocks noGrp="1"/>
-          </p:cNvSpPr>
-          <p:nvPr>
-            <p:ph type="title"/>
-          </p:nvPr>
-        </p:nvSpPr>
-        <p:spPr/>
-        <p:txBody>
-          <a:bodyPr/>
-          <a:lstStyle/>
-          <a:p>
-            <a:endParaRPr lang="en-NZ"/>
-          </a:p>
-        </p:txBody>
-      </p:sp>
-      <p:sp>
-        <p:nvSpPr>
-          <p:cNvPr id="3" name="Content Placeholder 2">
-            <a:extLst>
-              <a:ext uri="{FF2B5EF4-FFF2-40B4-BE49-F238E27FC236}">
-                <a16:creationId xmlns:a16="http://schemas.microsoft.com/office/drawing/2014/main" id="{3222CD3F-8F0E-9391-58A8-496CFCE1F356}"/>
-              </a:ext>
-            </a:extLst>
-          </p:cNvPr>
-          <p:cNvSpPr>
-            <a:spLocks noGrp="1"/>
-          </p:cNvSpPr>
-          <p:nvPr>
-            <p:ph idx="1"/>
-          </p:nvPr>
-        </p:nvSpPr>
-        <p:spPr/>
-        <p:txBody>
-          <a:bodyPr/>
-          <a:lstStyle/>
-          <a:p>
-            <a:endParaRPr lang="en-NZ"/>
-          </a:p>
-        </p:txBody>
-      </p:sp>
       <p:pic>
         <p:nvPicPr>
-          <p:cNvPr id="4" name="Picture 3">
-            <a:extLst>
-              <a:ext uri="{FF2B5EF4-FFF2-40B4-BE49-F238E27FC236}">
-                <a16:creationId xmlns:a16="http://schemas.microsoft.com/office/drawing/2014/main" id="{8A358630-DD88-020B-861A-D2BDCA3531EF}"/>
+          <p:cNvPr id="29" name="Picture 28">
+            <a:extLst>
+              <a:ext uri="{FF2B5EF4-FFF2-40B4-BE49-F238E27FC236}">
+                <a16:creationId xmlns:a16="http://schemas.microsoft.com/office/drawing/2014/main" id="{7502116D-460F-62F8-A947-9313C457E66A}"/>
               </a:ext>
             </a:extLst>
           </p:cNvPr>
@@ -3946,16 +3902,15 @@
           </p:cNvPicPr>
           <p:nvPr/>
         </p:nvPicPr>
-        <p:blipFill>
+        <p:blipFill rotWithShape="1">
           <a:blip r:embed="rId2"/>
-          <a:stretch>
-            <a:fillRect/>
-          </a:stretch>
+          <a:srcRect l="18310" r="23602"/>
+          <a:stretch/>
         </p:blipFill>
         <p:spPr>
           <a:xfrm>
-            <a:off x="0" y="188119"/>
-            <a:ext cx="12192000" cy="6481762"/>
+            <a:off x="5987143" y="0"/>
+            <a:ext cx="5320937" cy="6378493"/>
           </a:xfrm>
           <a:prstGeom prst="rect">
             <a:avLst/>
@@ -3964,10 +3919,10 @@
       </p:pic>
       <p:pic>
         <p:nvPicPr>
-          <p:cNvPr id="5" name="Picture 4">
-            <a:extLst>
-              <a:ext uri="{FF2B5EF4-FFF2-40B4-BE49-F238E27FC236}">
-                <a16:creationId xmlns:a16="http://schemas.microsoft.com/office/drawing/2014/main" id="{CD60A5C0-C885-8BBC-40F2-018236232C55}"/>
+          <p:cNvPr id="30" name="Picture 29">
+            <a:extLst>
+              <a:ext uri="{FF2B5EF4-FFF2-40B4-BE49-F238E27FC236}">
+                <a16:creationId xmlns:a16="http://schemas.microsoft.com/office/drawing/2014/main" id="{A924368A-460F-0FE7-BD8E-D1BDD6E61877}"/>
               </a:ext>
             </a:extLst>
           </p:cNvPr>
@@ -3978,25 +3933,209 @@
         </p:nvPicPr>
         <p:blipFill rotWithShape="1">
           <a:blip r:embed="rId3"/>
-          <a:srcRect b="11344"/>
+          <a:srcRect l="18310" r="23602"/>
           <a:stretch/>
         </p:blipFill>
         <p:spPr>
           <a:xfrm>
-            <a:off x="10111826" y="2380616"/>
-            <a:ext cx="1870131" cy="1673224"/>
+            <a:off x="195943" y="-1"/>
+            <a:ext cx="5320937" cy="6378493"/>
           </a:xfrm>
           <a:prstGeom prst="rect">
             <a:avLst/>
           </a:prstGeom>
         </p:spPr>
       </p:pic>
-      <p:sp>
-        <p:nvSpPr>
-          <p:cNvPr id="6" name="TextBox 5">
-            <a:extLst>
-              <a:ext uri="{FF2B5EF4-FFF2-40B4-BE49-F238E27FC236}">
-                <a16:creationId xmlns:a16="http://schemas.microsoft.com/office/drawing/2014/main" id="{86803CD7-727D-717F-FA11-59E23A773C17}"/>
+      <p:grpSp>
+        <p:nvGrpSpPr>
+          <p:cNvPr id="15" name="Group 14">
+            <a:extLst>
+              <a:ext uri="{FF2B5EF4-FFF2-40B4-BE49-F238E27FC236}">
+                <a16:creationId xmlns:a16="http://schemas.microsoft.com/office/drawing/2014/main" id="{B2E9E56C-EED3-D11C-4798-67FF57682B65}"/>
+              </a:ext>
+            </a:extLst>
+          </p:cNvPr>
+          <p:cNvGrpSpPr/>
+          <p:nvPr/>
+        </p:nvGrpSpPr>
+        <p:grpSpPr>
+          <a:xfrm>
+            <a:off x="5606270" y="4493068"/>
+            <a:ext cx="2001189" cy="1641393"/>
+            <a:chOff x="5606270" y="3792028"/>
+            <a:chExt cx="2001189" cy="1641393"/>
+          </a:xfrm>
+        </p:grpSpPr>
+        <p:grpSp>
+          <p:nvGrpSpPr>
+            <p:cNvPr id="21" name="Group 20">
+              <a:extLst>
+                <a:ext uri="{FF2B5EF4-FFF2-40B4-BE49-F238E27FC236}">
+                  <a16:creationId xmlns:a16="http://schemas.microsoft.com/office/drawing/2014/main" id="{6892794E-6CA8-362B-3C4B-68DA3F822D2B}"/>
+                </a:ext>
+              </a:extLst>
+            </p:cNvPr>
+            <p:cNvGrpSpPr/>
+            <p:nvPr/>
+          </p:nvGrpSpPr>
+          <p:grpSpPr>
+            <a:xfrm>
+              <a:off x="5606270" y="3792028"/>
+              <a:ext cx="2001189" cy="1641393"/>
+              <a:chOff x="3627018" y="3806839"/>
+              <a:chExt cx="2001189" cy="1641393"/>
+            </a:xfrm>
+          </p:grpSpPr>
+          <p:sp>
+            <p:nvSpPr>
+              <p:cNvPr id="23" name="TextBox 22">
+                <a:extLst>
+                  <a:ext uri="{FF2B5EF4-FFF2-40B4-BE49-F238E27FC236}">
+                    <a16:creationId xmlns:a16="http://schemas.microsoft.com/office/drawing/2014/main" id="{BA5A4276-2536-AF3B-8C1C-33D41845E3AC}"/>
+                  </a:ext>
+                </a:extLst>
+              </p:cNvPr>
+              <p:cNvSpPr txBox="1"/>
+              <p:nvPr/>
+            </p:nvSpPr>
+            <p:spPr>
+              <a:xfrm rot="16200000">
+                <a:off x="2985176" y="4448681"/>
+                <a:ext cx="1537600" cy="253916"/>
+              </a:xfrm>
+              <a:prstGeom prst="rect">
+                <a:avLst/>
+              </a:prstGeom>
+              <a:noFill/>
+            </p:spPr>
+            <p:txBody>
+              <a:bodyPr wrap="none" rtlCol="0">
+                <a:spAutoFit/>
+              </a:bodyPr>
+              <a:lstStyle/>
+              <a:p>
+                <a:r>
+                  <a:rPr lang="pt-BR" sz="1050" dirty="0">
+                    <a:latin typeface="Arial" panose="020B0604020202020204" pitchFamily="34" charset="0"/>
+                    <a:cs typeface="Arial" panose="020B0604020202020204" pitchFamily="34" charset="0"/>
+                  </a:rPr>
+                  <a:t>- Hazard: Scenario 2 +</a:t>
+                </a:r>
+                <a:endParaRPr lang="en-NZ" sz="1050" dirty="0">
+                  <a:latin typeface="Arial" panose="020B0604020202020204" pitchFamily="34" charset="0"/>
+                  <a:cs typeface="Arial" panose="020B0604020202020204" pitchFamily="34" charset="0"/>
+                </a:endParaRPr>
+              </a:p>
+            </p:txBody>
+          </p:sp>
+          <p:sp>
+            <p:nvSpPr>
+              <p:cNvPr id="24" name="TextBox 23">
+                <a:extLst>
+                  <a:ext uri="{FF2B5EF4-FFF2-40B4-BE49-F238E27FC236}">
+                    <a16:creationId xmlns:a16="http://schemas.microsoft.com/office/drawing/2014/main" id="{D76A0517-CC26-E210-C81B-6AE00E30A8E9}"/>
+                  </a:ext>
+                </a:extLst>
+              </p:cNvPr>
+              <p:cNvSpPr txBox="1"/>
+              <p:nvPr/>
+            </p:nvSpPr>
+            <p:spPr>
+              <a:xfrm>
+                <a:off x="3753976" y="5194316"/>
+                <a:ext cx="1874231" cy="253916"/>
+              </a:xfrm>
+              <a:prstGeom prst="rect">
+                <a:avLst/>
+              </a:prstGeom>
+              <a:noFill/>
+            </p:spPr>
+            <p:txBody>
+              <a:bodyPr wrap="none" rtlCol="0">
+                <a:spAutoFit/>
+              </a:bodyPr>
+              <a:lstStyle/>
+              <a:p>
+                <a:r>
+                  <a:rPr lang="pt-BR" sz="1050" dirty="0">
+                    <a:latin typeface="Arial" panose="020B0604020202020204" pitchFamily="34" charset="0"/>
+                    <a:cs typeface="Arial" panose="020B0604020202020204" pitchFamily="34" charset="0"/>
+                  </a:rPr>
+                  <a:t>- Time to reach healthcare +</a:t>
+                </a:r>
+                <a:endParaRPr lang="en-NZ" sz="1050" dirty="0">
+                  <a:latin typeface="Arial" panose="020B0604020202020204" pitchFamily="34" charset="0"/>
+                  <a:cs typeface="Arial" panose="020B0604020202020204" pitchFamily="34" charset="0"/>
+                </a:endParaRPr>
+              </a:p>
+            </p:txBody>
+          </p:sp>
+        </p:grpSp>
+        <p:pic>
+          <p:nvPicPr>
+            <p:cNvPr id="8" name="Picture 7">
+              <a:extLst>
+                <a:ext uri="{FF2B5EF4-FFF2-40B4-BE49-F238E27FC236}">
+                  <a16:creationId xmlns:a16="http://schemas.microsoft.com/office/drawing/2014/main" id="{19182808-6484-B62C-6E17-FB83AC04414A}"/>
+                </a:ext>
+              </a:extLst>
+            </p:cNvPr>
+            <p:cNvPicPr>
+              <a:picLocks noChangeAspect="1"/>
+            </p:cNvPicPr>
+            <p:nvPr/>
+          </p:nvPicPr>
+          <p:blipFill rotWithShape="1">
+            <a:blip r:embed="rId4"/>
+            <a:srcRect l="5434" b="4825"/>
+            <a:stretch/>
+          </p:blipFill>
+          <p:spPr>
+            <a:xfrm>
+              <a:off x="5872482" y="3936266"/>
+              <a:ext cx="1591370" cy="1247102"/>
+            </a:xfrm>
+            <a:prstGeom prst="rect">
+              <a:avLst/>
+            </a:prstGeom>
+          </p:spPr>
+        </p:pic>
+      </p:grpSp>
+      <p:pic>
+        <p:nvPicPr>
+          <p:cNvPr id="9" name="Picture 8">
+            <a:extLst>
+              <a:ext uri="{FF2B5EF4-FFF2-40B4-BE49-F238E27FC236}">
+                <a16:creationId xmlns:a16="http://schemas.microsoft.com/office/drawing/2014/main" id="{2F6C5851-394F-5462-A2A9-A4716FAF5AB0}"/>
+              </a:ext>
+            </a:extLst>
+          </p:cNvPr>
+          <p:cNvPicPr>
+            <a:picLocks noChangeAspect="1"/>
+          </p:cNvPicPr>
+          <p:nvPr/>
+        </p:nvPicPr>
+        <p:blipFill rotWithShape="1">
+          <a:blip r:embed="rId4"/>
+          <a:srcRect l="5434" b="4825"/>
+          <a:stretch/>
+        </p:blipFill>
+        <p:spPr>
+          <a:xfrm>
+            <a:off x="795694" y="4576399"/>
+            <a:ext cx="1591370" cy="1247102"/>
+          </a:xfrm>
+          <a:prstGeom prst="rect">
+            <a:avLst/>
+          </a:prstGeom>
+        </p:spPr>
+      </p:pic>
+      <p:sp>
+        <p:nvSpPr>
+          <p:cNvPr id="13" name="TextBox 12">
+            <a:extLst>
+              <a:ext uri="{FF2B5EF4-FFF2-40B4-BE49-F238E27FC236}">
+                <a16:creationId xmlns:a16="http://schemas.microsoft.com/office/drawing/2014/main" id="{6DE2C51C-B2F7-DC24-B241-034F0CACE432}"/>
               </a:ext>
             </a:extLst>
           </p:cNvPr>
@@ -4004,9 +4143,9 @@
           <p:nvPr/>
         </p:nvSpPr>
         <p:spPr>
-          <a:xfrm>
-            <a:off x="11144448" y="2737104"/>
-            <a:ext cx="418704" cy="369332"/>
+          <a:xfrm rot="16200000">
+            <a:off x="-136529" y="5129762"/>
+            <a:ext cx="1537600" cy="253916"/>
           </a:xfrm>
           <a:prstGeom prst="rect">
             <a:avLst/>
@@ -4020,19 +4159,25 @@
           <a:lstStyle/>
           <a:p>
             <a:r>
-              <a:rPr lang="pt-BR" dirty="0"/>
-              <a:t>12</a:t>
-            </a:r>
-            <a:endParaRPr lang="en-NZ" dirty="0"/>
-          </a:p>
-        </p:txBody>
-      </p:sp>
-      <p:sp>
-        <p:nvSpPr>
-          <p:cNvPr id="7" name="TextBox 6">
-            <a:extLst>
-              <a:ext uri="{FF2B5EF4-FFF2-40B4-BE49-F238E27FC236}">
-                <a16:creationId xmlns:a16="http://schemas.microsoft.com/office/drawing/2014/main" id="{0D9641BE-90CD-052C-00BD-F6A32D95CC08}"/>
+              <a:rPr lang="pt-BR" sz="1050" dirty="0">
+                <a:latin typeface="Arial" panose="020B0604020202020204" pitchFamily="34" charset="0"/>
+                <a:cs typeface="Arial" panose="020B0604020202020204" pitchFamily="34" charset="0"/>
+              </a:rPr>
+              <a:t>- Hazard: Scenario 1 +</a:t>
+            </a:r>
+            <a:endParaRPr lang="en-NZ" sz="1050" dirty="0">
+              <a:latin typeface="Arial" panose="020B0604020202020204" pitchFamily="34" charset="0"/>
+              <a:cs typeface="Arial" panose="020B0604020202020204" pitchFamily="34" charset="0"/>
+            </a:endParaRPr>
+          </a:p>
+        </p:txBody>
+      </p:sp>
+      <p:sp>
+        <p:nvSpPr>
+          <p:cNvPr id="14" name="TextBox 13">
+            <a:extLst>
+              <a:ext uri="{FF2B5EF4-FFF2-40B4-BE49-F238E27FC236}">
+                <a16:creationId xmlns:a16="http://schemas.microsoft.com/office/drawing/2014/main" id="{412E36AF-67A4-06CD-C04F-D13B07080A02}"/>
               </a:ext>
             </a:extLst>
           </p:cNvPr>
@@ -4041,8 +4186,8 @@
         </p:nvSpPr>
         <p:spPr>
           <a:xfrm>
-            <a:off x="11156640" y="3491255"/>
-            <a:ext cx="418704" cy="369332"/>
+            <a:off x="632271" y="5875397"/>
+            <a:ext cx="1874231" cy="253916"/>
           </a:xfrm>
           <a:prstGeom prst="rect">
             <a:avLst/>
@@ -4056,323 +4201,23 @@
           <a:lstStyle/>
           <a:p>
             <a:r>
-              <a:rPr lang="pt-BR" dirty="0">
-                <a:solidFill>
-                  <a:schemeClr val="bg1"/>
-                </a:solidFill>
+              <a:rPr lang="pt-BR" sz="1050" dirty="0">
+                <a:latin typeface="Arial" panose="020B0604020202020204" pitchFamily="34" charset="0"/>
+                <a:cs typeface="Arial" panose="020B0604020202020204" pitchFamily="34" charset="0"/>
               </a:rPr>
-              <a:t>10</a:t>
-            </a:r>
-            <a:endParaRPr lang="en-NZ" dirty="0">
-              <a:solidFill>
-                <a:schemeClr val="bg1"/>
-              </a:solidFill>
+              <a:t>- Time to reach healthcare +</a:t>
+            </a:r>
+            <a:endParaRPr lang="en-NZ" sz="1050" dirty="0">
+              <a:latin typeface="Arial" panose="020B0604020202020204" pitchFamily="34" charset="0"/>
+              <a:cs typeface="Arial" panose="020B0604020202020204" pitchFamily="34" charset="0"/>
             </a:endParaRPr>
           </a:p>
         </p:txBody>
       </p:sp>
-      <p:sp>
-        <p:nvSpPr>
-          <p:cNvPr id="8" name="TextBox 7">
-            <a:extLst>
-              <a:ext uri="{FF2B5EF4-FFF2-40B4-BE49-F238E27FC236}">
-                <a16:creationId xmlns:a16="http://schemas.microsoft.com/office/drawing/2014/main" id="{5EC512EA-A58B-3DF5-A2D4-06E2DAD9A493}"/>
-              </a:ext>
-            </a:extLst>
-          </p:cNvPr>
-          <p:cNvSpPr txBox="1"/>
-          <p:nvPr/>
-        </p:nvSpPr>
-        <p:spPr>
-          <a:xfrm>
-            <a:off x="10318836" y="3497351"/>
-            <a:ext cx="301686" cy="369332"/>
-          </a:xfrm>
-          <a:prstGeom prst="rect">
-            <a:avLst/>
-          </a:prstGeom>
-          <a:noFill/>
-        </p:spPr>
-        <p:txBody>
-          <a:bodyPr wrap="none" rtlCol="0">
-            <a:spAutoFit/>
-          </a:bodyPr>
-          <a:lstStyle/>
-          <a:p>
-            <a:r>
-              <a:rPr lang="pt-BR" dirty="0"/>
-              <a:t>1</a:t>
-            </a:r>
-            <a:endParaRPr lang="en-NZ" dirty="0"/>
-          </a:p>
-        </p:txBody>
-      </p:sp>
-      <p:sp>
-        <p:nvSpPr>
-          <p:cNvPr id="9" name="TextBox 8">
-            <a:extLst>
-              <a:ext uri="{FF2B5EF4-FFF2-40B4-BE49-F238E27FC236}">
-                <a16:creationId xmlns:a16="http://schemas.microsoft.com/office/drawing/2014/main" id="{6C362359-2D2E-E225-CB1C-3EBBA05FCF79}"/>
-              </a:ext>
-            </a:extLst>
-          </p:cNvPr>
-          <p:cNvSpPr txBox="1"/>
-          <p:nvPr/>
-        </p:nvSpPr>
-        <p:spPr>
-          <a:xfrm>
-            <a:off x="10825101" y="3445535"/>
-            <a:ext cx="301686" cy="369332"/>
-          </a:xfrm>
-          <a:prstGeom prst="rect">
-            <a:avLst/>
-          </a:prstGeom>
-          <a:noFill/>
-        </p:spPr>
-        <p:txBody>
-          <a:bodyPr wrap="none" rtlCol="0">
-            <a:spAutoFit/>
-          </a:bodyPr>
-          <a:lstStyle/>
-          <a:p>
-            <a:r>
-              <a:rPr lang="pt-BR" dirty="0"/>
-              <a:t>7</a:t>
-            </a:r>
-            <a:endParaRPr lang="en-NZ" dirty="0"/>
-          </a:p>
-        </p:txBody>
-      </p:sp>
-      <p:sp>
-        <p:nvSpPr>
-          <p:cNvPr id="11" name="TextBox 10">
-            <a:extLst>
-              <a:ext uri="{FF2B5EF4-FFF2-40B4-BE49-F238E27FC236}">
-                <a16:creationId xmlns:a16="http://schemas.microsoft.com/office/drawing/2014/main" id="{64080385-730B-4E0E-4F5E-2ACE6A3213A2}"/>
-              </a:ext>
-            </a:extLst>
-          </p:cNvPr>
-          <p:cNvSpPr txBox="1"/>
-          <p:nvPr/>
-        </p:nvSpPr>
-        <p:spPr>
-          <a:xfrm>
-            <a:off x="10406199" y="3125528"/>
-            <a:ext cx="301686" cy="369332"/>
-          </a:xfrm>
-          <a:prstGeom prst="rect">
-            <a:avLst/>
-          </a:prstGeom>
-          <a:noFill/>
-        </p:spPr>
-        <p:txBody>
-          <a:bodyPr wrap="none" rtlCol="0">
-            <a:spAutoFit/>
-          </a:bodyPr>
-          <a:lstStyle/>
-          <a:p>
-            <a:r>
-              <a:rPr lang="pt-BR" dirty="0"/>
-              <a:t>2</a:t>
-            </a:r>
-            <a:endParaRPr lang="en-NZ" dirty="0"/>
-          </a:p>
-        </p:txBody>
-      </p:sp>
-      <p:sp>
-        <p:nvSpPr>
-          <p:cNvPr id="13" name="TextBox 12">
-            <a:extLst>
-              <a:ext uri="{FF2B5EF4-FFF2-40B4-BE49-F238E27FC236}">
-                <a16:creationId xmlns:a16="http://schemas.microsoft.com/office/drawing/2014/main" id="{01762264-494F-D524-19D2-B899DB082C07}"/>
-              </a:ext>
-            </a:extLst>
-          </p:cNvPr>
-          <p:cNvSpPr txBox="1"/>
-          <p:nvPr/>
-        </p:nvSpPr>
-        <p:spPr>
-          <a:xfrm>
-            <a:off x="10871120" y="2783055"/>
-            <a:ext cx="301686" cy="369332"/>
-          </a:xfrm>
-          <a:prstGeom prst="rect">
-            <a:avLst/>
-          </a:prstGeom>
-          <a:noFill/>
-        </p:spPr>
-        <p:txBody>
-          <a:bodyPr wrap="none" rtlCol="0">
-            <a:spAutoFit/>
-          </a:bodyPr>
-          <a:lstStyle/>
-          <a:p>
-            <a:r>
-              <a:rPr lang="pt-BR" dirty="0"/>
-              <a:t>9</a:t>
-            </a:r>
-            <a:endParaRPr lang="en-NZ" dirty="0"/>
-          </a:p>
-        </p:txBody>
-      </p:sp>
-      <p:sp>
-        <p:nvSpPr>
-          <p:cNvPr id="15" name="TextBox 14">
-            <a:extLst>
-              <a:ext uri="{FF2B5EF4-FFF2-40B4-BE49-F238E27FC236}">
-                <a16:creationId xmlns:a16="http://schemas.microsoft.com/office/drawing/2014/main" id="{CAC377D6-5507-F852-0888-4DD90AC3B0EC}"/>
-              </a:ext>
-            </a:extLst>
-          </p:cNvPr>
-          <p:cNvSpPr txBox="1"/>
-          <p:nvPr/>
-        </p:nvSpPr>
-        <p:spPr>
-          <a:xfrm>
-            <a:off x="10842762" y="3102658"/>
-            <a:ext cx="301686" cy="369332"/>
-          </a:xfrm>
-          <a:prstGeom prst="rect">
-            <a:avLst/>
-          </a:prstGeom>
-          <a:noFill/>
-        </p:spPr>
-        <p:txBody>
-          <a:bodyPr wrap="none" rtlCol="0">
-            <a:spAutoFit/>
-          </a:bodyPr>
-          <a:lstStyle/>
-          <a:p>
-            <a:r>
-              <a:rPr lang="pt-BR" dirty="0"/>
-              <a:t>8</a:t>
-            </a:r>
-            <a:endParaRPr lang="en-NZ" dirty="0"/>
-          </a:p>
-        </p:txBody>
-      </p:sp>
-      <p:sp>
-        <p:nvSpPr>
-          <p:cNvPr id="16" name="TextBox 15">
-            <a:extLst>
-              <a:ext uri="{FF2B5EF4-FFF2-40B4-BE49-F238E27FC236}">
-                <a16:creationId xmlns:a16="http://schemas.microsoft.com/office/drawing/2014/main" id="{5BED0E60-C581-AF3E-F875-2EC53727A81C}"/>
-              </a:ext>
-            </a:extLst>
-          </p:cNvPr>
-          <p:cNvSpPr txBox="1"/>
-          <p:nvPr/>
-        </p:nvSpPr>
-        <p:spPr>
-          <a:xfrm>
-            <a:off x="11156640" y="3085399"/>
-            <a:ext cx="418704" cy="369332"/>
-          </a:xfrm>
-          <a:prstGeom prst="rect">
-            <a:avLst/>
-          </a:prstGeom>
-          <a:noFill/>
-        </p:spPr>
-        <p:txBody>
-          <a:bodyPr wrap="none" rtlCol="0">
-            <a:spAutoFit/>
-          </a:bodyPr>
-          <a:lstStyle/>
-          <a:p>
-            <a:r>
-              <a:rPr lang="pt-BR" dirty="0">
-                <a:solidFill>
-                  <a:schemeClr val="bg1"/>
-                </a:solidFill>
-              </a:rPr>
-              <a:t>11</a:t>
-            </a:r>
-            <a:endParaRPr lang="en-NZ" dirty="0">
-              <a:solidFill>
-                <a:schemeClr val="bg1"/>
-              </a:solidFill>
-            </a:endParaRPr>
-          </a:p>
-        </p:txBody>
-      </p:sp>
-      <p:sp>
-        <p:nvSpPr>
-          <p:cNvPr id="17" name="TextBox 16">
-            <a:extLst>
-              <a:ext uri="{FF2B5EF4-FFF2-40B4-BE49-F238E27FC236}">
-                <a16:creationId xmlns:a16="http://schemas.microsoft.com/office/drawing/2014/main" id="{36C281AE-ED7B-6AC7-D6FC-CA1B72D34085}"/>
-              </a:ext>
-            </a:extLst>
-          </p:cNvPr>
-          <p:cNvSpPr txBox="1"/>
-          <p:nvPr/>
-        </p:nvSpPr>
-        <p:spPr>
-          <a:xfrm>
-            <a:off x="10376544" y="2754318"/>
-            <a:ext cx="301686" cy="369332"/>
-          </a:xfrm>
-          <a:prstGeom prst="rect">
-            <a:avLst/>
-          </a:prstGeom>
-          <a:noFill/>
-        </p:spPr>
-        <p:txBody>
-          <a:bodyPr wrap="none" rtlCol="0">
-            <a:spAutoFit/>
-          </a:bodyPr>
-          <a:lstStyle/>
-          <a:p>
-            <a:r>
-              <a:rPr lang="pt-BR" dirty="0">
-                <a:solidFill>
-                  <a:schemeClr val="bg1"/>
-                </a:solidFill>
-              </a:rPr>
-              <a:t>3</a:t>
-            </a:r>
-            <a:endParaRPr lang="en-NZ" dirty="0">
-              <a:solidFill>
-                <a:schemeClr val="bg1"/>
-              </a:solidFill>
-            </a:endParaRPr>
-          </a:p>
-        </p:txBody>
-      </p:sp>
-      <p:pic>
-        <p:nvPicPr>
-          <p:cNvPr id="20" name="Picture 19">
-            <a:extLst>
-              <a:ext uri="{FF2B5EF4-FFF2-40B4-BE49-F238E27FC236}">
-                <a16:creationId xmlns:a16="http://schemas.microsoft.com/office/drawing/2014/main" id="{2C064C2B-526A-5769-8647-66695AE54E39}"/>
-              </a:ext>
-            </a:extLst>
-          </p:cNvPr>
-          <p:cNvPicPr>
-            <a:picLocks noChangeAspect="1"/>
-          </p:cNvPicPr>
-          <p:nvPr/>
-        </p:nvPicPr>
-        <p:blipFill>
-          <a:blip r:embed="rId4"/>
-          <a:stretch>
-            <a:fillRect/>
-          </a:stretch>
-        </p:blipFill>
-        <p:spPr>
-          <a:xfrm>
-            <a:off x="1071666" y="159747"/>
-            <a:ext cx="8383230" cy="1231730"/>
-          </a:xfrm>
-          <a:prstGeom prst="rect">
-            <a:avLst/>
-          </a:prstGeom>
-        </p:spPr>
-      </p:pic>
     </p:spTree>
     <p:extLst>
       <p:ext uri="{BB962C8B-B14F-4D97-AF65-F5344CB8AC3E}">
-        <p14:creationId xmlns:p14="http://schemas.microsoft.com/office/powerpoint/2010/main" val="148171327"/>
+        <p14:creationId xmlns:p14="http://schemas.microsoft.com/office/powerpoint/2010/main" val="2552097197"/>
       </p:ext>
     </p:extLst>
   </p:cSld>
@@ -4404,7 +4249,7 @@
           <p:cNvPr id="2" name="Title 1">
             <a:extLst>
               <a:ext uri="{FF2B5EF4-FFF2-40B4-BE49-F238E27FC236}">
-                <a16:creationId xmlns:a16="http://schemas.microsoft.com/office/drawing/2014/main" id="{E0F8F92E-ED69-DF2A-F7BC-CEC3FB55DE2B}"/>
+                <a16:creationId xmlns:a16="http://schemas.microsoft.com/office/drawing/2014/main" id="{E0586232-ACB7-C3C0-0FC9-5143F1C2A26E}"/>
               </a:ext>
             </a:extLst>
           </p:cNvPr>
@@ -4413,6 +4258,31 @@
           </p:cNvSpPr>
           <p:nvPr>
             <p:ph type="title"/>
+          </p:nvPr>
+        </p:nvSpPr>
+        <p:spPr/>
+        <p:txBody>
+          <a:bodyPr/>
+          <a:lstStyle/>
+          <a:p>
+            <a:endParaRPr lang="en-NZ"/>
+          </a:p>
+        </p:txBody>
+      </p:sp>
+      <p:sp>
+        <p:nvSpPr>
+          <p:cNvPr id="3" name="Content Placeholder 2">
+            <a:extLst>
+              <a:ext uri="{FF2B5EF4-FFF2-40B4-BE49-F238E27FC236}">
+                <a16:creationId xmlns:a16="http://schemas.microsoft.com/office/drawing/2014/main" id="{F3875B38-BD07-1803-06BE-CCDE01B53B1C}"/>
+              </a:ext>
+            </a:extLst>
+          </p:cNvPr>
+          <p:cNvSpPr>
+            <a:spLocks noGrp="1"/>
+          </p:cNvSpPr>
+          <p:nvPr>
+            <p:ph idx="1"/>
           </p:nvPr>
         </p:nvSpPr>
         <p:spPr/>
@@ -4426,10 +4296,10 @@
       </p:sp>
       <p:pic>
         <p:nvPicPr>
-          <p:cNvPr id="6" name="Picture 5">
-            <a:extLst>
-              <a:ext uri="{FF2B5EF4-FFF2-40B4-BE49-F238E27FC236}">
-                <a16:creationId xmlns:a16="http://schemas.microsoft.com/office/drawing/2014/main" id="{8F7A91C7-C4F5-24B0-8565-8313D0B1240C}"/>
+          <p:cNvPr id="7" name="Picture 6">
+            <a:extLst>
+              <a:ext uri="{FF2B5EF4-FFF2-40B4-BE49-F238E27FC236}">
+                <a16:creationId xmlns:a16="http://schemas.microsoft.com/office/drawing/2014/main" id="{C759FFEB-30F9-85D5-DE9F-B1E29453ADEC}"/>
               </a:ext>
             </a:extLst>
           </p:cNvPr>
@@ -4440,157 +4310,278 @@
         </p:nvPicPr>
         <p:blipFill rotWithShape="1">
           <a:blip r:embed="rId2"/>
-          <a:srcRect l="24427" t="12316" r="31395" b="13529"/>
+          <a:srcRect l="74844" t="48781" r="15601" b="15070"/>
           <a:stretch/>
         </p:blipFill>
         <p:spPr>
           <a:xfrm>
-            <a:off x="5455838" y="1461570"/>
-            <a:ext cx="3864864" cy="4351338"/>
+            <a:off x="282272" y="213091"/>
+            <a:ext cx="6044454" cy="6431817"/>
           </a:xfrm>
           <a:prstGeom prst="rect">
             <a:avLst/>
           </a:prstGeom>
         </p:spPr>
       </p:pic>
-      <p:grpSp>
-        <p:nvGrpSpPr>
-          <p:cNvPr id="13" name="Group 12">
-            <a:extLst>
-              <a:ext uri="{FF2B5EF4-FFF2-40B4-BE49-F238E27FC236}">
-                <a16:creationId xmlns:a16="http://schemas.microsoft.com/office/drawing/2014/main" id="{2709BFBB-3D79-71DA-EDB7-15210A047114}"/>
-              </a:ext>
-            </a:extLst>
-          </p:cNvPr>
-          <p:cNvGrpSpPr/>
+      <p:pic>
+        <p:nvPicPr>
+          <p:cNvPr id="8" name="Picture 7">
+            <a:extLst>
+              <a:ext uri="{FF2B5EF4-FFF2-40B4-BE49-F238E27FC236}">
+                <a16:creationId xmlns:a16="http://schemas.microsoft.com/office/drawing/2014/main" id="{E04D91B0-9815-99B0-258B-9459C9A10560}"/>
+              </a:ext>
+            </a:extLst>
+          </p:cNvPr>
+          <p:cNvPicPr>
+            <a:picLocks noChangeAspect="1"/>
+          </p:cNvPicPr>
           <p:nvPr/>
-        </p:nvGrpSpPr>
-        <p:grpSpPr>
+        </p:nvPicPr>
+        <p:blipFill rotWithShape="1">
+          <a:blip r:embed="rId3"/>
+          <a:srcRect l="5434" b="4825"/>
+          <a:stretch/>
+        </p:blipFill>
+        <p:spPr>
           <a:xfrm>
-            <a:off x="3642192" y="3806856"/>
-            <a:ext cx="2001189" cy="1641393"/>
-            <a:chOff x="3593424" y="3569112"/>
-            <a:chExt cx="2001189" cy="1641393"/>
-          </a:xfrm>
-        </p:grpSpPr>
-        <p:pic>
-          <p:nvPicPr>
-            <p:cNvPr id="10" name="Picture 9">
-              <a:extLst>
-                <a:ext uri="{FF2B5EF4-FFF2-40B4-BE49-F238E27FC236}">
-                  <a16:creationId xmlns:a16="http://schemas.microsoft.com/office/drawing/2014/main" id="{348581A8-1489-0B4A-ABD8-B344167CF4F1}"/>
-                </a:ext>
-              </a:extLst>
-            </p:cNvPr>
-            <p:cNvPicPr>
-              <a:picLocks noChangeAspect="1"/>
-            </p:cNvPicPr>
-            <p:nvPr/>
-          </p:nvPicPr>
-          <p:blipFill rotWithShape="1">
-            <a:blip r:embed="rId3"/>
-            <a:srcRect b="11344"/>
-            <a:stretch/>
-          </p:blipFill>
-          <p:spPr>
-            <a:xfrm>
-              <a:off x="3864355" y="3599816"/>
-              <a:ext cx="1526511" cy="1365784"/>
-            </a:xfrm>
-            <a:prstGeom prst="rect">
-              <a:avLst/>
-            </a:prstGeom>
-          </p:spPr>
-        </p:pic>
-        <p:sp>
-          <p:nvSpPr>
-            <p:cNvPr id="11" name="TextBox 10">
-              <a:extLst>
-                <a:ext uri="{FF2B5EF4-FFF2-40B4-BE49-F238E27FC236}">
-                  <a16:creationId xmlns:a16="http://schemas.microsoft.com/office/drawing/2014/main" id="{3FA20D26-CC44-E546-3A78-00DB51B9EB73}"/>
-                </a:ext>
-              </a:extLst>
-            </p:cNvPr>
-            <p:cNvSpPr txBox="1"/>
-            <p:nvPr/>
-          </p:nvSpPr>
-          <p:spPr>
-            <a:xfrm rot="16200000">
-              <a:off x="2951582" y="4210954"/>
-              <a:ext cx="1537600" cy="253916"/>
-            </a:xfrm>
-            <a:prstGeom prst="rect">
-              <a:avLst/>
-            </a:prstGeom>
-            <a:noFill/>
-          </p:spPr>
-          <p:txBody>
-            <a:bodyPr wrap="none" rtlCol="0">
-              <a:spAutoFit/>
-            </a:bodyPr>
-            <a:lstStyle/>
-            <a:p>
-              <a:r>
-                <a:rPr lang="pt-BR" sz="1050" dirty="0">
-                  <a:latin typeface="Arial" panose="020B0604020202020204" pitchFamily="34" charset="0"/>
-                  <a:cs typeface="Arial" panose="020B0604020202020204" pitchFamily="34" charset="0"/>
-                </a:rPr>
-                <a:t>- Hazard: Scenario 2 +</a:t>
-              </a:r>
-              <a:endParaRPr lang="en-NZ" sz="1050" dirty="0">
+            <a:off x="4385192" y="443586"/>
+            <a:ext cx="1591370" cy="1247102"/>
+          </a:xfrm>
+          <a:prstGeom prst="rect">
+            <a:avLst/>
+          </a:prstGeom>
+        </p:spPr>
+      </p:pic>
+      <p:sp>
+        <p:nvSpPr>
+          <p:cNvPr id="9" name="TextBox 8">
+            <a:extLst>
+              <a:ext uri="{FF2B5EF4-FFF2-40B4-BE49-F238E27FC236}">
+                <a16:creationId xmlns:a16="http://schemas.microsoft.com/office/drawing/2014/main" id="{9E07AF82-624B-0AFB-4AC1-B728E444E23F}"/>
+              </a:ext>
+            </a:extLst>
+          </p:cNvPr>
+          <p:cNvSpPr txBox="1"/>
+          <p:nvPr/>
+        </p:nvSpPr>
+        <p:spPr>
+          <a:xfrm rot="16200000">
+            <a:off x="3452969" y="996949"/>
+            <a:ext cx="1537600" cy="253916"/>
+          </a:xfrm>
+          <a:prstGeom prst="rect">
+            <a:avLst/>
+          </a:prstGeom>
+          <a:noFill/>
+        </p:spPr>
+        <p:txBody>
+          <a:bodyPr wrap="none" rtlCol="0">
+            <a:spAutoFit/>
+          </a:bodyPr>
+          <a:lstStyle/>
+          <a:p>
+            <a:r>
+              <a:rPr lang="pt-BR" sz="1050" dirty="0">
                 <a:latin typeface="Arial" panose="020B0604020202020204" pitchFamily="34" charset="0"/>
                 <a:cs typeface="Arial" panose="020B0604020202020204" pitchFamily="34" charset="0"/>
-              </a:endParaRPr>
-            </a:p>
-          </p:txBody>
-        </p:sp>
-        <p:sp>
-          <p:nvSpPr>
-            <p:cNvPr id="12" name="TextBox 11">
-              <a:extLst>
-                <a:ext uri="{FF2B5EF4-FFF2-40B4-BE49-F238E27FC236}">
-                  <a16:creationId xmlns:a16="http://schemas.microsoft.com/office/drawing/2014/main" id="{5DD2737A-8862-98B7-631B-D02D39536E6E}"/>
-                </a:ext>
-              </a:extLst>
-            </p:cNvPr>
-            <p:cNvSpPr txBox="1"/>
-            <p:nvPr/>
-          </p:nvSpPr>
-          <p:spPr>
-            <a:xfrm>
-              <a:off x="3720382" y="4956589"/>
-              <a:ext cx="1874231" cy="253916"/>
-            </a:xfrm>
-            <a:prstGeom prst="rect">
-              <a:avLst/>
-            </a:prstGeom>
-            <a:noFill/>
-          </p:spPr>
-          <p:txBody>
-            <a:bodyPr wrap="none" rtlCol="0">
-              <a:spAutoFit/>
-            </a:bodyPr>
-            <a:lstStyle/>
-            <a:p>
-              <a:r>
-                <a:rPr lang="pt-BR" sz="1050" dirty="0">
-                  <a:latin typeface="Arial" panose="020B0604020202020204" pitchFamily="34" charset="0"/>
-                  <a:cs typeface="Arial" panose="020B0604020202020204" pitchFamily="34" charset="0"/>
-                </a:rPr>
-                <a:t>- Time to reach healthcare +</a:t>
-              </a:r>
-              <a:endParaRPr lang="en-NZ" sz="1050" dirty="0">
+              </a:rPr>
+              <a:t>- Hazard: Scenario 1 +</a:t>
+            </a:r>
+            <a:endParaRPr lang="en-NZ" sz="1050" dirty="0">
+              <a:latin typeface="Arial" panose="020B0604020202020204" pitchFamily="34" charset="0"/>
+              <a:cs typeface="Arial" panose="020B0604020202020204" pitchFamily="34" charset="0"/>
+            </a:endParaRPr>
+          </a:p>
+        </p:txBody>
+      </p:sp>
+      <p:sp>
+        <p:nvSpPr>
+          <p:cNvPr id="10" name="TextBox 9">
+            <a:extLst>
+              <a:ext uri="{FF2B5EF4-FFF2-40B4-BE49-F238E27FC236}">
+                <a16:creationId xmlns:a16="http://schemas.microsoft.com/office/drawing/2014/main" id="{79CC58E3-7219-BBCF-C521-7B003B9B4261}"/>
+              </a:ext>
+            </a:extLst>
+          </p:cNvPr>
+          <p:cNvSpPr txBox="1"/>
+          <p:nvPr/>
+        </p:nvSpPr>
+        <p:spPr>
+          <a:xfrm>
+            <a:off x="4221769" y="1742584"/>
+            <a:ext cx="1874231" cy="253916"/>
+          </a:xfrm>
+          <a:prstGeom prst="rect">
+            <a:avLst/>
+          </a:prstGeom>
+          <a:noFill/>
+        </p:spPr>
+        <p:txBody>
+          <a:bodyPr wrap="none" rtlCol="0">
+            <a:spAutoFit/>
+          </a:bodyPr>
+          <a:lstStyle/>
+          <a:p>
+            <a:r>
+              <a:rPr lang="pt-BR" sz="1050" dirty="0">
                 <a:latin typeface="Arial" panose="020B0604020202020204" pitchFamily="34" charset="0"/>
                 <a:cs typeface="Arial" panose="020B0604020202020204" pitchFamily="34" charset="0"/>
-              </a:endParaRPr>
-            </a:p>
-          </p:txBody>
-        </p:sp>
-      </p:grpSp>
+              </a:rPr>
+              <a:t>- Time to reach healthcare +</a:t>
+            </a:r>
+            <a:endParaRPr lang="en-NZ" sz="1050" dirty="0">
+              <a:latin typeface="Arial" panose="020B0604020202020204" pitchFamily="34" charset="0"/>
+              <a:cs typeface="Arial" panose="020B0604020202020204" pitchFamily="34" charset="0"/>
+            </a:endParaRPr>
+          </a:p>
+        </p:txBody>
+      </p:sp>
+      <p:pic>
+        <p:nvPicPr>
+          <p:cNvPr id="11" name="Picture 10">
+            <a:extLst>
+              <a:ext uri="{FF2B5EF4-FFF2-40B4-BE49-F238E27FC236}">
+                <a16:creationId xmlns:a16="http://schemas.microsoft.com/office/drawing/2014/main" id="{53E5BF57-CECC-60FC-38F2-9192D876CF82}"/>
+              </a:ext>
+            </a:extLst>
+          </p:cNvPr>
+          <p:cNvPicPr>
+            <a:picLocks noChangeAspect="1"/>
+          </p:cNvPicPr>
+          <p:nvPr/>
+        </p:nvPicPr>
+        <p:blipFill rotWithShape="1">
+          <a:blip r:embed="rId4"/>
+          <a:srcRect l="49020" t="49388" r="30533"/>
+          <a:stretch/>
+        </p:blipFill>
+        <p:spPr>
+          <a:xfrm>
+            <a:off x="6326726" y="365125"/>
+            <a:ext cx="5760000" cy="7580157"/>
+          </a:xfrm>
+          <a:prstGeom prst="rect">
+            <a:avLst/>
+          </a:prstGeom>
+        </p:spPr>
+      </p:pic>
+      <p:sp>
+        <p:nvSpPr>
+          <p:cNvPr id="12" name="TextBox 11">
+            <a:extLst>
+              <a:ext uri="{FF2B5EF4-FFF2-40B4-BE49-F238E27FC236}">
+                <a16:creationId xmlns:a16="http://schemas.microsoft.com/office/drawing/2014/main" id="{72252596-3821-86C8-06DC-891CCA8D13C8}"/>
+              </a:ext>
+            </a:extLst>
+          </p:cNvPr>
+          <p:cNvSpPr txBox="1"/>
+          <p:nvPr/>
+        </p:nvSpPr>
+        <p:spPr>
+          <a:xfrm rot="16200000">
+            <a:off x="9204540" y="872556"/>
+            <a:ext cx="1537600" cy="253916"/>
+          </a:xfrm>
+          <a:prstGeom prst="rect">
+            <a:avLst/>
+          </a:prstGeom>
+          <a:noFill/>
+        </p:spPr>
+        <p:txBody>
+          <a:bodyPr wrap="none" rtlCol="0">
+            <a:spAutoFit/>
+          </a:bodyPr>
+          <a:lstStyle/>
+          <a:p>
+            <a:r>
+              <a:rPr lang="pt-BR" sz="1050" dirty="0">
+                <a:latin typeface="Arial" panose="020B0604020202020204" pitchFamily="34" charset="0"/>
+                <a:cs typeface="Arial" panose="020B0604020202020204" pitchFamily="34" charset="0"/>
+              </a:rPr>
+              <a:t>- Hazard: Scenario 2 +</a:t>
+            </a:r>
+            <a:endParaRPr lang="en-NZ" sz="1050" dirty="0">
+              <a:latin typeface="Arial" panose="020B0604020202020204" pitchFamily="34" charset="0"/>
+              <a:cs typeface="Arial" panose="020B0604020202020204" pitchFamily="34" charset="0"/>
+            </a:endParaRPr>
+          </a:p>
+        </p:txBody>
+      </p:sp>
+      <p:sp>
+        <p:nvSpPr>
+          <p:cNvPr id="13" name="TextBox 12">
+            <a:extLst>
+              <a:ext uri="{FF2B5EF4-FFF2-40B4-BE49-F238E27FC236}">
+                <a16:creationId xmlns:a16="http://schemas.microsoft.com/office/drawing/2014/main" id="{1779D251-E33B-EDF2-A6DC-F4C82AC9A7BC}"/>
+              </a:ext>
+            </a:extLst>
+          </p:cNvPr>
+          <p:cNvSpPr txBox="1"/>
+          <p:nvPr/>
+        </p:nvSpPr>
+        <p:spPr>
+          <a:xfrm>
+            <a:off x="9973340" y="1618191"/>
+            <a:ext cx="1874231" cy="253916"/>
+          </a:xfrm>
+          <a:prstGeom prst="rect">
+            <a:avLst/>
+          </a:prstGeom>
+          <a:noFill/>
+        </p:spPr>
+        <p:txBody>
+          <a:bodyPr wrap="none" rtlCol="0">
+            <a:spAutoFit/>
+          </a:bodyPr>
+          <a:lstStyle/>
+          <a:p>
+            <a:r>
+              <a:rPr lang="pt-BR" sz="1050" dirty="0">
+                <a:latin typeface="Arial" panose="020B0604020202020204" pitchFamily="34" charset="0"/>
+                <a:cs typeface="Arial" panose="020B0604020202020204" pitchFamily="34" charset="0"/>
+              </a:rPr>
+              <a:t>- Time to reach healthcare +</a:t>
+            </a:r>
+            <a:endParaRPr lang="en-NZ" sz="1050" dirty="0">
+              <a:latin typeface="Arial" panose="020B0604020202020204" pitchFamily="34" charset="0"/>
+              <a:cs typeface="Arial" panose="020B0604020202020204" pitchFamily="34" charset="0"/>
+            </a:endParaRPr>
+          </a:p>
+        </p:txBody>
+      </p:sp>
+      <p:pic>
+        <p:nvPicPr>
+          <p:cNvPr id="14" name="Picture 13">
+            <a:extLst>
+              <a:ext uri="{FF2B5EF4-FFF2-40B4-BE49-F238E27FC236}">
+                <a16:creationId xmlns:a16="http://schemas.microsoft.com/office/drawing/2014/main" id="{B80AF72E-68A1-6087-3318-53AEC88B6740}"/>
+              </a:ext>
+            </a:extLst>
+          </p:cNvPr>
+          <p:cNvPicPr>
+            <a:picLocks noChangeAspect="1"/>
+          </p:cNvPicPr>
+          <p:nvPr/>
+        </p:nvPicPr>
+        <p:blipFill rotWithShape="1">
+          <a:blip r:embed="rId3"/>
+          <a:srcRect l="5434" b="4825"/>
+          <a:stretch/>
+        </p:blipFill>
+        <p:spPr>
+          <a:xfrm>
+            <a:off x="10112594" y="374952"/>
+            <a:ext cx="1591370" cy="1247102"/>
+          </a:xfrm>
+          <a:prstGeom prst="rect">
+            <a:avLst/>
+          </a:prstGeom>
+        </p:spPr>
+      </p:pic>
     </p:spTree>
     <p:extLst>
       <p:ext uri="{BB962C8B-B14F-4D97-AF65-F5344CB8AC3E}">
-        <p14:creationId xmlns:p14="http://schemas.microsoft.com/office/powerpoint/2010/main" val="167876554"/>
+        <p14:creationId xmlns:p14="http://schemas.microsoft.com/office/powerpoint/2010/main" val="4061473718"/>
       </p:ext>
     </p:extLst>
   </p:cSld>
@@ -4622,7 +4613,7 @@
           <p:cNvPr id="2" name="Title 1">
             <a:extLst>
               <a:ext uri="{FF2B5EF4-FFF2-40B4-BE49-F238E27FC236}">
-                <a16:creationId xmlns:a16="http://schemas.microsoft.com/office/drawing/2014/main" id="{8BF3EC73-CC47-50AE-E7C2-BDB12A62CE1A}"/>
+                <a16:creationId xmlns:a16="http://schemas.microsoft.com/office/drawing/2014/main" id="{ED4DAD48-13D1-734F-29E2-CC087C734E18}"/>
               </a:ext>
             </a:extLst>
           </p:cNvPr>
@@ -4647,7 +4638,7 @@
           <p:cNvPr id="3" name="Content Placeholder 2">
             <a:extLst>
               <a:ext uri="{FF2B5EF4-FFF2-40B4-BE49-F238E27FC236}">
-                <a16:creationId xmlns:a16="http://schemas.microsoft.com/office/drawing/2014/main" id="{82CF4F9E-271A-3081-D216-BC54AE52848E}"/>
+                <a16:creationId xmlns:a16="http://schemas.microsoft.com/office/drawing/2014/main" id="{903BB9D9-EEE1-25A9-ACA5-3CEE079B4C22}"/>
               </a:ext>
             </a:extLst>
           </p:cNvPr>
@@ -4663,61 +4654,298 @@
           <a:bodyPr/>
           <a:lstStyle/>
           <a:p>
-            <a:endParaRPr lang="en-NZ"/>
+            <a:endParaRPr lang="en-NZ" dirty="0"/>
           </a:p>
         </p:txBody>
       </p:sp>
       <p:pic>
         <p:nvPicPr>
-          <p:cNvPr id="4098" name="Picture 2">
-            <a:extLst>
-              <a:ext uri="{FF2B5EF4-FFF2-40B4-BE49-F238E27FC236}">
-                <a16:creationId xmlns:a16="http://schemas.microsoft.com/office/drawing/2014/main" id="{755799CB-2F81-2094-FD7B-DC5CBC2FC737}"/>
+          <p:cNvPr id="5" name="Picture 4">
+            <a:extLst>
+              <a:ext uri="{FF2B5EF4-FFF2-40B4-BE49-F238E27FC236}">
+                <a16:creationId xmlns:a16="http://schemas.microsoft.com/office/drawing/2014/main" id="{F58BA3D7-4118-EB8E-158B-E4FF8EB141EE}"/>
               </a:ext>
             </a:extLst>
           </p:cNvPr>
           <p:cNvPicPr>
-            <a:picLocks noChangeAspect="1" noChangeArrowheads="1"/>
+            <a:picLocks noChangeAspect="1"/>
           </p:cNvPicPr>
           <p:nvPr/>
         </p:nvPicPr>
-        <p:blipFill>
-          <a:blip r:embed="rId2">
-            <a:extLst>
-              <a:ext uri="{28A0092B-C50C-407E-A947-70E740481C1C}">
-                <a14:useLocalDpi xmlns:a14="http://schemas.microsoft.com/office/drawing/2010/main" val="0"/>
-              </a:ext>
-            </a:extLst>
-          </a:blip>
-          <a:srcRect/>
-          <a:stretch>
-            <a:fillRect/>
-          </a:stretch>
+        <p:blipFill rotWithShape="1">
+          <a:blip r:embed="rId2"/>
+          <a:srcRect l="69848" t="38116" r="20891" b="27797"/>
+          <a:stretch/>
         </p:blipFill>
-        <p:spPr bwMode="auto">
+        <p:spPr>
           <a:xfrm>
-            <a:off x="-293544" y="-924791"/>
-            <a:ext cx="14380039" cy="7739423"/>
+            <a:off x="6013836" y="897049"/>
+            <a:ext cx="5339964" cy="5527989"/>
+          </a:xfrm>
+          <a:prstGeom prst="rect">
+            <a:avLst/>
+          </a:prstGeom>
+        </p:spPr>
+      </p:pic>
+      <p:pic>
+        <p:nvPicPr>
+          <p:cNvPr id="7" name="Picture 6">
+            <a:extLst>
+              <a:ext uri="{FF2B5EF4-FFF2-40B4-BE49-F238E27FC236}">
+                <a16:creationId xmlns:a16="http://schemas.microsoft.com/office/drawing/2014/main" id="{E53C0C11-F2A2-1995-7909-A70F4FE72C55}"/>
+              </a:ext>
+            </a:extLst>
+          </p:cNvPr>
+          <p:cNvPicPr>
+            <a:picLocks noChangeAspect="1"/>
+          </p:cNvPicPr>
+          <p:nvPr/>
+        </p:nvPicPr>
+        <p:blipFill rotWithShape="1">
+          <a:blip r:embed="rId3"/>
+          <a:srcRect l="69761" t="39049" r="20891" b="26632"/>
+          <a:stretch/>
+        </p:blipFill>
+        <p:spPr>
+          <a:xfrm>
+            <a:off x="673873" y="897049"/>
+            <a:ext cx="5339964" cy="5513827"/>
+          </a:xfrm>
+          <a:prstGeom prst="rect">
+            <a:avLst/>
+          </a:prstGeom>
+        </p:spPr>
+      </p:pic>
+      <p:pic>
+        <p:nvPicPr>
+          <p:cNvPr id="8" name="Picture 7">
+            <a:extLst>
+              <a:ext uri="{FF2B5EF4-FFF2-40B4-BE49-F238E27FC236}">
+                <a16:creationId xmlns:a16="http://schemas.microsoft.com/office/drawing/2014/main" id="{CB6D5D61-BEA8-DD97-23AC-AB158D654A98}"/>
+              </a:ext>
+            </a:extLst>
+          </p:cNvPr>
+          <p:cNvPicPr>
+            <a:picLocks noChangeAspect="1"/>
+          </p:cNvPicPr>
+          <p:nvPr/>
+        </p:nvPicPr>
+        <p:blipFill rotWithShape="1">
+          <a:blip r:embed="rId4"/>
+          <a:srcRect l="5434" b="4825"/>
+          <a:stretch/>
+        </p:blipFill>
+        <p:spPr>
+          <a:xfrm>
+            <a:off x="4337485" y="-677650"/>
+            <a:ext cx="1591370" cy="1247102"/>
+          </a:xfrm>
+          <a:prstGeom prst="rect">
+            <a:avLst/>
+          </a:prstGeom>
+        </p:spPr>
+      </p:pic>
+      <p:sp>
+        <p:nvSpPr>
+          <p:cNvPr id="9" name="TextBox 8">
+            <a:extLst>
+              <a:ext uri="{FF2B5EF4-FFF2-40B4-BE49-F238E27FC236}">
+                <a16:creationId xmlns:a16="http://schemas.microsoft.com/office/drawing/2014/main" id="{337945D8-6853-E939-F1F1-621515F19810}"/>
+              </a:ext>
+            </a:extLst>
+          </p:cNvPr>
+          <p:cNvSpPr txBox="1"/>
+          <p:nvPr/>
+        </p:nvSpPr>
+        <p:spPr>
+          <a:xfrm rot="16200000">
+            <a:off x="3405262" y="-124287"/>
+            <a:ext cx="1537600" cy="253916"/>
           </a:xfrm>
           <a:prstGeom prst="rect">
             <a:avLst/>
           </a:prstGeom>
           <a:noFill/>
-          <a:extLst>
-            <a:ext uri="{909E8E84-426E-40DD-AFC4-6F175D3DCCD1}">
-              <a14:hiddenFill xmlns:a14="http://schemas.microsoft.com/office/drawing/2010/main">
-                <a:solidFill>
-                  <a:srgbClr val="FFFFFF"/>
-                </a:solidFill>
-              </a14:hiddenFill>
-            </a:ext>
-          </a:extLst>
+        </p:spPr>
+        <p:txBody>
+          <a:bodyPr wrap="none" rtlCol="0">
+            <a:spAutoFit/>
+          </a:bodyPr>
+          <a:lstStyle/>
+          <a:p>
+            <a:r>
+              <a:rPr lang="pt-BR" sz="1050" dirty="0">
+                <a:latin typeface="Arial" panose="020B0604020202020204" pitchFamily="34" charset="0"/>
+                <a:cs typeface="Arial" panose="020B0604020202020204" pitchFamily="34" charset="0"/>
+              </a:rPr>
+              <a:t>- Hazard: Scenario 1 +</a:t>
+            </a:r>
+            <a:endParaRPr lang="en-NZ" sz="1050" dirty="0">
+              <a:latin typeface="Arial" panose="020B0604020202020204" pitchFamily="34" charset="0"/>
+              <a:cs typeface="Arial" panose="020B0604020202020204" pitchFamily="34" charset="0"/>
+            </a:endParaRPr>
+          </a:p>
+        </p:txBody>
+      </p:sp>
+      <p:sp>
+        <p:nvSpPr>
+          <p:cNvPr id="10" name="TextBox 9">
+            <a:extLst>
+              <a:ext uri="{FF2B5EF4-FFF2-40B4-BE49-F238E27FC236}">
+                <a16:creationId xmlns:a16="http://schemas.microsoft.com/office/drawing/2014/main" id="{4FD6AC77-71DE-A0B4-3E64-0F702A8FF00F}"/>
+              </a:ext>
+            </a:extLst>
+          </p:cNvPr>
+          <p:cNvSpPr txBox="1"/>
+          <p:nvPr/>
+        </p:nvSpPr>
+        <p:spPr>
+          <a:xfrm>
+            <a:off x="4174062" y="621348"/>
+            <a:ext cx="1874231" cy="253916"/>
+          </a:xfrm>
+          <a:prstGeom prst="rect">
+            <a:avLst/>
+          </a:prstGeom>
+          <a:noFill/>
+        </p:spPr>
+        <p:txBody>
+          <a:bodyPr wrap="none" rtlCol="0">
+            <a:spAutoFit/>
+          </a:bodyPr>
+          <a:lstStyle/>
+          <a:p>
+            <a:r>
+              <a:rPr lang="pt-BR" sz="1050" dirty="0">
+                <a:latin typeface="Arial" panose="020B0604020202020204" pitchFamily="34" charset="0"/>
+                <a:cs typeface="Arial" panose="020B0604020202020204" pitchFamily="34" charset="0"/>
+              </a:rPr>
+              <a:t>- Time to reach healthcare +</a:t>
+            </a:r>
+            <a:endParaRPr lang="en-NZ" sz="1050" dirty="0">
+              <a:latin typeface="Arial" panose="020B0604020202020204" pitchFamily="34" charset="0"/>
+              <a:cs typeface="Arial" panose="020B0604020202020204" pitchFamily="34" charset="0"/>
+            </a:endParaRPr>
+          </a:p>
+        </p:txBody>
+      </p:sp>
+      <p:sp>
+        <p:nvSpPr>
+          <p:cNvPr id="11" name="TextBox 10">
+            <a:extLst>
+              <a:ext uri="{FF2B5EF4-FFF2-40B4-BE49-F238E27FC236}">
+                <a16:creationId xmlns:a16="http://schemas.microsoft.com/office/drawing/2014/main" id="{5C080652-C219-0788-218E-E98D31E960F2}"/>
+              </a:ext>
+            </a:extLst>
+          </p:cNvPr>
+          <p:cNvSpPr txBox="1"/>
+          <p:nvPr/>
+        </p:nvSpPr>
+        <p:spPr>
+          <a:xfrm rot="16200000">
+            <a:off x="9156833" y="-248680"/>
+            <a:ext cx="1537600" cy="253916"/>
+          </a:xfrm>
+          <a:prstGeom prst="rect">
+            <a:avLst/>
+          </a:prstGeom>
+          <a:noFill/>
+        </p:spPr>
+        <p:txBody>
+          <a:bodyPr wrap="none" rtlCol="0">
+            <a:spAutoFit/>
+          </a:bodyPr>
+          <a:lstStyle/>
+          <a:p>
+            <a:r>
+              <a:rPr lang="pt-BR" sz="1050" dirty="0">
+                <a:latin typeface="Arial" panose="020B0604020202020204" pitchFamily="34" charset="0"/>
+                <a:cs typeface="Arial" panose="020B0604020202020204" pitchFamily="34" charset="0"/>
+              </a:rPr>
+              <a:t>- Hazard: Scenario 2 +</a:t>
+            </a:r>
+            <a:endParaRPr lang="en-NZ" sz="1050" dirty="0">
+              <a:latin typeface="Arial" panose="020B0604020202020204" pitchFamily="34" charset="0"/>
+              <a:cs typeface="Arial" panose="020B0604020202020204" pitchFamily="34" charset="0"/>
+            </a:endParaRPr>
+          </a:p>
+        </p:txBody>
+      </p:sp>
+      <p:sp>
+        <p:nvSpPr>
+          <p:cNvPr id="12" name="TextBox 11">
+            <a:extLst>
+              <a:ext uri="{FF2B5EF4-FFF2-40B4-BE49-F238E27FC236}">
+                <a16:creationId xmlns:a16="http://schemas.microsoft.com/office/drawing/2014/main" id="{BE3A5BA4-BF97-64A0-46BA-5B875D5788AD}"/>
+              </a:ext>
+            </a:extLst>
+          </p:cNvPr>
+          <p:cNvSpPr txBox="1"/>
+          <p:nvPr/>
+        </p:nvSpPr>
+        <p:spPr>
+          <a:xfrm>
+            <a:off x="9925633" y="496955"/>
+            <a:ext cx="1874231" cy="253916"/>
+          </a:xfrm>
+          <a:prstGeom prst="rect">
+            <a:avLst/>
+          </a:prstGeom>
+          <a:noFill/>
+        </p:spPr>
+        <p:txBody>
+          <a:bodyPr wrap="none" rtlCol="0">
+            <a:spAutoFit/>
+          </a:bodyPr>
+          <a:lstStyle/>
+          <a:p>
+            <a:r>
+              <a:rPr lang="pt-BR" sz="1050" dirty="0">
+                <a:latin typeface="Arial" panose="020B0604020202020204" pitchFamily="34" charset="0"/>
+                <a:cs typeface="Arial" panose="020B0604020202020204" pitchFamily="34" charset="0"/>
+              </a:rPr>
+              <a:t>- Time to reach healthcare +</a:t>
+            </a:r>
+            <a:endParaRPr lang="en-NZ" sz="1050" dirty="0">
+              <a:latin typeface="Arial" panose="020B0604020202020204" pitchFamily="34" charset="0"/>
+              <a:cs typeface="Arial" panose="020B0604020202020204" pitchFamily="34" charset="0"/>
+            </a:endParaRPr>
+          </a:p>
+        </p:txBody>
+      </p:sp>
+      <p:pic>
+        <p:nvPicPr>
+          <p:cNvPr id="13" name="Picture 12">
+            <a:extLst>
+              <a:ext uri="{FF2B5EF4-FFF2-40B4-BE49-F238E27FC236}">
+                <a16:creationId xmlns:a16="http://schemas.microsoft.com/office/drawing/2014/main" id="{221CF551-7870-D18F-B3A4-0D69CE429467}"/>
+              </a:ext>
+            </a:extLst>
+          </p:cNvPr>
+          <p:cNvPicPr>
+            <a:picLocks noChangeAspect="1"/>
+          </p:cNvPicPr>
+          <p:nvPr/>
+        </p:nvPicPr>
+        <p:blipFill rotWithShape="1">
+          <a:blip r:embed="rId4"/>
+          <a:srcRect l="5434" b="4825"/>
+          <a:stretch/>
+        </p:blipFill>
+        <p:spPr>
+          <a:xfrm>
+            <a:off x="10064887" y="-746284"/>
+            <a:ext cx="1591370" cy="1247102"/>
+          </a:xfrm>
+          <a:prstGeom prst="rect">
+            <a:avLst/>
+          </a:prstGeom>
         </p:spPr>
       </p:pic>
     </p:spTree>
     <p:extLst>
       <p:ext uri="{BB962C8B-B14F-4D97-AF65-F5344CB8AC3E}">
-        <p14:creationId xmlns:p14="http://schemas.microsoft.com/office/powerpoint/2010/main" val="2448142931"/>
+        <p14:creationId xmlns:p14="http://schemas.microsoft.com/office/powerpoint/2010/main" val="2763511205"/>
       </p:ext>
     </p:extLst>
   </p:cSld>
@@ -4728,6 +4956,523 @@
 </file>
 
 <file path=ppt/slides/slide5.xml><?xml version="1.0" encoding="utf-8"?>
+<p:sld xmlns:a="http://schemas.openxmlformats.org/drawingml/2006/main" xmlns:r="http://schemas.openxmlformats.org/officeDocument/2006/relationships" xmlns:p="http://schemas.openxmlformats.org/presentationml/2006/main">
+  <p:cSld>
+    <p:spTree>
+      <p:nvGrpSpPr>
+        <p:cNvPr id="1" name=""/>
+        <p:cNvGrpSpPr/>
+        <p:nvPr/>
+      </p:nvGrpSpPr>
+      <p:grpSpPr>
+        <a:xfrm>
+          <a:off x="0" y="0"/>
+          <a:ext cx="0" cy="0"/>
+          <a:chOff x="0" y="0"/>
+          <a:chExt cx="0" cy="0"/>
+        </a:xfrm>
+      </p:grpSpPr>
+      <p:sp>
+        <p:nvSpPr>
+          <p:cNvPr id="2" name="Title 1">
+            <a:extLst>
+              <a:ext uri="{FF2B5EF4-FFF2-40B4-BE49-F238E27FC236}">
+                <a16:creationId xmlns:a16="http://schemas.microsoft.com/office/drawing/2014/main" id="{54CAA44C-093D-57F5-824F-7CB31C578875}"/>
+              </a:ext>
+            </a:extLst>
+          </p:cNvPr>
+          <p:cNvSpPr>
+            <a:spLocks noGrp="1"/>
+          </p:cNvSpPr>
+          <p:nvPr>
+            <p:ph type="title"/>
+          </p:nvPr>
+        </p:nvSpPr>
+        <p:spPr/>
+        <p:txBody>
+          <a:bodyPr/>
+          <a:lstStyle/>
+          <a:p>
+            <a:endParaRPr lang="en-NZ"/>
+          </a:p>
+        </p:txBody>
+      </p:sp>
+      <p:sp>
+        <p:nvSpPr>
+          <p:cNvPr id="3" name="Content Placeholder 2">
+            <a:extLst>
+              <a:ext uri="{FF2B5EF4-FFF2-40B4-BE49-F238E27FC236}">
+                <a16:creationId xmlns:a16="http://schemas.microsoft.com/office/drawing/2014/main" id="{3222CD3F-8F0E-9391-58A8-496CFCE1F356}"/>
+              </a:ext>
+            </a:extLst>
+          </p:cNvPr>
+          <p:cNvSpPr>
+            <a:spLocks noGrp="1"/>
+          </p:cNvSpPr>
+          <p:nvPr>
+            <p:ph idx="1"/>
+          </p:nvPr>
+        </p:nvSpPr>
+        <p:spPr/>
+        <p:txBody>
+          <a:bodyPr/>
+          <a:lstStyle/>
+          <a:p>
+            <a:endParaRPr lang="en-NZ"/>
+          </a:p>
+        </p:txBody>
+      </p:sp>
+      <p:pic>
+        <p:nvPicPr>
+          <p:cNvPr id="4" name="Picture 3">
+            <a:extLst>
+              <a:ext uri="{FF2B5EF4-FFF2-40B4-BE49-F238E27FC236}">
+                <a16:creationId xmlns:a16="http://schemas.microsoft.com/office/drawing/2014/main" id="{8A358630-DD88-020B-861A-D2BDCA3531EF}"/>
+              </a:ext>
+            </a:extLst>
+          </p:cNvPr>
+          <p:cNvPicPr>
+            <a:picLocks noChangeAspect="1"/>
+          </p:cNvPicPr>
+          <p:nvPr/>
+        </p:nvPicPr>
+        <p:blipFill>
+          <a:blip r:embed="rId2"/>
+          <a:stretch>
+            <a:fillRect/>
+          </a:stretch>
+        </p:blipFill>
+        <p:spPr>
+          <a:xfrm>
+            <a:off x="0" y="188119"/>
+            <a:ext cx="12192000" cy="6481762"/>
+          </a:xfrm>
+          <a:prstGeom prst="rect">
+            <a:avLst/>
+          </a:prstGeom>
+        </p:spPr>
+      </p:pic>
+      <p:pic>
+        <p:nvPicPr>
+          <p:cNvPr id="5" name="Picture 4">
+            <a:extLst>
+              <a:ext uri="{FF2B5EF4-FFF2-40B4-BE49-F238E27FC236}">
+                <a16:creationId xmlns:a16="http://schemas.microsoft.com/office/drawing/2014/main" id="{CD60A5C0-C885-8BBC-40F2-018236232C55}"/>
+              </a:ext>
+            </a:extLst>
+          </p:cNvPr>
+          <p:cNvPicPr>
+            <a:picLocks noChangeAspect="1"/>
+          </p:cNvPicPr>
+          <p:nvPr/>
+        </p:nvPicPr>
+        <p:blipFill rotWithShape="1">
+          <a:blip r:embed="rId3"/>
+          <a:srcRect b="11344"/>
+          <a:stretch/>
+        </p:blipFill>
+        <p:spPr>
+          <a:xfrm>
+            <a:off x="10111826" y="2380616"/>
+            <a:ext cx="1870131" cy="1673224"/>
+          </a:xfrm>
+          <a:prstGeom prst="rect">
+            <a:avLst/>
+          </a:prstGeom>
+        </p:spPr>
+      </p:pic>
+      <p:sp>
+        <p:nvSpPr>
+          <p:cNvPr id="6" name="TextBox 5">
+            <a:extLst>
+              <a:ext uri="{FF2B5EF4-FFF2-40B4-BE49-F238E27FC236}">
+                <a16:creationId xmlns:a16="http://schemas.microsoft.com/office/drawing/2014/main" id="{86803CD7-727D-717F-FA11-59E23A773C17}"/>
+              </a:ext>
+            </a:extLst>
+          </p:cNvPr>
+          <p:cNvSpPr txBox="1"/>
+          <p:nvPr/>
+        </p:nvSpPr>
+        <p:spPr>
+          <a:xfrm>
+            <a:off x="11144448" y="2737104"/>
+            <a:ext cx="418704" cy="369332"/>
+          </a:xfrm>
+          <a:prstGeom prst="rect">
+            <a:avLst/>
+          </a:prstGeom>
+          <a:noFill/>
+        </p:spPr>
+        <p:txBody>
+          <a:bodyPr wrap="none" rtlCol="0">
+            <a:spAutoFit/>
+          </a:bodyPr>
+          <a:lstStyle/>
+          <a:p>
+            <a:r>
+              <a:rPr lang="pt-BR" dirty="0"/>
+              <a:t>12</a:t>
+            </a:r>
+            <a:endParaRPr lang="en-NZ" dirty="0"/>
+          </a:p>
+        </p:txBody>
+      </p:sp>
+      <p:sp>
+        <p:nvSpPr>
+          <p:cNvPr id="7" name="TextBox 6">
+            <a:extLst>
+              <a:ext uri="{FF2B5EF4-FFF2-40B4-BE49-F238E27FC236}">
+                <a16:creationId xmlns:a16="http://schemas.microsoft.com/office/drawing/2014/main" id="{0D9641BE-90CD-052C-00BD-F6A32D95CC08}"/>
+              </a:ext>
+            </a:extLst>
+          </p:cNvPr>
+          <p:cNvSpPr txBox="1"/>
+          <p:nvPr/>
+        </p:nvSpPr>
+        <p:spPr>
+          <a:xfrm>
+            <a:off x="11156640" y="3491255"/>
+            <a:ext cx="418704" cy="369332"/>
+          </a:xfrm>
+          <a:prstGeom prst="rect">
+            <a:avLst/>
+          </a:prstGeom>
+          <a:noFill/>
+        </p:spPr>
+        <p:txBody>
+          <a:bodyPr wrap="none" rtlCol="0">
+            <a:spAutoFit/>
+          </a:bodyPr>
+          <a:lstStyle/>
+          <a:p>
+            <a:r>
+              <a:rPr lang="pt-BR" dirty="0">
+                <a:solidFill>
+                  <a:schemeClr val="bg1"/>
+                </a:solidFill>
+              </a:rPr>
+              <a:t>10</a:t>
+            </a:r>
+            <a:endParaRPr lang="en-NZ" dirty="0">
+              <a:solidFill>
+                <a:schemeClr val="bg1"/>
+              </a:solidFill>
+            </a:endParaRPr>
+          </a:p>
+        </p:txBody>
+      </p:sp>
+      <p:sp>
+        <p:nvSpPr>
+          <p:cNvPr id="8" name="TextBox 7">
+            <a:extLst>
+              <a:ext uri="{FF2B5EF4-FFF2-40B4-BE49-F238E27FC236}">
+                <a16:creationId xmlns:a16="http://schemas.microsoft.com/office/drawing/2014/main" id="{5EC512EA-A58B-3DF5-A2D4-06E2DAD9A493}"/>
+              </a:ext>
+            </a:extLst>
+          </p:cNvPr>
+          <p:cNvSpPr txBox="1"/>
+          <p:nvPr/>
+        </p:nvSpPr>
+        <p:spPr>
+          <a:xfrm>
+            <a:off x="10318836" y="3497351"/>
+            <a:ext cx="301686" cy="369332"/>
+          </a:xfrm>
+          <a:prstGeom prst="rect">
+            <a:avLst/>
+          </a:prstGeom>
+          <a:noFill/>
+        </p:spPr>
+        <p:txBody>
+          <a:bodyPr wrap="none" rtlCol="0">
+            <a:spAutoFit/>
+          </a:bodyPr>
+          <a:lstStyle/>
+          <a:p>
+            <a:r>
+              <a:rPr lang="pt-BR" dirty="0"/>
+              <a:t>1</a:t>
+            </a:r>
+            <a:endParaRPr lang="en-NZ" dirty="0"/>
+          </a:p>
+        </p:txBody>
+      </p:sp>
+      <p:sp>
+        <p:nvSpPr>
+          <p:cNvPr id="9" name="TextBox 8">
+            <a:extLst>
+              <a:ext uri="{FF2B5EF4-FFF2-40B4-BE49-F238E27FC236}">
+                <a16:creationId xmlns:a16="http://schemas.microsoft.com/office/drawing/2014/main" id="{6C362359-2D2E-E225-CB1C-3EBBA05FCF79}"/>
+              </a:ext>
+            </a:extLst>
+          </p:cNvPr>
+          <p:cNvSpPr txBox="1"/>
+          <p:nvPr/>
+        </p:nvSpPr>
+        <p:spPr>
+          <a:xfrm>
+            <a:off x="10825101" y="3445535"/>
+            <a:ext cx="301686" cy="369332"/>
+          </a:xfrm>
+          <a:prstGeom prst="rect">
+            <a:avLst/>
+          </a:prstGeom>
+          <a:noFill/>
+        </p:spPr>
+        <p:txBody>
+          <a:bodyPr wrap="none" rtlCol="0">
+            <a:spAutoFit/>
+          </a:bodyPr>
+          <a:lstStyle/>
+          <a:p>
+            <a:r>
+              <a:rPr lang="pt-BR" dirty="0"/>
+              <a:t>7</a:t>
+            </a:r>
+            <a:endParaRPr lang="en-NZ" dirty="0"/>
+          </a:p>
+        </p:txBody>
+      </p:sp>
+      <p:sp>
+        <p:nvSpPr>
+          <p:cNvPr id="11" name="TextBox 10">
+            <a:extLst>
+              <a:ext uri="{FF2B5EF4-FFF2-40B4-BE49-F238E27FC236}">
+                <a16:creationId xmlns:a16="http://schemas.microsoft.com/office/drawing/2014/main" id="{64080385-730B-4E0E-4F5E-2ACE6A3213A2}"/>
+              </a:ext>
+            </a:extLst>
+          </p:cNvPr>
+          <p:cNvSpPr txBox="1"/>
+          <p:nvPr/>
+        </p:nvSpPr>
+        <p:spPr>
+          <a:xfrm>
+            <a:off x="10406199" y="3125528"/>
+            <a:ext cx="301686" cy="369332"/>
+          </a:xfrm>
+          <a:prstGeom prst="rect">
+            <a:avLst/>
+          </a:prstGeom>
+          <a:noFill/>
+        </p:spPr>
+        <p:txBody>
+          <a:bodyPr wrap="none" rtlCol="0">
+            <a:spAutoFit/>
+          </a:bodyPr>
+          <a:lstStyle/>
+          <a:p>
+            <a:r>
+              <a:rPr lang="pt-BR" dirty="0"/>
+              <a:t>2</a:t>
+            </a:r>
+            <a:endParaRPr lang="en-NZ" dirty="0"/>
+          </a:p>
+        </p:txBody>
+      </p:sp>
+      <p:sp>
+        <p:nvSpPr>
+          <p:cNvPr id="13" name="TextBox 12">
+            <a:extLst>
+              <a:ext uri="{FF2B5EF4-FFF2-40B4-BE49-F238E27FC236}">
+                <a16:creationId xmlns:a16="http://schemas.microsoft.com/office/drawing/2014/main" id="{01762264-494F-D524-19D2-B899DB082C07}"/>
+              </a:ext>
+            </a:extLst>
+          </p:cNvPr>
+          <p:cNvSpPr txBox="1"/>
+          <p:nvPr/>
+        </p:nvSpPr>
+        <p:spPr>
+          <a:xfrm>
+            <a:off x="10871120" y="2783055"/>
+            <a:ext cx="301686" cy="369332"/>
+          </a:xfrm>
+          <a:prstGeom prst="rect">
+            <a:avLst/>
+          </a:prstGeom>
+          <a:noFill/>
+        </p:spPr>
+        <p:txBody>
+          <a:bodyPr wrap="none" rtlCol="0">
+            <a:spAutoFit/>
+          </a:bodyPr>
+          <a:lstStyle/>
+          <a:p>
+            <a:r>
+              <a:rPr lang="pt-BR" dirty="0"/>
+              <a:t>9</a:t>
+            </a:r>
+            <a:endParaRPr lang="en-NZ" dirty="0"/>
+          </a:p>
+        </p:txBody>
+      </p:sp>
+      <p:sp>
+        <p:nvSpPr>
+          <p:cNvPr id="15" name="TextBox 14">
+            <a:extLst>
+              <a:ext uri="{FF2B5EF4-FFF2-40B4-BE49-F238E27FC236}">
+                <a16:creationId xmlns:a16="http://schemas.microsoft.com/office/drawing/2014/main" id="{CAC377D6-5507-F852-0888-4DD90AC3B0EC}"/>
+              </a:ext>
+            </a:extLst>
+          </p:cNvPr>
+          <p:cNvSpPr txBox="1"/>
+          <p:nvPr/>
+        </p:nvSpPr>
+        <p:spPr>
+          <a:xfrm>
+            <a:off x="10842762" y="3102658"/>
+            <a:ext cx="301686" cy="369332"/>
+          </a:xfrm>
+          <a:prstGeom prst="rect">
+            <a:avLst/>
+          </a:prstGeom>
+          <a:noFill/>
+        </p:spPr>
+        <p:txBody>
+          <a:bodyPr wrap="none" rtlCol="0">
+            <a:spAutoFit/>
+          </a:bodyPr>
+          <a:lstStyle/>
+          <a:p>
+            <a:r>
+              <a:rPr lang="pt-BR" dirty="0"/>
+              <a:t>8</a:t>
+            </a:r>
+            <a:endParaRPr lang="en-NZ" dirty="0"/>
+          </a:p>
+        </p:txBody>
+      </p:sp>
+      <p:sp>
+        <p:nvSpPr>
+          <p:cNvPr id="16" name="TextBox 15">
+            <a:extLst>
+              <a:ext uri="{FF2B5EF4-FFF2-40B4-BE49-F238E27FC236}">
+                <a16:creationId xmlns:a16="http://schemas.microsoft.com/office/drawing/2014/main" id="{5BED0E60-C581-AF3E-F875-2EC53727A81C}"/>
+              </a:ext>
+            </a:extLst>
+          </p:cNvPr>
+          <p:cNvSpPr txBox="1"/>
+          <p:nvPr/>
+        </p:nvSpPr>
+        <p:spPr>
+          <a:xfrm>
+            <a:off x="11156640" y="3085399"/>
+            <a:ext cx="418704" cy="369332"/>
+          </a:xfrm>
+          <a:prstGeom prst="rect">
+            <a:avLst/>
+          </a:prstGeom>
+          <a:noFill/>
+        </p:spPr>
+        <p:txBody>
+          <a:bodyPr wrap="none" rtlCol="0">
+            <a:spAutoFit/>
+          </a:bodyPr>
+          <a:lstStyle/>
+          <a:p>
+            <a:r>
+              <a:rPr lang="pt-BR" dirty="0">
+                <a:solidFill>
+                  <a:schemeClr val="bg1"/>
+                </a:solidFill>
+              </a:rPr>
+              <a:t>11</a:t>
+            </a:r>
+            <a:endParaRPr lang="en-NZ" dirty="0">
+              <a:solidFill>
+                <a:schemeClr val="bg1"/>
+              </a:solidFill>
+            </a:endParaRPr>
+          </a:p>
+        </p:txBody>
+      </p:sp>
+      <p:sp>
+        <p:nvSpPr>
+          <p:cNvPr id="17" name="TextBox 16">
+            <a:extLst>
+              <a:ext uri="{FF2B5EF4-FFF2-40B4-BE49-F238E27FC236}">
+                <a16:creationId xmlns:a16="http://schemas.microsoft.com/office/drawing/2014/main" id="{36C281AE-ED7B-6AC7-D6FC-CA1B72D34085}"/>
+              </a:ext>
+            </a:extLst>
+          </p:cNvPr>
+          <p:cNvSpPr txBox="1"/>
+          <p:nvPr/>
+        </p:nvSpPr>
+        <p:spPr>
+          <a:xfrm>
+            <a:off x="10376544" y="2754318"/>
+            <a:ext cx="301686" cy="369332"/>
+          </a:xfrm>
+          <a:prstGeom prst="rect">
+            <a:avLst/>
+          </a:prstGeom>
+          <a:noFill/>
+        </p:spPr>
+        <p:txBody>
+          <a:bodyPr wrap="none" rtlCol="0">
+            <a:spAutoFit/>
+          </a:bodyPr>
+          <a:lstStyle/>
+          <a:p>
+            <a:r>
+              <a:rPr lang="pt-BR" dirty="0">
+                <a:solidFill>
+                  <a:schemeClr val="bg1"/>
+                </a:solidFill>
+              </a:rPr>
+              <a:t>3</a:t>
+            </a:r>
+            <a:endParaRPr lang="en-NZ" dirty="0">
+              <a:solidFill>
+                <a:schemeClr val="bg1"/>
+              </a:solidFill>
+            </a:endParaRPr>
+          </a:p>
+        </p:txBody>
+      </p:sp>
+      <p:pic>
+        <p:nvPicPr>
+          <p:cNvPr id="20" name="Picture 19">
+            <a:extLst>
+              <a:ext uri="{FF2B5EF4-FFF2-40B4-BE49-F238E27FC236}">
+                <a16:creationId xmlns:a16="http://schemas.microsoft.com/office/drawing/2014/main" id="{2C064C2B-526A-5769-8647-66695AE54E39}"/>
+              </a:ext>
+            </a:extLst>
+          </p:cNvPr>
+          <p:cNvPicPr>
+            <a:picLocks noChangeAspect="1"/>
+          </p:cNvPicPr>
+          <p:nvPr/>
+        </p:nvPicPr>
+        <p:blipFill>
+          <a:blip r:embed="rId4"/>
+          <a:stretch>
+            <a:fillRect/>
+          </a:stretch>
+        </p:blipFill>
+        <p:spPr>
+          <a:xfrm>
+            <a:off x="1071666" y="159747"/>
+            <a:ext cx="8383230" cy="1231730"/>
+          </a:xfrm>
+          <a:prstGeom prst="rect">
+            <a:avLst/>
+          </a:prstGeom>
+        </p:spPr>
+      </p:pic>
+    </p:spTree>
+    <p:extLst>
+      <p:ext uri="{BB962C8B-B14F-4D97-AF65-F5344CB8AC3E}">
+        <p14:creationId xmlns:p14="http://schemas.microsoft.com/office/powerpoint/2010/main" val="148171327"/>
+      </p:ext>
+    </p:extLst>
+  </p:cSld>
+  <p:clrMapOvr>
+    <a:masterClrMapping/>
+  </p:clrMapOvr>
+</p:sld>
+</file>
+
+<file path=ppt/slides/slide6.xml><?xml version="1.0" encoding="utf-8"?>
 <p:sld xmlns:a="http://schemas.openxmlformats.org/drawingml/2006/main" xmlns:r="http://schemas.openxmlformats.org/officeDocument/2006/relationships" xmlns:p="http://schemas.openxmlformats.org/presentationml/2006/main">
   <p:cSld>
     <p:spTree>

--- a/results/bivariate/bivariate.pptx
+++ b/results/bivariate/bivariate.pptx
@@ -5,12 +5,12 @@
     <p:sldMasterId id="2147483648" r:id="rId1"/>
   </p:sldMasterIdLst>
   <p:sldIdLst>
-    <p:sldId id="262" r:id="rId2"/>
-    <p:sldId id="265" r:id="rId3"/>
-    <p:sldId id="266" r:id="rId4"/>
-    <p:sldId id="267" r:id="rId5"/>
+    <p:sldId id="265" r:id="rId2"/>
+    <p:sldId id="268" r:id="rId3"/>
+    <p:sldId id="269" r:id="rId4"/>
+    <p:sldId id="271" r:id="rId5"/>
     <p:sldId id="264" r:id="rId6"/>
-    <p:sldId id="263" r:id="rId7"/>
+    <p:sldId id="262" r:id="rId7"/>
   </p:sldIdLst>
   <p:sldSz cx="12192000" cy="6858000"/>
   <p:notesSz cx="6858000" cy="9144000"/>
@@ -266,7 +266,7 @@
           <a:p>
             <a:fld id="{59F2DA02-C017-43A8-B4B3-504ECAFB589F}" type="datetimeFigureOut">
               <a:rPr lang="en-NZ" smtClean="0"/>
-              <a:t>20/10/2022</a:t>
+              <a:t>21/10/2022</a:t>
             </a:fld>
             <a:endParaRPr lang="en-NZ"/>
           </a:p>
@@ -466,7 +466,7 @@
           <a:p>
             <a:fld id="{59F2DA02-C017-43A8-B4B3-504ECAFB589F}" type="datetimeFigureOut">
               <a:rPr lang="en-NZ" smtClean="0"/>
-              <a:t>20/10/2022</a:t>
+              <a:t>21/10/2022</a:t>
             </a:fld>
             <a:endParaRPr lang="en-NZ"/>
           </a:p>
@@ -676,7 +676,7 @@
           <a:p>
             <a:fld id="{59F2DA02-C017-43A8-B4B3-504ECAFB589F}" type="datetimeFigureOut">
               <a:rPr lang="en-NZ" smtClean="0"/>
-              <a:t>20/10/2022</a:t>
+              <a:t>21/10/2022</a:t>
             </a:fld>
             <a:endParaRPr lang="en-NZ"/>
           </a:p>
@@ -876,7 +876,7 @@
           <a:p>
             <a:fld id="{59F2DA02-C017-43A8-B4B3-504ECAFB589F}" type="datetimeFigureOut">
               <a:rPr lang="en-NZ" smtClean="0"/>
-              <a:t>20/10/2022</a:t>
+              <a:t>21/10/2022</a:t>
             </a:fld>
             <a:endParaRPr lang="en-NZ"/>
           </a:p>
@@ -1152,7 +1152,7 @@
           <a:p>
             <a:fld id="{59F2DA02-C017-43A8-B4B3-504ECAFB589F}" type="datetimeFigureOut">
               <a:rPr lang="en-NZ" smtClean="0"/>
-              <a:t>20/10/2022</a:t>
+              <a:t>21/10/2022</a:t>
             </a:fld>
             <a:endParaRPr lang="en-NZ"/>
           </a:p>
@@ -1420,7 +1420,7 @@
           <a:p>
             <a:fld id="{59F2DA02-C017-43A8-B4B3-504ECAFB589F}" type="datetimeFigureOut">
               <a:rPr lang="en-NZ" smtClean="0"/>
-              <a:t>20/10/2022</a:t>
+              <a:t>21/10/2022</a:t>
             </a:fld>
             <a:endParaRPr lang="en-NZ"/>
           </a:p>
@@ -1835,7 +1835,7 @@
           <a:p>
             <a:fld id="{59F2DA02-C017-43A8-B4B3-504ECAFB589F}" type="datetimeFigureOut">
               <a:rPr lang="en-NZ" smtClean="0"/>
-              <a:t>20/10/2022</a:t>
+              <a:t>21/10/2022</a:t>
             </a:fld>
             <a:endParaRPr lang="en-NZ"/>
           </a:p>
@@ -1977,7 +1977,7 @@
           <a:p>
             <a:fld id="{59F2DA02-C017-43A8-B4B3-504ECAFB589F}" type="datetimeFigureOut">
               <a:rPr lang="en-NZ" smtClean="0"/>
-              <a:t>20/10/2022</a:t>
+              <a:t>21/10/2022</a:t>
             </a:fld>
             <a:endParaRPr lang="en-NZ"/>
           </a:p>
@@ -2090,7 +2090,7 @@
           <a:p>
             <a:fld id="{59F2DA02-C017-43A8-B4B3-504ECAFB589F}" type="datetimeFigureOut">
               <a:rPr lang="en-NZ" smtClean="0"/>
-              <a:t>20/10/2022</a:t>
+              <a:t>21/10/2022</a:t>
             </a:fld>
             <a:endParaRPr lang="en-NZ"/>
           </a:p>
@@ -2403,7 +2403,7 @@
           <a:p>
             <a:fld id="{59F2DA02-C017-43A8-B4B3-504ECAFB589F}" type="datetimeFigureOut">
               <a:rPr lang="en-NZ" smtClean="0"/>
-              <a:t>20/10/2022</a:t>
+              <a:t>21/10/2022</a:t>
             </a:fld>
             <a:endParaRPr lang="en-NZ"/>
           </a:p>
@@ -2692,7 +2692,7 @@
           <a:p>
             <a:fld id="{59F2DA02-C017-43A8-B4B3-504ECAFB589F}" type="datetimeFigureOut">
               <a:rPr lang="en-NZ" smtClean="0"/>
-              <a:t>20/10/2022</a:t>
+              <a:t>21/10/2022</a:t>
             </a:fld>
             <a:endParaRPr lang="en-NZ"/>
           </a:p>
@@ -2935,7 +2935,7 @@
           <a:p>
             <a:fld id="{59F2DA02-C017-43A8-B4B3-504ECAFB589F}" type="datetimeFigureOut">
               <a:rPr lang="en-NZ" smtClean="0"/>
-              <a:t>20/10/2022</a:t>
+              <a:t>21/10/2022</a:t>
             </a:fld>
             <a:endParaRPr lang="en-NZ"/>
           </a:p>
@@ -3352,6 +3352,1813 @@
           <a:chExt cx="0" cy="0"/>
         </a:xfrm>
       </p:grpSpPr>
+      <p:pic>
+        <p:nvPicPr>
+          <p:cNvPr id="29" name="Picture 28">
+            <a:extLst>
+              <a:ext uri="{FF2B5EF4-FFF2-40B4-BE49-F238E27FC236}">
+                <a16:creationId xmlns:a16="http://schemas.microsoft.com/office/drawing/2014/main" id="{7502116D-460F-62F8-A947-9313C457E66A}"/>
+              </a:ext>
+            </a:extLst>
+          </p:cNvPr>
+          <p:cNvPicPr>
+            <a:picLocks noChangeAspect="1"/>
+          </p:cNvPicPr>
+          <p:nvPr/>
+        </p:nvPicPr>
+        <p:blipFill rotWithShape="1">
+          <a:blip r:embed="rId2"/>
+          <a:srcRect l="18310" r="23602"/>
+          <a:stretch/>
+        </p:blipFill>
+        <p:spPr>
+          <a:xfrm>
+            <a:off x="5987143" y="0"/>
+            <a:ext cx="5320937" cy="6378493"/>
+          </a:xfrm>
+          <a:prstGeom prst="rect">
+            <a:avLst/>
+          </a:prstGeom>
+        </p:spPr>
+      </p:pic>
+      <p:pic>
+        <p:nvPicPr>
+          <p:cNvPr id="30" name="Picture 29">
+            <a:extLst>
+              <a:ext uri="{FF2B5EF4-FFF2-40B4-BE49-F238E27FC236}">
+                <a16:creationId xmlns:a16="http://schemas.microsoft.com/office/drawing/2014/main" id="{A924368A-460F-0FE7-BD8E-D1BDD6E61877}"/>
+              </a:ext>
+            </a:extLst>
+          </p:cNvPr>
+          <p:cNvPicPr>
+            <a:picLocks noChangeAspect="1"/>
+          </p:cNvPicPr>
+          <p:nvPr/>
+        </p:nvPicPr>
+        <p:blipFill rotWithShape="1">
+          <a:blip r:embed="rId3"/>
+          <a:srcRect l="18310" r="23602"/>
+          <a:stretch/>
+        </p:blipFill>
+        <p:spPr>
+          <a:xfrm>
+            <a:off x="195943" y="-1"/>
+            <a:ext cx="5320937" cy="6378493"/>
+          </a:xfrm>
+          <a:prstGeom prst="rect">
+            <a:avLst/>
+          </a:prstGeom>
+        </p:spPr>
+      </p:pic>
+      <p:grpSp>
+        <p:nvGrpSpPr>
+          <p:cNvPr id="15" name="Group 14">
+            <a:extLst>
+              <a:ext uri="{FF2B5EF4-FFF2-40B4-BE49-F238E27FC236}">
+                <a16:creationId xmlns:a16="http://schemas.microsoft.com/office/drawing/2014/main" id="{B2E9E56C-EED3-D11C-4798-67FF57682B65}"/>
+              </a:ext>
+            </a:extLst>
+          </p:cNvPr>
+          <p:cNvGrpSpPr/>
+          <p:nvPr/>
+        </p:nvGrpSpPr>
+        <p:grpSpPr>
+          <a:xfrm>
+            <a:off x="5606270" y="4493068"/>
+            <a:ext cx="2001189" cy="1641393"/>
+            <a:chOff x="5606270" y="3792028"/>
+            <a:chExt cx="2001189" cy="1641393"/>
+          </a:xfrm>
+        </p:grpSpPr>
+        <p:grpSp>
+          <p:nvGrpSpPr>
+            <p:cNvPr id="21" name="Group 20">
+              <a:extLst>
+                <a:ext uri="{FF2B5EF4-FFF2-40B4-BE49-F238E27FC236}">
+                  <a16:creationId xmlns:a16="http://schemas.microsoft.com/office/drawing/2014/main" id="{6892794E-6CA8-362B-3C4B-68DA3F822D2B}"/>
+                </a:ext>
+              </a:extLst>
+            </p:cNvPr>
+            <p:cNvGrpSpPr/>
+            <p:nvPr/>
+          </p:nvGrpSpPr>
+          <p:grpSpPr>
+            <a:xfrm>
+              <a:off x="5606270" y="3792028"/>
+              <a:ext cx="2001189" cy="1641393"/>
+              <a:chOff x="3627018" y="3806839"/>
+              <a:chExt cx="2001189" cy="1641393"/>
+            </a:xfrm>
+          </p:grpSpPr>
+          <p:sp>
+            <p:nvSpPr>
+              <p:cNvPr id="23" name="TextBox 22">
+                <a:extLst>
+                  <a:ext uri="{FF2B5EF4-FFF2-40B4-BE49-F238E27FC236}">
+                    <a16:creationId xmlns:a16="http://schemas.microsoft.com/office/drawing/2014/main" id="{BA5A4276-2536-AF3B-8C1C-33D41845E3AC}"/>
+                  </a:ext>
+                </a:extLst>
+              </p:cNvPr>
+              <p:cNvSpPr txBox="1"/>
+              <p:nvPr/>
+            </p:nvSpPr>
+            <p:spPr>
+              <a:xfrm rot="16200000">
+                <a:off x="2985176" y="4448681"/>
+                <a:ext cx="1537600" cy="253916"/>
+              </a:xfrm>
+              <a:prstGeom prst="rect">
+                <a:avLst/>
+              </a:prstGeom>
+              <a:noFill/>
+            </p:spPr>
+            <p:txBody>
+              <a:bodyPr wrap="none" rtlCol="0">
+                <a:spAutoFit/>
+              </a:bodyPr>
+              <a:lstStyle/>
+              <a:p>
+                <a:r>
+                  <a:rPr lang="pt-BR" sz="1050" dirty="0">
+                    <a:latin typeface="Arial" panose="020B0604020202020204" pitchFamily="34" charset="0"/>
+                    <a:cs typeface="Arial" panose="020B0604020202020204" pitchFamily="34" charset="0"/>
+                  </a:rPr>
+                  <a:t>- Hazard: Scenario 2 +</a:t>
+                </a:r>
+                <a:endParaRPr lang="en-NZ" sz="1050" dirty="0">
+                  <a:latin typeface="Arial" panose="020B0604020202020204" pitchFamily="34" charset="0"/>
+                  <a:cs typeface="Arial" panose="020B0604020202020204" pitchFamily="34" charset="0"/>
+                </a:endParaRPr>
+              </a:p>
+            </p:txBody>
+          </p:sp>
+          <p:sp>
+            <p:nvSpPr>
+              <p:cNvPr id="24" name="TextBox 23">
+                <a:extLst>
+                  <a:ext uri="{FF2B5EF4-FFF2-40B4-BE49-F238E27FC236}">
+                    <a16:creationId xmlns:a16="http://schemas.microsoft.com/office/drawing/2014/main" id="{D76A0517-CC26-E210-C81B-6AE00E30A8E9}"/>
+                  </a:ext>
+                </a:extLst>
+              </p:cNvPr>
+              <p:cNvSpPr txBox="1"/>
+              <p:nvPr/>
+            </p:nvSpPr>
+            <p:spPr>
+              <a:xfrm>
+                <a:off x="3753976" y="5194316"/>
+                <a:ext cx="1874231" cy="253916"/>
+              </a:xfrm>
+              <a:prstGeom prst="rect">
+                <a:avLst/>
+              </a:prstGeom>
+              <a:noFill/>
+            </p:spPr>
+            <p:txBody>
+              <a:bodyPr wrap="none" rtlCol="0">
+                <a:spAutoFit/>
+              </a:bodyPr>
+              <a:lstStyle/>
+              <a:p>
+                <a:r>
+                  <a:rPr lang="pt-BR" sz="1050" dirty="0">
+                    <a:latin typeface="Arial" panose="020B0604020202020204" pitchFamily="34" charset="0"/>
+                    <a:cs typeface="Arial" panose="020B0604020202020204" pitchFamily="34" charset="0"/>
+                  </a:rPr>
+                  <a:t>- Time to reach healthcare +</a:t>
+                </a:r>
+                <a:endParaRPr lang="en-NZ" sz="1050" dirty="0">
+                  <a:latin typeface="Arial" panose="020B0604020202020204" pitchFamily="34" charset="0"/>
+                  <a:cs typeface="Arial" panose="020B0604020202020204" pitchFamily="34" charset="0"/>
+                </a:endParaRPr>
+              </a:p>
+            </p:txBody>
+          </p:sp>
+        </p:grpSp>
+        <p:pic>
+          <p:nvPicPr>
+            <p:cNvPr id="8" name="Picture 7">
+              <a:extLst>
+                <a:ext uri="{FF2B5EF4-FFF2-40B4-BE49-F238E27FC236}">
+                  <a16:creationId xmlns:a16="http://schemas.microsoft.com/office/drawing/2014/main" id="{19182808-6484-B62C-6E17-FB83AC04414A}"/>
+                </a:ext>
+              </a:extLst>
+            </p:cNvPr>
+            <p:cNvPicPr>
+              <a:picLocks noChangeAspect="1"/>
+            </p:cNvPicPr>
+            <p:nvPr/>
+          </p:nvPicPr>
+          <p:blipFill rotWithShape="1">
+            <a:blip r:embed="rId4"/>
+            <a:srcRect l="5434" b="4825"/>
+            <a:stretch/>
+          </p:blipFill>
+          <p:spPr>
+            <a:xfrm>
+              <a:off x="5872482" y="3936266"/>
+              <a:ext cx="1591370" cy="1247102"/>
+            </a:xfrm>
+            <a:prstGeom prst="rect">
+              <a:avLst/>
+            </a:prstGeom>
+          </p:spPr>
+        </p:pic>
+      </p:grpSp>
+      <p:pic>
+        <p:nvPicPr>
+          <p:cNvPr id="9" name="Picture 8">
+            <a:extLst>
+              <a:ext uri="{FF2B5EF4-FFF2-40B4-BE49-F238E27FC236}">
+                <a16:creationId xmlns:a16="http://schemas.microsoft.com/office/drawing/2014/main" id="{2F6C5851-394F-5462-A2A9-A4716FAF5AB0}"/>
+              </a:ext>
+            </a:extLst>
+          </p:cNvPr>
+          <p:cNvPicPr>
+            <a:picLocks noChangeAspect="1"/>
+          </p:cNvPicPr>
+          <p:nvPr/>
+        </p:nvPicPr>
+        <p:blipFill rotWithShape="1">
+          <a:blip r:embed="rId4"/>
+          <a:srcRect l="5434" b="4825"/>
+          <a:stretch/>
+        </p:blipFill>
+        <p:spPr>
+          <a:xfrm>
+            <a:off x="795694" y="4576399"/>
+            <a:ext cx="1591370" cy="1247102"/>
+          </a:xfrm>
+          <a:prstGeom prst="rect">
+            <a:avLst/>
+          </a:prstGeom>
+        </p:spPr>
+      </p:pic>
+      <p:sp>
+        <p:nvSpPr>
+          <p:cNvPr id="13" name="TextBox 12">
+            <a:extLst>
+              <a:ext uri="{FF2B5EF4-FFF2-40B4-BE49-F238E27FC236}">
+                <a16:creationId xmlns:a16="http://schemas.microsoft.com/office/drawing/2014/main" id="{6DE2C51C-B2F7-DC24-B241-034F0CACE432}"/>
+              </a:ext>
+            </a:extLst>
+          </p:cNvPr>
+          <p:cNvSpPr txBox="1"/>
+          <p:nvPr/>
+        </p:nvSpPr>
+        <p:spPr>
+          <a:xfrm rot="16200000">
+            <a:off x="-136529" y="5129762"/>
+            <a:ext cx="1537600" cy="253916"/>
+          </a:xfrm>
+          <a:prstGeom prst="rect">
+            <a:avLst/>
+          </a:prstGeom>
+          <a:noFill/>
+        </p:spPr>
+        <p:txBody>
+          <a:bodyPr wrap="none" rtlCol="0">
+            <a:spAutoFit/>
+          </a:bodyPr>
+          <a:lstStyle/>
+          <a:p>
+            <a:r>
+              <a:rPr lang="pt-BR" sz="1050" dirty="0">
+                <a:latin typeface="Arial" panose="020B0604020202020204" pitchFamily="34" charset="0"/>
+                <a:cs typeface="Arial" panose="020B0604020202020204" pitchFamily="34" charset="0"/>
+              </a:rPr>
+              <a:t>- Hazard: Scenario 1 +</a:t>
+            </a:r>
+            <a:endParaRPr lang="en-NZ" sz="1050" dirty="0">
+              <a:latin typeface="Arial" panose="020B0604020202020204" pitchFamily="34" charset="0"/>
+              <a:cs typeface="Arial" panose="020B0604020202020204" pitchFamily="34" charset="0"/>
+            </a:endParaRPr>
+          </a:p>
+        </p:txBody>
+      </p:sp>
+      <p:sp>
+        <p:nvSpPr>
+          <p:cNvPr id="14" name="TextBox 13">
+            <a:extLst>
+              <a:ext uri="{FF2B5EF4-FFF2-40B4-BE49-F238E27FC236}">
+                <a16:creationId xmlns:a16="http://schemas.microsoft.com/office/drawing/2014/main" id="{412E36AF-67A4-06CD-C04F-D13B07080A02}"/>
+              </a:ext>
+            </a:extLst>
+          </p:cNvPr>
+          <p:cNvSpPr txBox="1"/>
+          <p:nvPr/>
+        </p:nvSpPr>
+        <p:spPr>
+          <a:xfrm>
+            <a:off x="632271" y="5875397"/>
+            <a:ext cx="1874231" cy="253916"/>
+          </a:xfrm>
+          <a:prstGeom prst="rect">
+            <a:avLst/>
+          </a:prstGeom>
+          <a:noFill/>
+        </p:spPr>
+        <p:txBody>
+          <a:bodyPr wrap="none" rtlCol="0">
+            <a:spAutoFit/>
+          </a:bodyPr>
+          <a:lstStyle/>
+          <a:p>
+            <a:r>
+              <a:rPr lang="pt-BR" sz="1050" dirty="0">
+                <a:latin typeface="Arial" panose="020B0604020202020204" pitchFamily="34" charset="0"/>
+                <a:cs typeface="Arial" panose="020B0604020202020204" pitchFamily="34" charset="0"/>
+              </a:rPr>
+              <a:t>- Time to reach healthcare +</a:t>
+            </a:r>
+            <a:endParaRPr lang="en-NZ" sz="1050" dirty="0">
+              <a:latin typeface="Arial" panose="020B0604020202020204" pitchFamily="34" charset="0"/>
+              <a:cs typeface="Arial" panose="020B0604020202020204" pitchFamily="34" charset="0"/>
+            </a:endParaRPr>
+          </a:p>
+        </p:txBody>
+      </p:sp>
+      <p:sp>
+        <p:nvSpPr>
+          <p:cNvPr id="2" name="TextBox 1">
+            <a:extLst>
+              <a:ext uri="{FF2B5EF4-FFF2-40B4-BE49-F238E27FC236}">
+                <a16:creationId xmlns:a16="http://schemas.microsoft.com/office/drawing/2014/main" id="{E0D7C92A-41A7-EA1E-FA17-2E9B8184D6BF}"/>
+              </a:ext>
+            </a:extLst>
+          </p:cNvPr>
+          <p:cNvSpPr txBox="1"/>
+          <p:nvPr/>
+        </p:nvSpPr>
+        <p:spPr>
+          <a:xfrm>
+            <a:off x="558653" y="110176"/>
+            <a:ext cx="1393330" cy="369332"/>
+          </a:xfrm>
+          <a:prstGeom prst="rect">
+            <a:avLst/>
+          </a:prstGeom>
+          <a:noFill/>
+        </p:spPr>
+        <p:txBody>
+          <a:bodyPr wrap="none" rtlCol="0">
+            <a:spAutoFit/>
+          </a:bodyPr>
+          <a:lstStyle/>
+          <a:p>
+            <a:r>
+              <a:rPr lang="pt-BR" dirty="0"/>
+              <a:t>All mammals</a:t>
+            </a:r>
+            <a:endParaRPr lang="en-NZ" dirty="0"/>
+          </a:p>
+        </p:txBody>
+      </p:sp>
+    </p:spTree>
+    <p:extLst>
+      <p:ext uri="{BB962C8B-B14F-4D97-AF65-F5344CB8AC3E}">
+        <p14:creationId xmlns:p14="http://schemas.microsoft.com/office/powerpoint/2010/main" val="2552097197"/>
+      </p:ext>
+    </p:extLst>
+  </p:cSld>
+  <p:clrMapOvr>
+    <a:masterClrMapping/>
+  </p:clrMapOvr>
+</p:sld>
+</file>
+
+<file path=ppt/slides/slide2.xml><?xml version="1.0" encoding="utf-8"?>
+<p:sld xmlns:a="http://schemas.openxmlformats.org/drawingml/2006/main" xmlns:r="http://schemas.openxmlformats.org/officeDocument/2006/relationships" xmlns:p="http://schemas.openxmlformats.org/presentationml/2006/main">
+  <p:cSld>
+    <p:spTree>
+      <p:nvGrpSpPr>
+        <p:cNvPr id="1" name=""/>
+        <p:cNvGrpSpPr/>
+        <p:nvPr/>
+      </p:nvGrpSpPr>
+      <p:grpSpPr>
+        <a:xfrm>
+          <a:off x="0" y="0"/>
+          <a:ext cx="0" cy="0"/>
+          <a:chOff x="0" y="0"/>
+          <a:chExt cx="0" cy="0"/>
+        </a:xfrm>
+      </p:grpSpPr>
+      <p:pic>
+        <p:nvPicPr>
+          <p:cNvPr id="5" name="Picture 4">
+            <a:extLst>
+              <a:ext uri="{FF2B5EF4-FFF2-40B4-BE49-F238E27FC236}">
+                <a16:creationId xmlns:a16="http://schemas.microsoft.com/office/drawing/2014/main" id="{5305C25F-9502-2996-DC42-7AD26191C7B9}"/>
+              </a:ext>
+            </a:extLst>
+          </p:cNvPr>
+          <p:cNvPicPr>
+            <a:picLocks noChangeAspect="1"/>
+          </p:cNvPicPr>
+          <p:nvPr/>
+        </p:nvPicPr>
+        <p:blipFill rotWithShape="1">
+          <a:blip r:embed="rId2"/>
+          <a:srcRect r="14477"/>
+          <a:stretch/>
+        </p:blipFill>
+        <p:spPr>
+          <a:xfrm>
+            <a:off x="-334714" y="-134112"/>
+            <a:ext cx="5877505" cy="6858000"/>
+          </a:xfrm>
+          <a:prstGeom prst="rect">
+            <a:avLst/>
+          </a:prstGeom>
+        </p:spPr>
+      </p:pic>
+      <p:pic>
+        <p:nvPicPr>
+          <p:cNvPr id="4" name="Picture 3">
+            <a:extLst>
+              <a:ext uri="{FF2B5EF4-FFF2-40B4-BE49-F238E27FC236}">
+                <a16:creationId xmlns:a16="http://schemas.microsoft.com/office/drawing/2014/main" id="{6F708887-4887-EE96-092E-193857A54DEF}"/>
+              </a:ext>
+            </a:extLst>
+          </p:cNvPr>
+          <p:cNvPicPr>
+            <a:picLocks noChangeAspect="1"/>
+          </p:cNvPicPr>
+          <p:nvPr/>
+        </p:nvPicPr>
+        <p:blipFill rotWithShape="1">
+          <a:blip r:embed="rId3"/>
+          <a:srcRect l="8681"/>
+          <a:stretch/>
+        </p:blipFill>
+        <p:spPr>
+          <a:xfrm>
+            <a:off x="5733228" y="-134112"/>
+            <a:ext cx="6275892" cy="6858000"/>
+          </a:xfrm>
+          <a:prstGeom prst="rect">
+            <a:avLst/>
+          </a:prstGeom>
+        </p:spPr>
+      </p:pic>
+      <p:grpSp>
+        <p:nvGrpSpPr>
+          <p:cNvPr id="15" name="Group 14">
+            <a:extLst>
+              <a:ext uri="{FF2B5EF4-FFF2-40B4-BE49-F238E27FC236}">
+                <a16:creationId xmlns:a16="http://schemas.microsoft.com/office/drawing/2014/main" id="{B2E9E56C-EED3-D11C-4798-67FF57682B65}"/>
+              </a:ext>
+            </a:extLst>
+          </p:cNvPr>
+          <p:cNvGrpSpPr/>
+          <p:nvPr/>
+        </p:nvGrpSpPr>
+        <p:grpSpPr>
+          <a:xfrm>
+            <a:off x="5606270" y="4493068"/>
+            <a:ext cx="2001189" cy="1641393"/>
+            <a:chOff x="5606270" y="3792028"/>
+            <a:chExt cx="2001189" cy="1641393"/>
+          </a:xfrm>
+        </p:grpSpPr>
+        <p:grpSp>
+          <p:nvGrpSpPr>
+            <p:cNvPr id="21" name="Group 20">
+              <a:extLst>
+                <a:ext uri="{FF2B5EF4-FFF2-40B4-BE49-F238E27FC236}">
+                  <a16:creationId xmlns:a16="http://schemas.microsoft.com/office/drawing/2014/main" id="{6892794E-6CA8-362B-3C4B-68DA3F822D2B}"/>
+                </a:ext>
+              </a:extLst>
+            </p:cNvPr>
+            <p:cNvGrpSpPr/>
+            <p:nvPr/>
+          </p:nvGrpSpPr>
+          <p:grpSpPr>
+            <a:xfrm>
+              <a:off x="5606270" y="3792028"/>
+              <a:ext cx="2001189" cy="1641393"/>
+              <a:chOff x="3627018" y="3806839"/>
+              <a:chExt cx="2001189" cy="1641393"/>
+            </a:xfrm>
+          </p:grpSpPr>
+          <p:sp>
+            <p:nvSpPr>
+              <p:cNvPr id="23" name="TextBox 22">
+                <a:extLst>
+                  <a:ext uri="{FF2B5EF4-FFF2-40B4-BE49-F238E27FC236}">
+                    <a16:creationId xmlns:a16="http://schemas.microsoft.com/office/drawing/2014/main" id="{BA5A4276-2536-AF3B-8C1C-33D41845E3AC}"/>
+                  </a:ext>
+                </a:extLst>
+              </p:cNvPr>
+              <p:cNvSpPr txBox="1"/>
+              <p:nvPr/>
+            </p:nvSpPr>
+            <p:spPr>
+              <a:xfrm rot="16200000">
+                <a:off x="2985176" y="4448681"/>
+                <a:ext cx="1537600" cy="253916"/>
+              </a:xfrm>
+              <a:prstGeom prst="rect">
+                <a:avLst/>
+              </a:prstGeom>
+              <a:noFill/>
+            </p:spPr>
+            <p:txBody>
+              <a:bodyPr wrap="none" rtlCol="0">
+                <a:spAutoFit/>
+              </a:bodyPr>
+              <a:lstStyle/>
+              <a:p>
+                <a:r>
+                  <a:rPr lang="pt-BR" sz="1050" dirty="0">
+                    <a:latin typeface="Arial" panose="020B0604020202020204" pitchFamily="34" charset="0"/>
+                    <a:cs typeface="Arial" panose="020B0604020202020204" pitchFamily="34" charset="0"/>
+                  </a:rPr>
+                  <a:t>- Hazard: Scenario 2 +</a:t>
+                </a:r>
+                <a:endParaRPr lang="en-NZ" sz="1050" dirty="0">
+                  <a:latin typeface="Arial" panose="020B0604020202020204" pitchFamily="34" charset="0"/>
+                  <a:cs typeface="Arial" panose="020B0604020202020204" pitchFamily="34" charset="0"/>
+                </a:endParaRPr>
+              </a:p>
+            </p:txBody>
+          </p:sp>
+          <p:sp>
+            <p:nvSpPr>
+              <p:cNvPr id="24" name="TextBox 23">
+                <a:extLst>
+                  <a:ext uri="{FF2B5EF4-FFF2-40B4-BE49-F238E27FC236}">
+                    <a16:creationId xmlns:a16="http://schemas.microsoft.com/office/drawing/2014/main" id="{D76A0517-CC26-E210-C81B-6AE00E30A8E9}"/>
+                  </a:ext>
+                </a:extLst>
+              </p:cNvPr>
+              <p:cNvSpPr txBox="1"/>
+              <p:nvPr/>
+            </p:nvSpPr>
+            <p:spPr>
+              <a:xfrm>
+                <a:off x="3753976" y="5194316"/>
+                <a:ext cx="1874231" cy="253916"/>
+              </a:xfrm>
+              <a:prstGeom prst="rect">
+                <a:avLst/>
+              </a:prstGeom>
+              <a:noFill/>
+            </p:spPr>
+            <p:txBody>
+              <a:bodyPr wrap="none" rtlCol="0">
+                <a:spAutoFit/>
+              </a:bodyPr>
+              <a:lstStyle/>
+              <a:p>
+                <a:r>
+                  <a:rPr lang="pt-BR" sz="1050" dirty="0">
+                    <a:latin typeface="Arial" panose="020B0604020202020204" pitchFamily="34" charset="0"/>
+                    <a:cs typeface="Arial" panose="020B0604020202020204" pitchFamily="34" charset="0"/>
+                  </a:rPr>
+                  <a:t>- Time to reach healthcare +</a:t>
+                </a:r>
+                <a:endParaRPr lang="en-NZ" sz="1050" dirty="0">
+                  <a:latin typeface="Arial" panose="020B0604020202020204" pitchFamily="34" charset="0"/>
+                  <a:cs typeface="Arial" panose="020B0604020202020204" pitchFamily="34" charset="0"/>
+                </a:endParaRPr>
+              </a:p>
+            </p:txBody>
+          </p:sp>
+        </p:grpSp>
+        <p:pic>
+          <p:nvPicPr>
+            <p:cNvPr id="8" name="Picture 7">
+              <a:extLst>
+                <a:ext uri="{FF2B5EF4-FFF2-40B4-BE49-F238E27FC236}">
+                  <a16:creationId xmlns:a16="http://schemas.microsoft.com/office/drawing/2014/main" id="{19182808-6484-B62C-6E17-FB83AC04414A}"/>
+                </a:ext>
+              </a:extLst>
+            </p:cNvPr>
+            <p:cNvPicPr>
+              <a:picLocks noChangeAspect="1"/>
+            </p:cNvPicPr>
+            <p:nvPr/>
+          </p:nvPicPr>
+          <p:blipFill rotWithShape="1">
+            <a:blip r:embed="rId4"/>
+            <a:srcRect l="5434" b="4825"/>
+            <a:stretch/>
+          </p:blipFill>
+          <p:spPr>
+            <a:xfrm>
+              <a:off x="5872482" y="3936266"/>
+              <a:ext cx="1591370" cy="1247102"/>
+            </a:xfrm>
+            <a:prstGeom prst="rect">
+              <a:avLst/>
+            </a:prstGeom>
+          </p:spPr>
+        </p:pic>
+      </p:grpSp>
+      <p:pic>
+        <p:nvPicPr>
+          <p:cNvPr id="9" name="Picture 8">
+            <a:extLst>
+              <a:ext uri="{FF2B5EF4-FFF2-40B4-BE49-F238E27FC236}">
+                <a16:creationId xmlns:a16="http://schemas.microsoft.com/office/drawing/2014/main" id="{2F6C5851-394F-5462-A2A9-A4716FAF5AB0}"/>
+              </a:ext>
+            </a:extLst>
+          </p:cNvPr>
+          <p:cNvPicPr>
+            <a:picLocks noChangeAspect="1"/>
+          </p:cNvPicPr>
+          <p:nvPr/>
+        </p:nvPicPr>
+        <p:blipFill rotWithShape="1">
+          <a:blip r:embed="rId4"/>
+          <a:srcRect l="5434" b="4825"/>
+          <a:stretch/>
+        </p:blipFill>
+        <p:spPr>
+          <a:xfrm>
+            <a:off x="795694" y="4576399"/>
+            <a:ext cx="1591370" cy="1247102"/>
+          </a:xfrm>
+          <a:prstGeom prst="rect">
+            <a:avLst/>
+          </a:prstGeom>
+        </p:spPr>
+      </p:pic>
+      <p:sp>
+        <p:nvSpPr>
+          <p:cNvPr id="13" name="TextBox 12">
+            <a:extLst>
+              <a:ext uri="{FF2B5EF4-FFF2-40B4-BE49-F238E27FC236}">
+                <a16:creationId xmlns:a16="http://schemas.microsoft.com/office/drawing/2014/main" id="{6DE2C51C-B2F7-DC24-B241-034F0CACE432}"/>
+              </a:ext>
+            </a:extLst>
+          </p:cNvPr>
+          <p:cNvSpPr txBox="1"/>
+          <p:nvPr/>
+        </p:nvSpPr>
+        <p:spPr>
+          <a:xfrm rot="16200000">
+            <a:off x="-136529" y="5129762"/>
+            <a:ext cx="1537600" cy="253916"/>
+          </a:xfrm>
+          <a:prstGeom prst="rect">
+            <a:avLst/>
+          </a:prstGeom>
+          <a:noFill/>
+        </p:spPr>
+        <p:txBody>
+          <a:bodyPr wrap="none" rtlCol="0">
+            <a:spAutoFit/>
+          </a:bodyPr>
+          <a:lstStyle/>
+          <a:p>
+            <a:r>
+              <a:rPr lang="pt-BR" sz="1050" dirty="0">
+                <a:latin typeface="Arial" panose="020B0604020202020204" pitchFamily="34" charset="0"/>
+                <a:cs typeface="Arial" panose="020B0604020202020204" pitchFamily="34" charset="0"/>
+              </a:rPr>
+              <a:t>- Hazard: Scenario 1 +</a:t>
+            </a:r>
+            <a:endParaRPr lang="en-NZ" sz="1050" dirty="0">
+              <a:latin typeface="Arial" panose="020B0604020202020204" pitchFamily="34" charset="0"/>
+              <a:cs typeface="Arial" panose="020B0604020202020204" pitchFamily="34" charset="0"/>
+            </a:endParaRPr>
+          </a:p>
+        </p:txBody>
+      </p:sp>
+      <p:sp>
+        <p:nvSpPr>
+          <p:cNvPr id="14" name="TextBox 13">
+            <a:extLst>
+              <a:ext uri="{FF2B5EF4-FFF2-40B4-BE49-F238E27FC236}">
+                <a16:creationId xmlns:a16="http://schemas.microsoft.com/office/drawing/2014/main" id="{412E36AF-67A4-06CD-C04F-D13B07080A02}"/>
+              </a:ext>
+            </a:extLst>
+          </p:cNvPr>
+          <p:cNvSpPr txBox="1"/>
+          <p:nvPr/>
+        </p:nvSpPr>
+        <p:spPr>
+          <a:xfrm>
+            <a:off x="632271" y="5875397"/>
+            <a:ext cx="1874231" cy="253916"/>
+          </a:xfrm>
+          <a:prstGeom prst="rect">
+            <a:avLst/>
+          </a:prstGeom>
+          <a:noFill/>
+        </p:spPr>
+        <p:txBody>
+          <a:bodyPr wrap="none" rtlCol="0">
+            <a:spAutoFit/>
+          </a:bodyPr>
+          <a:lstStyle/>
+          <a:p>
+            <a:r>
+              <a:rPr lang="pt-BR" sz="1050" dirty="0">
+                <a:latin typeface="Arial" panose="020B0604020202020204" pitchFamily="34" charset="0"/>
+                <a:cs typeface="Arial" panose="020B0604020202020204" pitchFamily="34" charset="0"/>
+              </a:rPr>
+              <a:t>- Time to reach healthcare +</a:t>
+            </a:r>
+            <a:endParaRPr lang="en-NZ" sz="1050" dirty="0">
+              <a:latin typeface="Arial" panose="020B0604020202020204" pitchFamily="34" charset="0"/>
+              <a:cs typeface="Arial" panose="020B0604020202020204" pitchFamily="34" charset="0"/>
+            </a:endParaRPr>
+          </a:p>
+        </p:txBody>
+      </p:sp>
+      <p:sp>
+        <p:nvSpPr>
+          <p:cNvPr id="6" name="TextBox 5">
+            <a:extLst>
+              <a:ext uri="{FF2B5EF4-FFF2-40B4-BE49-F238E27FC236}">
+                <a16:creationId xmlns:a16="http://schemas.microsoft.com/office/drawing/2014/main" id="{27ABAB92-A199-8253-C1E8-3FA1ACE2D56B}"/>
+              </a:ext>
+            </a:extLst>
+          </p:cNvPr>
+          <p:cNvSpPr txBox="1"/>
+          <p:nvPr/>
+        </p:nvSpPr>
+        <p:spPr>
+          <a:xfrm>
+            <a:off x="288926" y="-451888"/>
+            <a:ext cx="2098138" cy="369332"/>
+          </a:xfrm>
+          <a:prstGeom prst="rect">
+            <a:avLst/>
+          </a:prstGeom>
+          <a:noFill/>
+        </p:spPr>
+        <p:txBody>
+          <a:bodyPr wrap="none" rtlCol="0">
+            <a:spAutoFit/>
+          </a:bodyPr>
+          <a:lstStyle/>
+          <a:p>
+            <a:r>
+              <a:rPr lang="pt-BR" dirty="0"/>
+              <a:t>Mammals minus bat</a:t>
+            </a:r>
+            <a:endParaRPr lang="en-NZ" dirty="0"/>
+          </a:p>
+        </p:txBody>
+      </p:sp>
+    </p:spTree>
+    <p:extLst>
+      <p:ext uri="{BB962C8B-B14F-4D97-AF65-F5344CB8AC3E}">
+        <p14:creationId xmlns:p14="http://schemas.microsoft.com/office/powerpoint/2010/main" val="1788177603"/>
+      </p:ext>
+    </p:extLst>
+  </p:cSld>
+  <p:clrMapOvr>
+    <a:masterClrMapping/>
+  </p:clrMapOvr>
+</p:sld>
+</file>
+
+<file path=ppt/slides/slide3.xml><?xml version="1.0" encoding="utf-8"?>
+<p:sld xmlns:a="http://schemas.openxmlformats.org/drawingml/2006/main" xmlns:r="http://schemas.openxmlformats.org/officeDocument/2006/relationships" xmlns:p="http://schemas.openxmlformats.org/presentationml/2006/main">
+  <p:cSld>
+    <p:spTree>
+      <p:nvGrpSpPr>
+        <p:cNvPr id="1" name=""/>
+        <p:cNvGrpSpPr/>
+        <p:nvPr/>
+      </p:nvGrpSpPr>
+      <p:grpSpPr>
+        <a:xfrm>
+          <a:off x="0" y="0"/>
+          <a:ext cx="0" cy="0"/>
+          <a:chOff x="0" y="0"/>
+          <a:chExt cx="0" cy="0"/>
+        </a:xfrm>
+      </p:grpSpPr>
+      <p:sp>
+        <p:nvSpPr>
+          <p:cNvPr id="2" name="Title 1">
+            <a:extLst>
+              <a:ext uri="{FF2B5EF4-FFF2-40B4-BE49-F238E27FC236}">
+                <a16:creationId xmlns:a16="http://schemas.microsoft.com/office/drawing/2014/main" id="{BBB69E6E-D6D9-F05A-F91F-83132A1DAF46}"/>
+              </a:ext>
+            </a:extLst>
+          </p:cNvPr>
+          <p:cNvSpPr>
+            <a:spLocks noGrp="1"/>
+          </p:cNvSpPr>
+          <p:nvPr>
+            <p:ph type="title"/>
+          </p:nvPr>
+        </p:nvSpPr>
+        <p:spPr/>
+        <p:txBody>
+          <a:bodyPr/>
+          <a:lstStyle/>
+          <a:p>
+            <a:r>
+              <a:rPr lang="pt-BR" dirty="0"/>
+              <a:t>Bovliv mammals minus bat</a:t>
+            </a:r>
+            <a:endParaRPr lang="en-NZ" dirty="0"/>
+          </a:p>
+        </p:txBody>
+      </p:sp>
+      <p:sp>
+        <p:nvSpPr>
+          <p:cNvPr id="3" name="Content Placeholder 2">
+            <a:extLst>
+              <a:ext uri="{FF2B5EF4-FFF2-40B4-BE49-F238E27FC236}">
+                <a16:creationId xmlns:a16="http://schemas.microsoft.com/office/drawing/2014/main" id="{3AF26841-84E1-7DA1-C6D8-A91681DB6D69}"/>
+              </a:ext>
+            </a:extLst>
+          </p:cNvPr>
+          <p:cNvSpPr>
+            <a:spLocks noGrp="1"/>
+          </p:cNvSpPr>
+          <p:nvPr>
+            <p:ph idx="1"/>
+          </p:nvPr>
+        </p:nvSpPr>
+        <p:spPr/>
+        <p:txBody>
+          <a:bodyPr/>
+          <a:lstStyle/>
+          <a:p>
+            <a:endParaRPr lang="en-NZ"/>
+          </a:p>
+        </p:txBody>
+      </p:sp>
+      <p:pic>
+        <p:nvPicPr>
+          <p:cNvPr id="4" name="Picture 3">
+            <a:extLst>
+              <a:ext uri="{FF2B5EF4-FFF2-40B4-BE49-F238E27FC236}">
+                <a16:creationId xmlns:a16="http://schemas.microsoft.com/office/drawing/2014/main" id="{0F0DDD87-6116-9FAB-F46D-E3B8D6997183}"/>
+              </a:ext>
+            </a:extLst>
+          </p:cNvPr>
+          <p:cNvPicPr>
+            <a:picLocks noChangeAspect="1"/>
+          </p:cNvPicPr>
+          <p:nvPr/>
+        </p:nvPicPr>
+        <p:blipFill>
+          <a:blip r:embed="rId2"/>
+          <a:stretch>
+            <a:fillRect/>
+          </a:stretch>
+        </p:blipFill>
+        <p:spPr>
+          <a:xfrm>
+            <a:off x="6462146" y="1485106"/>
+            <a:ext cx="5042992" cy="5032375"/>
+          </a:xfrm>
+          <a:prstGeom prst="rect">
+            <a:avLst/>
+          </a:prstGeom>
+        </p:spPr>
+      </p:pic>
+    </p:spTree>
+    <p:extLst>
+      <p:ext uri="{BB962C8B-B14F-4D97-AF65-F5344CB8AC3E}">
+        <p14:creationId xmlns:p14="http://schemas.microsoft.com/office/powerpoint/2010/main" val="2412170422"/>
+      </p:ext>
+    </p:extLst>
+  </p:cSld>
+  <p:clrMapOvr>
+    <a:masterClrMapping/>
+  </p:clrMapOvr>
+</p:sld>
+</file>
+
+<file path=ppt/slides/slide4.xml><?xml version="1.0" encoding="utf-8"?>
+<p:sld xmlns:a="http://schemas.openxmlformats.org/drawingml/2006/main" xmlns:r="http://schemas.openxmlformats.org/officeDocument/2006/relationships" xmlns:p="http://schemas.openxmlformats.org/presentationml/2006/main">
+  <p:cSld>
+    <p:spTree>
+      <p:nvGrpSpPr>
+        <p:cNvPr id="1" name=""/>
+        <p:cNvGrpSpPr/>
+        <p:nvPr/>
+      </p:nvGrpSpPr>
+      <p:grpSpPr>
+        <a:xfrm>
+          <a:off x="0" y="0"/>
+          <a:ext cx="0" cy="0"/>
+          <a:chOff x="0" y="0"/>
+          <a:chExt cx="0" cy="0"/>
+        </a:xfrm>
+      </p:grpSpPr>
+      <p:pic>
+        <p:nvPicPr>
+          <p:cNvPr id="2" name="Picture 1">
+            <a:extLst>
+              <a:ext uri="{FF2B5EF4-FFF2-40B4-BE49-F238E27FC236}">
+                <a16:creationId xmlns:a16="http://schemas.microsoft.com/office/drawing/2014/main" id="{AD014374-7038-EFDF-3F6D-6BE1204D9FE6}"/>
+              </a:ext>
+            </a:extLst>
+          </p:cNvPr>
+          <p:cNvPicPr>
+            <a:picLocks noChangeAspect="1"/>
+          </p:cNvPicPr>
+          <p:nvPr/>
+        </p:nvPicPr>
+        <p:blipFill rotWithShape="1">
+          <a:blip r:embed="rId2"/>
+          <a:srcRect l="9715"/>
+          <a:stretch/>
+        </p:blipFill>
+        <p:spPr>
+          <a:xfrm>
+            <a:off x="5987144" y="-200667"/>
+            <a:ext cx="6204855" cy="6858000"/>
+          </a:xfrm>
+          <a:prstGeom prst="rect">
+            <a:avLst/>
+          </a:prstGeom>
+        </p:spPr>
+      </p:pic>
+      <p:pic>
+        <p:nvPicPr>
+          <p:cNvPr id="5" name="Picture 4">
+            <a:extLst>
+              <a:ext uri="{FF2B5EF4-FFF2-40B4-BE49-F238E27FC236}">
+                <a16:creationId xmlns:a16="http://schemas.microsoft.com/office/drawing/2014/main" id="{5305C25F-9502-2996-DC42-7AD26191C7B9}"/>
+              </a:ext>
+            </a:extLst>
+          </p:cNvPr>
+          <p:cNvPicPr>
+            <a:picLocks noChangeAspect="1"/>
+          </p:cNvPicPr>
+          <p:nvPr/>
+        </p:nvPicPr>
+        <p:blipFill rotWithShape="1">
+          <a:blip r:embed="rId3"/>
+          <a:srcRect r="14456"/>
+          <a:stretch/>
+        </p:blipFill>
+        <p:spPr>
+          <a:xfrm>
+            <a:off x="-552579" y="-267222"/>
+            <a:ext cx="5878959" cy="6858000"/>
+          </a:xfrm>
+          <a:prstGeom prst="rect">
+            <a:avLst/>
+          </a:prstGeom>
+        </p:spPr>
+      </p:pic>
+      <p:grpSp>
+        <p:nvGrpSpPr>
+          <p:cNvPr id="15" name="Group 14">
+            <a:extLst>
+              <a:ext uri="{FF2B5EF4-FFF2-40B4-BE49-F238E27FC236}">
+                <a16:creationId xmlns:a16="http://schemas.microsoft.com/office/drawing/2014/main" id="{B2E9E56C-EED3-D11C-4798-67FF57682B65}"/>
+              </a:ext>
+            </a:extLst>
+          </p:cNvPr>
+          <p:cNvGrpSpPr/>
+          <p:nvPr/>
+        </p:nvGrpSpPr>
+        <p:grpSpPr>
+          <a:xfrm>
+            <a:off x="5606274" y="4105942"/>
+            <a:ext cx="2001185" cy="2311851"/>
+            <a:chOff x="5606274" y="3404902"/>
+            <a:chExt cx="2001185" cy="2311851"/>
+          </a:xfrm>
+        </p:grpSpPr>
+        <p:grpSp>
+          <p:nvGrpSpPr>
+            <p:cNvPr id="21" name="Group 20">
+              <a:extLst>
+                <a:ext uri="{FF2B5EF4-FFF2-40B4-BE49-F238E27FC236}">
+                  <a16:creationId xmlns:a16="http://schemas.microsoft.com/office/drawing/2014/main" id="{6892794E-6CA8-362B-3C4B-68DA3F822D2B}"/>
+                </a:ext>
+              </a:extLst>
+            </p:cNvPr>
+            <p:cNvGrpSpPr/>
+            <p:nvPr/>
+          </p:nvGrpSpPr>
+          <p:grpSpPr>
+            <a:xfrm>
+              <a:off x="5606274" y="3404902"/>
+              <a:ext cx="2001185" cy="2311851"/>
+              <a:chOff x="3627022" y="3419713"/>
+              <a:chExt cx="2001185" cy="2311851"/>
+            </a:xfrm>
+          </p:grpSpPr>
+          <p:sp>
+            <p:nvSpPr>
+              <p:cNvPr id="23" name="TextBox 22">
+                <a:extLst>
+                  <a:ext uri="{FF2B5EF4-FFF2-40B4-BE49-F238E27FC236}">
+                    <a16:creationId xmlns:a16="http://schemas.microsoft.com/office/drawing/2014/main" id="{BA5A4276-2536-AF3B-8C1C-33D41845E3AC}"/>
+                  </a:ext>
+                </a:extLst>
+              </p:cNvPr>
+              <p:cNvSpPr txBox="1"/>
+              <p:nvPr/>
+            </p:nvSpPr>
+            <p:spPr>
+              <a:xfrm rot="16200000">
+                <a:off x="2598054" y="4448681"/>
+                <a:ext cx="2311851" cy="253916"/>
+              </a:xfrm>
+              <a:prstGeom prst="rect">
+                <a:avLst/>
+              </a:prstGeom>
+              <a:noFill/>
+            </p:spPr>
+            <p:txBody>
+              <a:bodyPr wrap="none" rtlCol="0">
+                <a:spAutoFit/>
+              </a:bodyPr>
+              <a:lstStyle/>
+              <a:p>
+                <a:r>
+                  <a:rPr lang="pt-BR" sz="1050" dirty="0">
+                    <a:latin typeface="Arial" panose="020B0604020202020204" pitchFamily="34" charset="0"/>
+                    <a:cs typeface="Arial" panose="020B0604020202020204" pitchFamily="34" charset="0"/>
+                  </a:rPr>
+                  <a:t>- Hazard: Scenario 2 (all bovidae) +</a:t>
+                </a:r>
+                <a:endParaRPr lang="en-NZ" sz="1050" dirty="0">
+                  <a:latin typeface="Arial" panose="020B0604020202020204" pitchFamily="34" charset="0"/>
+                  <a:cs typeface="Arial" panose="020B0604020202020204" pitchFamily="34" charset="0"/>
+                </a:endParaRPr>
+              </a:p>
+            </p:txBody>
+          </p:sp>
+          <p:sp>
+            <p:nvSpPr>
+              <p:cNvPr id="24" name="TextBox 23">
+                <a:extLst>
+                  <a:ext uri="{FF2B5EF4-FFF2-40B4-BE49-F238E27FC236}">
+                    <a16:creationId xmlns:a16="http://schemas.microsoft.com/office/drawing/2014/main" id="{D76A0517-CC26-E210-C81B-6AE00E30A8E9}"/>
+                  </a:ext>
+                </a:extLst>
+              </p:cNvPr>
+              <p:cNvSpPr txBox="1"/>
+              <p:nvPr/>
+            </p:nvSpPr>
+            <p:spPr>
+              <a:xfrm>
+                <a:off x="3753976" y="5194316"/>
+                <a:ext cx="1874231" cy="253916"/>
+              </a:xfrm>
+              <a:prstGeom prst="rect">
+                <a:avLst/>
+              </a:prstGeom>
+              <a:noFill/>
+            </p:spPr>
+            <p:txBody>
+              <a:bodyPr wrap="none" rtlCol="0">
+                <a:spAutoFit/>
+              </a:bodyPr>
+              <a:lstStyle/>
+              <a:p>
+                <a:r>
+                  <a:rPr lang="pt-BR" sz="1050" dirty="0">
+                    <a:latin typeface="Arial" panose="020B0604020202020204" pitchFamily="34" charset="0"/>
+                    <a:cs typeface="Arial" panose="020B0604020202020204" pitchFamily="34" charset="0"/>
+                  </a:rPr>
+                  <a:t>- Time to reach healthcare +</a:t>
+                </a:r>
+                <a:endParaRPr lang="en-NZ" sz="1050" dirty="0">
+                  <a:latin typeface="Arial" panose="020B0604020202020204" pitchFamily="34" charset="0"/>
+                  <a:cs typeface="Arial" panose="020B0604020202020204" pitchFamily="34" charset="0"/>
+                </a:endParaRPr>
+              </a:p>
+            </p:txBody>
+          </p:sp>
+        </p:grpSp>
+        <p:pic>
+          <p:nvPicPr>
+            <p:cNvPr id="8" name="Picture 7">
+              <a:extLst>
+                <a:ext uri="{FF2B5EF4-FFF2-40B4-BE49-F238E27FC236}">
+                  <a16:creationId xmlns:a16="http://schemas.microsoft.com/office/drawing/2014/main" id="{19182808-6484-B62C-6E17-FB83AC04414A}"/>
+                </a:ext>
+              </a:extLst>
+            </p:cNvPr>
+            <p:cNvPicPr>
+              <a:picLocks noChangeAspect="1"/>
+            </p:cNvPicPr>
+            <p:nvPr/>
+          </p:nvPicPr>
+          <p:blipFill rotWithShape="1">
+            <a:blip r:embed="rId4"/>
+            <a:srcRect l="5434" b="4825"/>
+            <a:stretch/>
+          </p:blipFill>
+          <p:spPr>
+            <a:xfrm>
+              <a:off x="5872482" y="3936266"/>
+              <a:ext cx="1591370" cy="1247102"/>
+            </a:xfrm>
+            <a:prstGeom prst="rect">
+              <a:avLst/>
+            </a:prstGeom>
+          </p:spPr>
+        </p:pic>
+      </p:grpSp>
+      <p:pic>
+        <p:nvPicPr>
+          <p:cNvPr id="9" name="Picture 8">
+            <a:extLst>
+              <a:ext uri="{FF2B5EF4-FFF2-40B4-BE49-F238E27FC236}">
+                <a16:creationId xmlns:a16="http://schemas.microsoft.com/office/drawing/2014/main" id="{2F6C5851-394F-5462-A2A9-A4716FAF5AB0}"/>
+              </a:ext>
+            </a:extLst>
+          </p:cNvPr>
+          <p:cNvPicPr>
+            <a:picLocks noChangeAspect="1"/>
+          </p:cNvPicPr>
+          <p:nvPr/>
+        </p:nvPicPr>
+        <p:blipFill rotWithShape="1">
+          <a:blip r:embed="rId4"/>
+          <a:srcRect l="5434" b="4825"/>
+          <a:stretch/>
+        </p:blipFill>
+        <p:spPr>
+          <a:xfrm>
+            <a:off x="795694" y="4576399"/>
+            <a:ext cx="1591370" cy="1247102"/>
+          </a:xfrm>
+          <a:prstGeom prst="rect">
+            <a:avLst/>
+          </a:prstGeom>
+        </p:spPr>
+      </p:pic>
+      <p:sp>
+        <p:nvSpPr>
+          <p:cNvPr id="13" name="TextBox 12">
+            <a:extLst>
+              <a:ext uri="{FF2B5EF4-FFF2-40B4-BE49-F238E27FC236}">
+                <a16:creationId xmlns:a16="http://schemas.microsoft.com/office/drawing/2014/main" id="{6DE2C51C-B2F7-DC24-B241-034F0CACE432}"/>
+              </a:ext>
+            </a:extLst>
+          </p:cNvPr>
+          <p:cNvSpPr txBox="1"/>
+          <p:nvPr/>
+        </p:nvSpPr>
+        <p:spPr>
+          <a:xfrm rot="16200000">
+            <a:off x="-136529" y="5129762"/>
+            <a:ext cx="1537600" cy="253916"/>
+          </a:xfrm>
+          <a:prstGeom prst="rect">
+            <a:avLst/>
+          </a:prstGeom>
+          <a:noFill/>
+        </p:spPr>
+        <p:txBody>
+          <a:bodyPr wrap="none" rtlCol="0">
+            <a:spAutoFit/>
+          </a:bodyPr>
+          <a:lstStyle/>
+          <a:p>
+            <a:r>
+              <a:rPr lang="pt-BR" sz="1050" dirty="0">
+                <a:latin typeface="Arial" panose="020B0604020202020204" pitchFamily="34" charset="0"/>
+                <a:cs typeface="Arial" panose="020B0604020202020204" pitchFamily="34" charset="0"/>
+              </a:rPr>
+              <a:t>- Hazard: Scenario 1 +</a:t>
+            </a:r>
+            <a:endParaRPr lang="en-NZ" sz="1050" dirty="0">
+              <a:latin typeface="Arial" panose="020B0604020202020204" pitchFamily="34" charset="0"/>
+              <a:cs typeface="Arial" panose="020B0604020202020204" pitchFamily="34" charset="0"/>
+            </a:endParaRPr>
+          </a:p>
+        </p:txBody>
+      </p:sp>
+      <p:sp>
+        <p:nvSpPr>
+          <p:cNvPr id="14" name="TextBox 13">
+            <a:extLst>
+              <a:ext uri="{FF2B5EF4-FFF2-40B4-BE49-F238E27FC236}">
+                <a16:creationId xmlns:a16="http://schemas.microsoft.com/office/drawing/2014/main" id="{412E36AF-67A4-06CD-C04F-D13B07080A02}"/>
+              </a:ext>
+            </a:extLst>
+          </p:cNvPr>
+          <p:cNvSpPr txBox="1"/>
+          <p:nvPr/>
+        </p:nvSpPr>
+        <p:spPr>
+          <a:xfrm>
+            <a:off x="632271" y="5875397"/>
+            <a:ext cx="1874231" cy="253916"/>
+          </a:xfrm>
+          <a:prstGeom prst="rect">
+            <a:avLst/>
+          </a:prstGeom>
+          <a:noFill/>
+        </p:spPr>
+        <p:txBody>
+          <a:bodyPr wrap="none" rtlCol="0">
+            <a:spAutoFit/>
+          </a:bodyPr>
+          <a:lstStyle/>
+          <a:p>
+            <a:r>
+              <a:rPr lang="pt-BR" sz="1050" dirty="0">
+                <a:latin typeface="Arial" panose="020B0604020202020204" pitchFamily="34" charset="0"/>
+                <a:cs typeface="Arial" panose="020B0604020202020204" pitchFamily="34" charset="0"/>
+              </a:rPr>
+              <a:t>- Time to reach healthcare +</a:t>
+            </a:r>
+            <a:endParaRPr lang="en-NZ" sz="1050" dirty="0">
+              <a:latin typeface="Arial" panose="020B0604020202020204" pitchFamily="34" charset="0"/>
+              <a:cs typeface="Arial" panose="020B0604020202020204" pitchFamily="34" charset="0"/>
+            </a:endParaRPr>
+          </a:p>
+        </p:txBody>
+      </p:sp>
+      <p:sp>
+        <p:nvSpPr>
+          <p:cNvPr id="6" name="TextBox 5">
+            <a:extLst>
+              <a:ext uri="{FF2B5EF4-FFF2-40B4-BE49-F238E27FC236}">
+                <a16:creationId xmlns:a16="http://schemas.microsoft.com/office/drawing/2014/main" id="{27ABAB92-A199-8253-C1E8-3FA1ACE2D56B}"/>
+              </a:ext>
+            </a:extLst>
+          </p:cNvPr>
+          <p:cNvSpPr txBox="1"/>
+          <p:nvPr/>
+        </p:nvSpPr>
+        <p:spPr>
+          <a:xfrm>
+            <a:off x="288926" y="-451888"/>
+            <a:ext cx="2698239" cy="369332"/>
+          </a:xfrm>
+          <a:prstGeom prst="rect">
+            <a:avLst/>
+          </a:prstGeom>
+          <a:noFill/>
+        </p:spPr>
+        <p:txBody>
+          <a:bodyPr wrap="none" rtlCol="0">
+            <a:spAutoFit/>
+          </a:bodyPr>
+          <a:lstStyle/>
+          <a:p>
+            <a:r>
+              <a:rPr lang="pt-BR" dirty="0"/>
+              <a:t>Bovliv mammals minus bat</a:t>
+            </a:r>
+            <a:endParaRPr lang="en-NZ" dirty="0"/>
+          </a:p>
+        </p:txBody>
+      </p:sp>
+    </p:spTree>
+    <p:extLst>
+      <p:ext uri="{BB962C8B-B14F-4D97-AF65-F5344CB8AC3E}">
+        <p14:creationId xmlns:p14="http://schemas.microsoft.com/office/powerpoint/2010/main" val="1525738375"/>
+      </p:ext>
+    </p:extLst>
+  </p:cSld>
+  <p:clrMapOvr>
+    <a:masterClrMapping/>
+  </p:clrMapOvr>
+</p:sld>
+</file>
+
+<file path=ppt/slides/slide5.xml><?xml version="1.0" encoding="utf-8"?>
+<p:sld xmlns:a="http://schemas.openxmlformats.org/drawingml/2006/main" xmlns:r="http://schemas.openxmlformats.org/officeDocument/2006/relationships" xmlns:p="http://schemas.openxmlformats.org/presentationml/2006/main">
+  <p:cSld>
+    <p:spTree>
+      <p:nvGrpSpPr>
+        <p:cNvPr id="1" name=""/>
+        <p:cNvGrpSpPr/>
+        <p:nvPr/>
+      </p:nvGrpSpPr>
+      <p:grpSpPr>
+        <a:xfrm>
+          <a:off x="0" y="0"/>
+          <a:ext cx="0" cy="0"/>
+          <a:chOff x="0" y="0"/>
+          <a:chExt cx="0" cy="0"/>
+        </a:xfrm>
+      </p:grpSpPr>
+      <p:sp>
+        <p:nvSpPr>
+          <p:cNvPr id="2" name="Title 1">
+            <a:extLst>
+              <a:ext uri="{FF2B5EF4-FFF2-40B4-BE49-F238E27FC236}">
+                <a16:creationId xmlns:a16="http://schemas.microsoft.com/office/drawing/2014/main" id="{54CAA44C-093D-57F5-824F-7CB31C578875}"/>
+              </a:ext>
+            </a:extLst>
+          </p:cNvPr>
+          <p:cNvSpPr>
+            <a:spLocks noGrp="1"/>
+          </p:cNvSpPr>
+          <p:nvPr>
+            <p:ph type="title"/>
+          </p:nvPr>
+        </p:nvSpPr>
+        <p:spPr/>
+        <p:txBody>
+          <a:bodyPr/>
+          <a:lstStyle/>
+          <a:p>
+            <a:endParaRPr lang="en-NZ"/>
+          </a:p>
+        </p:txBody>
+      </p:sp>
+      <p:sp>
+        <p:nvSpPr>
+          <p:cNvPr id="3" name="Content Placeholder 2">
+            <a:extLst>
+              <a:ext uri="{FF2B5EF4-FFF2-40B4-BE49-F238E27FC236}">
+                <a16:creationId xmlns:a16="http://schemas.microsoft.com/office/drawing/2014/main" id="{3222CD3F-8F0E-9391-58A8-496CFCE1F356}"/>
+              </a:ext>
+            </a:extLst>
+          </p:cNvPr>
+          <p:cNvSpPr>
+            <a:spLocks noGrp="1"/>
+          </p:cNvSpPr>
+          <p:nvPr>
+            <p:ph idx="1"/>
+          </p:nvPr>
+        </p:nvSpPr>
+        <p:spPr/>
+        <p:txBody>
+          <a:bodyPr/>
+          <a:lstStyle/>
+          <a:p>
+            <a:endParaRPr lang="en-NZ"/>
+          </a:p>
+        </p:txBody>
+      </p:sp>
+      <p:pic>
+        <p:nvPicPr>
+          <p:cNvPr id="4" name="Picture 3">
+            <a:extLst>
+              <a:ext uri="{FF2B5EF4-FFF2-40B4-BE49-F238E27FC236}">
+                <a16:creationId xmlns:a16="http://schemas.microsoft.com/office/drawing/2014/main" id="{8A358630-DD88-020B-861A-D2BDCA3531EF}"/>
+              </a:ext>
+            </a:extLst>
+          </p:cNvPr>
+          <p:cNvPicPr>
+            <a:picLocks noChangeAspect="1"/>
+          </p:cNvPicPr>
+          <p:nvPr/>
+        </p:nvPicPr>
+        <p:blipFill>
+          <a:blip r:embed="rId2"/>
+          <a:stretch>
+            <a:fillRect/>
+          </a:stretch>
+        </p:blipFill>
+        <p:spPr>
+          <a:xfrm>
+            <a:off x="0" y="188119"/>
+            <a:ext cx="12192000" cy="6481762"/>
+          </a:xfrm>
+          <a:prstGeom prst="rect">
+            <a:avLst/>
+          </a:prstGeom>
+        </p:spPr>
+      </p:pic>
+      <p:pic>
+        <p:nvPicPr>
+          <p:cNvPr id="5" name="Picture 4">
+            <a:extLst>
+              <a:ext uri="{FF2B5EF4-FFF2-40B4-BE49-F238E27FC236}">
+                <a16:creationId xmlns:a16="http://schemas.microsoft.com/office/drawing/2014/main" id="{CD60A5C0-C885-8BBC-40F2-018236232C55}"/>
+              </a:ext>
+            </a:extLst>
+          </p:cNvPr>
+          <p:cNvPicPr>
+            <a:picLocks noChangeAspect="1"/>
+          </p:cNvPicPr>
+          <p:nvPr/>
+        </p:nvPicPr>
+        <p:blipFill rotWithShape="1">
+          <a:blip r:embed="rId3"/>
+          <a:srcRect b="11344"/>
+          <a:stretch/>
+        </p:blipFill>
+        <p:spPr>
+          <a:xfrm>
+            <a:off x="10111826" y="2380616"/>
+            <a:ext cx="1870131" cy="1673224"/>
+          </a:xfrm>
+          <a:prstGeom prst="rect">
+            <a:avLst/>
+          </a:prstGeom>
+        </p:spPr>
+      </p:pic>
+      <p:sp>
+        <p:nvSpPr>
+          <p:cNvPr id="6" name="TextBox 5">
+            <a:extLst>
+              <a:ext uri="{FF2B5EF4-FFF2-40B4-BE49-F238E27FC236}">
+                <a16:creationId xmlns:a16="http://schemas.microsoft.com/office/drawing/2014/main" id="{86803CD7-727D-717F-FA11-59E23A773C17}"/>
+              </a:ext>
+            </a:extLst>
+          </p:cNvPr>
+          <p:cNvSpPr txBox="1"/>
+          <p:nvPr/>
+        </p:nvSpPr>
+        <p:spPr>
+          <a:xfrm>
+            <a:off x="11144448" y="2737104"/>
+            <a:ext cx="418704" cy="369332"/>
+          </a:xfrm>
+          <a:prstGeom prst="rect">
+            <a:avLst/>
+          </a:prstGeom>
+          <a:noFill/>
+        </p:spPr>
+        <p:txBody>
+          <a:bodyPr wrap="none" rtlCol="0">
+            <a:spAutoFit/>
+          </a:bodyPr>
+          <a:lstStyle/>
+          <a:p>
+            <a:r>
+              <a:rPr lang="pt-BR" dirty="0"/>
+              <a:t>12</a:t>
+            </a:r>
+            <a:endParaRPr lang="en-NZ" dirty="0"/>
+          </a:p>
+        </p:txBody>
+      </p:sp>
+      <p:sp>
+        <p:nvSpPr>
+          <p:cNvPr id="7" name="TextBox 6">
+            <a:extLst>
+              <a:ext uri="{FF2B5EF4-FFF2-40B4-BE49-F238E27FC236}">
+                <a16:creationId xmlns:a16="http://schemas.microsoft.com/office/drawing/2014/main" id="{0D9641BE-90CD-052C-00BD-F6A32D95CC08}"/>
+              </a:ext>
+            </a:extLst>
+          </p:cNvPr>
+          <p:cNvSpPr txBox="1"/>
+          <p:nvPr/>
+        </p:nvSpPr>
+        <p:spPr>
+          <a:xfrm>
+            <a:off x="11156640" y="3491255"/>
+            <a:ext cx="418704" cy="369332"/>
+          </a:xfrm>
+          <a:prstGeom prst="rect">
+            <a:avLst/>
+          </a:prstGeom>
+          <a:noFill/>
+        </p:spPr>
+        <p:txBody>
+          <a:bodyPr wrap="none" rtlCol="0">
+            <a:spAutoFit/>
+          </a:bodyPr>
+          <a:lstStyle/>
+          <a:p>
+            <a:r>
+              <a:rPr lang="pt-BR" dirty="0">
+                <a:solidFill>
+                  <a:schemeClr val="bg1"/>
+                </a:solidFill>
+              </a:rPr>
+              <a:t>10</a:t>
+            </a:r>
+            <a:endParaRPr lang="en-NZ" dirty="0">
+              <a:solidFill>
+                <a:schemeClr val="bg1"/>
+              </a:solidFill>
+            </a:endParaRPr>
+          </a:p>
+        </p:txBody>
+      </p:sp>
+      <p:sp>
+        <p:nvSpPr>
+          <p:cNvPr id="8" name="TextBox 7">
+            <a:extLst>
+              <a:ext uri="{FF2B5EF4-FFF2-40B4-BE49-F238E27FC236}">
+                <a16:creationId xmlns:a16="http://schemas.microsoft.com/office/drawing/2014/main" id="{5EC512EA-A58B-3DF5-A2D4-06E2DAD9A493}"/>
+              </a:ext>
+            </a:extLst>
+          </p:cNvPr>
+          <p:cNvSpPr txBox="1"/>
+          <p:nvPr/>
+        </p:nvSpPr>
+        <p:spPr>
+          <a:xfrm>
+            <a:off x="10318836" y="3497351"/>
+            <a:ext cx="301686" cy="369332"/>
+          </a:xfrm>
+          <a:prstGeom prst="rect">
+            <a:avLst/>
+          </a:prstGeom>
+          <a:noFill/>
+        </p:spPr>
+        <p:txBody>
+          <a:bodyPr wrap="none" rtlCol="0">
+            <a:spAutoFit/>
+          </a:bodyPr>
+          <a:lstStyle/>
+          <a:p>
+            <a:r>
+              <a:rPr lang="pt-BR" dirty="0"/>
+              <a:t>1</a:t>
+            </a:r>
+            <a:endParaRPr lang="en-NZ" dirty="0"/>
+          </a:p>
+        </p:txBody>
+      </p:sp>
+      <p:sp>
+        <p:nvSpPr>
+          <p:cNvPr id="9" name="TextBox 8">
+            <a:extLst>
+              <a:ext uri="{FF2B5EF4-FFF2-40B4-BE49-F238E27FC236}">
+                <a16:creationId xmlns:a16="http://schemas.microsoft.com/office/drawing/2014/main" id="{6C362359-2D2E-E225-CB1C-3EBBA05FCF79}"/>
+              </a:ext>
+            </a:extLst>
+          </p:cNvPr>
+          <p:cNvSpPr txBox="1"/>
+          <p:nvPr/>
+        </p:nvSpPr>
+        <p:spPr>
+          <a:xfrm>
+            <a:off x="10825101" y="3445535"/>
+            <a:ext cx="301686" cy="369332"/>
+          </a:xfrm>
+          <a:prstGeom prst="rect">
+            <a:avLst/>
+          </a:prstGeom>
+          <a:noFill/>
+        </p:spPr>
+        <p:txBody>
+          <a:bodyPr wrap="none" rtlCol="0">
+            <a:spAutoFit/>
+          </a:bodyPr>
+          <a:lstStyle/>
+          <a:p>
+            <a:r>
+              <a:rPr lang="pt-BR" dirty="0"/>
+              <a:t>7</a:t>
+            </a:r>
+            <a:endParaRPr lang="en-NZ" dirty="0"/>
+          </a:p>
+        </p:txBody>
+      </p:sp>
+      <p:sp>
+        <p:nvSpPr>
+          <p:cNvPr id="11" name="TextBox 10">
+            <a:extLst>
+              <a:ext uri="{FF2B5EF4-FFF2-40B4-BE49-F238E27FC236}">
+                <a16:creationId xmlns:a16="http://schemas.microsoft.com/office/drawing/2014/main" id="{64080385-730B-4E0E-4F5E-2ACE6A3213A2}"/>
+              </a:ext>
+            </a:extLst>
+          </p:cNvPr>
+          <p:cNvSpPr txBox="1"/>
+          <p:nvPr/>
+        </p:nvSpPr>
+        <p:spPr>
+          <a:xfrm>
+            <a:off x="10406199" y="3125528"/>
+            <a:ext cx="301686" cy="369332"/>
+          </a:xfrm>
+          <a:prstGeom prst="rect">
+            <a:avLst/>
+          </a:prstGeom>
+          <a:noFill/>
+        </p:spPr>
+        <p:txBody>
+          <a:bodyPr wrap="none" rtlCol="0">
+            <a:spAutoFit/>
+          </a:bodyPr>
+          <a:lstStyle/>
+          <a:p>
+            <a:r>
+              <a:rPr lang="pt-BR" dirty="0"/>
+              <a:t>2</a:t>
+            </a:r>
+            <a:endParaRPr lang="en-NZ" dirty="0"/>
+          </a:p>
+        </p:txBody>
+      </p:sp>
+      <p:sp>
+        <p:nvSpPr>
+          <p:cNvPr id="13" name="TextBox 12">
+            <a:extLst>
+              <a:ext uri="{FF2B5EF4-FFF2-40B4-BE49-F238E27FC236}">
+                <a16:creationId xmlns:a16="http://schemas.microsoft.com/office/drawing/2014/main" id="{01762264-494F-D524-19D2-B899DB082C07}"/>
+              </a:ext>
+            </a:extLst>
+          </p:cNvPr>
+          <p:cNvSpPr txBox="1"/>
+          <p:nvPr/>
+        </p:nvSpPr>
+        <p:spPr>
+          <a:xfrm>
+            <a:off x="10871120" y="2783055"/>
+            <a:ext cx="301686" cy="369332"/>
+          </a:xfrm>
+          <a:prstGeom prst="rect">
+            <a:avLst/>
+          </a:prstGeom>
+          <a:noFill/>
+        </p:spPr>
+        <p:txBody>
+          <a:bodyPr wrap="none" rtlCol="0">
+            <a:spAutoFit/>
+          </a:bodyPr>
+          <a:lstStyle/>
+          <a:p>
+            <a:r>
+              <a:rPr lang="pt-BR" dirty="0"/>
+              <a:t>9</a:t>
+            </a:r>
+            <a:endParaRPr lang="en-NZ" dirty="0"/>
+          </a:p>
+        </p:txBody>
+      </p:sp>
+      <p:sp>
+        <p:nvSpPr>
+          <p:cNvPr id="15" name="TextBox 14">
+            <a:extLst>
+              <a:ext uri="{FF2B5EF4-FFF2-40B4-BE49-F238E27FC236}">
+                <a16:creationId xmlns:a16="http://schemas.microsoft.com/office/drawing/2014/main" id="{CAC377D6-5507-F852-0888-4DD90AC3B0EC}"/>
+              </a:ext>
+            </a:extLst>
+          </p:cNvPr>
+          <p:cNvSpPr txBox="1"/>
+          <p:nvPr/>
+        </p:nvSpPr>
+        <p:spPr>
+          <a:xfrm>
+            <a:off x="10842762" y="3102658"/>
+            <a:ext cx="301686" cy="369332"/>
+          </a:xfrm>
+          <a:prstGeom prst="rect">
+            <a:avLst/>
+          </a:prstGeom>
+          <a:noFill/>
+        </p:spPr>
+        <p:txBody>
+          <a:bodyPr wrap="none" rtlCol="0">
+            <a:spAutoFit/>
+          </a:bodyPr>
+          <a:lstStyle/>
+          <a:p>
+            <a:r>
+              <a:rPr lang="pt-BR" dirty="0"/>
+              <a:t>8</a:t>
+            </a:r>
+            <a:endParaRPr lang="en-NZ" dirty="0"/>
+          </a:p>
+        </p:txBody>
+      </p:sp>
+      <p:sp>
+        <p:nvSpPr>
+          <p:cNvPr id="16" name="TextBox 15">
+            <a:extLst>
+              <a:ext uri="{FF2B5EF4-FFF2-40B4-BE49-F238E27FC236}">
+                <a16:creationId xmlns:a16="http://schemas.microsoft.com/office/drawing/2014/main" id="{5BED0E60-C581-AF3E-F875-2EC53727A81C}"/>
+              </a:ext>
+            </a:extLst>
+          </p:cNvPr>
+          <p:cNvSpPr txBox="1"/>
+          <p:nvPr/>
+        </p:nvSpPr>
+        <p:spPr>
+          <a:xfrm>
+            <a:off x="11156640" y="3085399"/>
+            <a:ext cx="418704" cy="369332"/>
+          </a:xfrm>
+          <a:prstGeom prst="rect">
+            <a:avLst/>
+          </a:prstGeom>
+          <a:noFill/>
+        </p:spPr>
+        <p:txBody>
+          <a:bodyPr wrap="none" rtlCol="0">
+            <a:spAutoFit/>
+          </a:bodyPr>
+          <a:lstStyle/>
+          <a:p>
+            <a:r>
+              <a:rPr lang="pt-BR" dirty="0">
+                <a:solidFill>
+                  <a:schemeClr val="bg1"/>
+                </a:solidFill>
+              </a:rPr>
+              <a:t>11</a:t>
+            </a:r>
+            <a:endParaRPr lang="en-NZ" dirty="0">
+              <a:solidFill>
+                <a:schemeClr val="bg1"/>
+              </a:solidFill>
+            </a:endParaRPr>
+          </a:p>
+        </p:txBody>
+      </p:sp>
+      <p:sp>
+        <p:nvSpPr>
+          <p:cNvPr id="17" name="TextBox 16">
+            <a:extLst>
+              <a:ext uri="{FF2B5EF4-FFF2-40B4-BE49-F238E27FC236}">
+                <a16:creationId xmlns:a16="http://schemas.microsoft.com/office/drawing/2014/main" id="{36C281AE-ED7B-6AC7-D6FC-CA1B72D34085}"/>
+              </a:ext>
+            </a:extLst>
+          </p:cNvPr>
+          <p:cNvSpPr txBox="1"/>
+          <p:nvPr/>
+        </p:nvSpPr>
+        <p:spPr>
+          <a:xfrm>
+            <a:off x="10376544" y="2754318"/>
+            <a:ext cx="301686" cy="369332"/>
+          </a:xfrm>
+          <a:prstGeom prst="rect">
+            <a:avLst/>
+          </a:prstGeom>
+          <a:noFill/>
+        </p:spPr>
+        <p:txBody>
+          <a:bodyPr wrap="none" rtlCol="0">
+            <a:spAutoFit/>
+          </a:bodyPr>
+          <a:lstStyle/>
+          <a:p>
+            <a:r>
+              <a:rPr lang="pt-BR" dirty="0">
+                <a:solidFill>
+                  <a:schemeClr val="bg1"/>
+                </a:solidFill>
+              </a:rPr>
+              <a:t>3</a:t>
+            </a:r>
+            <a:endParaRPr lang="en-NZ" dirty="0">
+              <a:solidFill>
+                <a:schemeClr val="bg1"/>
+              </a:solidFill>
+            </a:endParaRPr>
+          </a:p>
+        </p:txBody>
+      </p:sp>
+      <p:pic>
+        <p:nvPicPr>
+          <p:cNvPr id="20" name="Picture 19">
+            <a:extLst>
+              <a:ext uri="{FF2B5EF4-FFF2-40B4-BE49-F238E27FC236}">
+                <a16:creationId xmlns:a16="http://schemas.microsoft.com/office/drawing/2014/main" id="{2C064C2B-526A-5769-8647-66695AE54E39}"/>
+              </a:ext>
+            </a:extLst>
+          </p:cNvPr>
+          <p:cNvPicPr>
+            <a:picLocks noChangeAspect="1"/>
+          </p:cNvPicPr>
+          <p:nvPr/>
+        </p:nvPicPr>
+        <p:blipFill>
+          <a:blip r:embed="rId4"/>
+          <a:stretch>
+            <a:fillRect/>
+          </a:stretch>
+        </p:blipFill>
+        <p:spPr>
+          <a:xfrm>
+            <a:off x="1071666" y="159747"/>
+            <a:ext cx="8383230" cy="1231730"/>
+          </a:xfrm>
+          <a:prstGeom prst="rect">
+            <a:avLst/>
+          </a:prstGeom>
+        </p:spPr>
+      </p:pic>
+    </p:spTree>
+    <p:extLst>
+      <p:ext uri="{BB962C8B-B14F-4D97-AF65-F5344CB8AC3E}">
+        <p14:creationId xmlns:p14="http://schemas.microsoft.com/office/powerpoint/2010/main" val="148171327"/>
+      </p:ext>
+    </p:extLst>
+  </p:cSld>
+  <p:clrMapOvr>
+    <a:masterClrMapping/>
+  </p:clrMapOvr>
+</p:sld>
+</file>
+
+<file path=ppt/slides/slide6.xml><?xml version="1.0" encoding="utf-8"?>
+<p:sld xmlns:a="http://schemas.openxmlformats.org/drawingml/2006/main" xmlns:r="http://schemas.openxmlformats.org/officeDocument/2006/relationships" xmlns:p="http://schemas.openxmlformats.org/presentationml/2006/main">
+  <p:cSld>
+    <p:spTree>
+      <p:nvGrpSpPr>
+        <p:cNvPr id="1" name=""/>
+        <p:cNvGrpSpPr/>
+        <p:nvPr/>
+      </p:nvGrpSpPr>
+      <p:grpSpPr>
+        <a:xfrm>
+          <a:off x="0" y="0"/>
+          <a:ext cx="0" cy="0"/>
+          <a:chOff x="0" y="0"/>
+          <a:chExt cx="0" cy="0"/>
+        </a:xfrm>
+      </p:grpSpPr>
       <p:grpSp>
         <p:nvGrpSpPr>
           <p:cNvPr id="11" name="Group 10">
@@ -3862,1794 +5669,6 @@
     <p:extLst>
       <p:ext uri="{BB962C8B-B14F-4D97-AF65-F5344CB8AC3E}">
         <p14:creationId xmlns:p14="http://schemas.microsoft.com/office/powerpoint/2010/main" val="3291666277"/>
-      </p:ext>
-    </p:extLst>
-  </p:cSld>
-  <p:clrMapOvr>
-    <a:masterClrMapping/>
-  </p:clrMapOvr>
-</p:sld>
-</file>
-
-<file path=ppt/slides/slide2.xml><?xml version="1.0" encoding="utf-8"?>
-<p:sld xmlns:a="http://schemas.openxmlformats.org/drawingml/2006/main" xmlns:r="http://schemas.openxmlformats.org/officeDocument/2006/relationships" xmlns:p="http://schemas.openxmlformats.org/presentationml/2006/main">
-  <p:cSld>
-    <p:spTree>
-      <p:nvGrpSpPr>
-        <p:cNvPr id="1" name=""/>
-        <p:cNvGrpSpPr/>
-        <p:nvPr/>
-      </p:nvGrpSpPr>
-      <p:grpSpPr>
-        <a:xfrm>
-          <a:off x="0" y="0"/>
-          <a:ext cx="0" cy="0"/>
-          <a:chOff x="0" y="0"/>
-          <a:chExt cx="0" cy="0"/>
-        </a:xfrm>
-      </p:grpSpPr>
-      <p:pic>
-        <p:nvPicPr>
-          <p:cNvPr id="29" name="Picture 28">
-            <a:extLst>
-              <a:ext uri="{FF2B5EF4-FFF2-40B4-BE49-F238E27FC236}">
-                <a16:creationId xmlns:a16="http://schemas.microsoft.com/office/drawing/2014/main" id="{7502116D-460F-62F8-A947-9313C457E66A}"/>
-              </a:ext>
-            </a:extLst>
-          </p:cNvPr>
-          <p:cNvPicPr>
-            <a:picLocks noChangeAspect="1"/>
-          </p:cNvPicPr>
-          <p:nvPr/>
-        </p:nvPicPr>
-        <p:blipFill rotWithShape="1">
-          <a:blip r:embed="rId2"/>
-          <a:srcRect l="18310" r="23602"/>
-          <a:stretch/>
-        </p:blipFill>
-        <p:spPr>
-          <a:xfrm>
-            <a:off x="5987143" y="0"/>
-            <a:ext cx="5320937" cy="6378493"/>
-          </a:xfrm>
-          <a:prstGeom prst="rect">
-            <a:avLst/>
-          </a:prstGeom>
-        </p:spPr>
-      </p:pic>
-      <p:pic>
-        <p:nvPicPr>
-          <p:cNvPr id="30" name="Picture 29">
-            <a:extLst>
-              <a:ext uri="{FF2B5EF4-FFF2-40B4-BE49-F238E27FC236}">
-                <a16:creationId xmlns:a16="http://schemas.microsoft.com/office/drawing/2014/main" id="{A924368A-460F-0FE7-BD8E-D1BDD6E61877}"/>
-              </a:ext>
-            </a:extLst>
-          </p:cNvPr>
-          <p:cNvPicPr>
-            <a:picLocks noChangeAspect="1"/>
-          </p:cNvPicPr>
-          <p:nvPr/>
-        </p:nvPicPr>
-        <p:blipFill rotWithShape="1">
-          <a:blip r:embed="rId3"/>
-          <a:srcRect l="18310" r="23602"/>
-          <a:stretch/>
-        </p:blipFill>
-        <p:spPr>
-          <a:xfrm>
-            <a:off x="195943" y="-1"/>
-            <a:ext cx="5320937" cy="6378493"/>
-          </a:xfrm>
-          <a:prstGeom prst="rect">
-            <a:avLst/>
-          </a:prstGeom>
-        </p:spPr>
-      </p:pic>
-      <p:grpSp>
-        <p:nvGrpSpPr>
-          <p:cNvPr id="15" name="Group 14">
-            <a:extLst>
-              <a:ext uri="{FF2B5EF4-FFF2-40B4-BE49-F238E27FC236}">
-                <a16:creationId xmlns:a16="http://schemas.microsoft.com/office/drawing/2014/main" id="{B2E9E56C-EED3-D11C-4798-67FF57682B65}"/>
-              </a:ext>
-            </a:extLst>
-          </p:cNvPr>
-          <p:cNvGrpSpPr/>
-          <p:nvPr/>
-        </p:nvGrpSpPr>
-        <p:grpSpPr>
-          <a:xfrm>
-            <a:off x="5606270" y="4493068"/>
-            <a:ext cx="2001189" cy="1641393"/>
-            <a:chOff x="5606270" y="3792028"/>
-            <a:chExt cx="2001189" cy="1641393"/>
-          </a:xfrm>
-        </p:grpSpPr>
-        <p:grpSp>
-          <p:nvGrpSpPr>
-            <p:cNvPr id="21" name="Group 20">
-              <a:extLst>
-                <a:ext uri="{FF2B5EF4-FFF2-40B4-BE49-F238E27FC236}">
-                  <a16:creationId xmlns:a16="http://schemas.microsoft.com/office/drawing/2014/main" id="{6892794E-6CA8-362B-3C4B-68DA3F822D2B}"/>
-                </a:ext>
-              </a:extLst>
-            </p:cNvPr>
-            <p:cNvGrpSpPr/>
-            <p:nvPr/>
-          </p:nvGrpSpPr>
-          <p:grpSpPr>
-            <a:xfrm>
-              <a:off x="5606270" y="3792028"/>
-              <a:ext cx="2001189" cy="1641393"/>
-              <a:chOff x="3627018" y="3806839"/>
-              <a:chExt cx="2001189" cy="1641393"/>
-            </a:xfrm>
-          </p:grpSpPr>
-          <p:sp>
-            <p:nvSpPr>
-              <p:cNvPr id="23" name="TextBox 22">
-                <a:extLst>
-                  <a:ext uri="{FF2B5EF4-FFF2-40B4-BE49-F238E27FC236}">
-                    <a16:creationId xmlns:a16="http://schemas.microsoft.com/office/drawing/2014/main" id="{BA5A4276-2536-AF3B-8C1C-33D41845E3AC}"/>
-                  </a:ext>
-                </a:extLst>
-              </p:cNvPr>
-              <p:cNvSpPr txBox="1"/>
-              <p:nvPr/>
-            </p:nvSpPr>
-            <p:spPr>
-              <a:xfrm rot="16200000">
-                <a:off x="2985176" y="4448681"/>
-                <a:ext cx="1537600" cy="253916"/>
-              </a:xfrm>
-              <a:prstGeom prst="rect">
-                <a:avLst/>
-              </a:prstGeom>
-              <a:noFill/>
-            </p:spPr>
-            <p:txBody>
-              <a:bodyPr wrap="none" rtlCol="0">
-                <a:spAutoFit/>
-              </a:bodyPr>
-              <a:lstStyle/>
-              <a:p>
-                <a:r>
-                  <a:rPr lang="pt-BR" sz="1050" dirty="0">
-                    <a:latin typeface="Arial" panose="020B0604020202020204" pitchFamily="34" charset="0"/>
-                    <a:cs typeface="Arial" panose="020B0604020202020204" pitchFamily="34" charset="0"/>
-                  </a:rPr>
-                  <a:t>- Hazard: Scenario 2 +</a:t>
-                </a:r>
-                <a:endParaRPr lang="en-NZ" sz="1050" dirty="0">
-                  <a:latin typeface="Arial" panose="020B0604020202020204" pitchFamily="34" charset="0"/>
-                  <a:cs typeface="Arial" panose="020B0604020202020204" pitchFamily="34" charset="0"/>
-                </a:endParaRPr>
-              </a:p>
-            </p:txBody>
-          </p:sp>
-          <p:sp>
-            <p:nvSpPr>
-              <p:cNvPr id="24" name="TextBox 23">
-                <a:extLst>
-                  <a:ext uri="{FF2B5EF4-FFF2-40B4-BE49-F238E27FC236}">
-                    <a16:creationId xmlns:a16="http://schemas.microsoft.com/office/drawing/2014/main" id="{D76A0517-CC26-E210-C81B-6AE00E30A8E9}"/>
-                  </a:ext>
-                </a:extLst>
-              </p:cNvPr>
-              <p:cNvSpPr txBox="1"/>
-              <p:nvPr/>
-            </p:nvSpPr>
-            <p:spPr>
-              <a:xfrm>
-                <a:off x="3753976" y="5194316"/>
-                <a:ext cx="1874231" cy="253916"/>
-              </a:xfrm>
-              <a:prstGeom prst="rect">
-                <a:avLst/>
-              </a:prstGeom>
-              <a:noFill/>
-            </p:spPr>
-            <p:txBody>
-              <a:bodyPr wrap="none" rtlCol="0">
-                <a:spAutoFit/>
-              </a:bodyPr>
-              <a:lstStyle/>
-              <a:p>
-                <a:r>
-                  <a:rPr lang="pt-BR" sz="1050" dirty="0">
-                    <a:latin typeface="Arial" panose="020B0604020202020204" pitchFamily="34" charset="0"/>
-                    <a:cs typeface="Arial" panose="020B0604020202020204" pitchFamily="34" charset="0"/>
-                  </a:rPr>
-                  <a:t>- Time to reach healthcare +</a:t>
-                </a:r>
-                <a:endParaRPr lang="en-NZ" sz="1050" dirty="0">
-                  <a:latin typeface="Arial" panose="020B0604020202020204" pitchFamily="34" charset="0"/>
-                  <a:cs typeface="Arial" panose="020B0604020202020204" pitchFamily="34" charset="0"/>
-                </a:endParaRPr>
-              </a:p>
-            </p:txBody>
-          </p:sp>
-        </p:grpSp>
-        <p:pic>
-          <p:nvPicPr>
-            <p:cNvPr id="8" name="Picture 7">
-              <a:extLst>
-                <a:ext uri="{FF2B5EF4-FFF2-40B4-BE49-F238E27FC236}">
-                  <a16:creationId xmlns:a16="http://schemas.microsoft.com/office/drawing/2014/main" id="{19182808-6484-B62C-6E17-FB83AC04414A}"/>
-                </a:ext>
-              </a:extLst>
-            </p:cNvPr>
-            <p:cNvPicPr>
-              <a:picLocks noChangeAspect="1"/>
-            </p:cNvPicPr>
-            <p:nvPr/>
-          </p:nvPicPr>
-          <p:blipFill rotWithShape="1">
-            <a:blip r:embed="rId4"/>
-            <a:srcRect l="5434" b="4825"/>
-            <a:stretch/>
-          </p:blipFill>
-          <p:spPr>
-            <a:xfrm>
-              <a:off x="5872482" y="3936266"/>
-              <a:ext cx="1591370" cy="1247102"/>
-            </a:xfrm>
-            <a:prstGeom prst="rect">
-              <a:avLst/>
-            </a:prstGeom>
-          </p:spPr>
-        </p:pic>
-      </p:grpSp>
-      <p:pic>
-        <p:nvPicPr>
-          <p:cNvPr id="9" name="Picture 8">
-            <a:extLst>
-              <a:ext uri="{FF2B5EF4-FFF2-40B4-BE49-F238E27FC236}">
-                <a16:creationId xmlns:a16="http://schemas.microsoft.com/office/drawing/2014/main" id="{2F6C5851-394F-5462-A2A9-A4716FAF5AB0}"/>
-              </a:ext>
-            </a:extLst>
-          </p:cNvPr>
-          <p:cNvPicPr>
-            <a:picLocks noChangeAspect="1"/>
-          </p:cNvPicPr>
-          <p:nvPr/>
-        </p:nvPicPr>
-        <p:blipFill rotWithShape="1">
-          <a:blip r:embed="rId4"/>
-          <a:srcRect l="5434" b="4825"/>
-          <a:stretch/>
-        </p:blipFill>
-        <p:spPr>
-          <a:xfrm>
-            <a:off x="795694" y="4576399"/>
-            <a:ext cx="1591370" cy="1247102"/>
-          </a:xfrm>
-          <a:prstGeom prst="rect">
-            <a:avLst/>
-          </a:prstGeom>
-        </p:spPr>
-      </p:pic>
-      <p:sp>
-        <p:nvSpPr>
-          <p:cNvPr id="13" name="TextBox 12">
-            <a:extLst>
-              <a:ext uri="{FF2B5EF4-FFF2-40B4-BE49-F238E27FC236}">
-                <a16:creationId xmlns:a16="http://schemas.microsoft.com/office/drawing/2014/main" id="{6DE2C51C-B2F7-DC24-B241-034F0CACE432}"/>
-              </a:ext>
-            </a:extLst>
-          </p:cNvPr>
-          <p:cNvSpPr txBox="1"/>
-          <p:nvPr/>
-        </p:nvSpPr>
-        <p:spPr>
-          <a:xfrm rot="16200000">
-            <a:off x="-136529" y="5129762"/>
-            <a:ext cx="1537600" cy="253916"/>
-          </a:xfrm>
-          <a:prstGeom prst="rect">
-            <a:avLst/>
-          </a:prstGeom>
-          <a:noFill/>
-        </p:spPr>
-        <p:txBody>
-          <a:bodyPr wrap="none" rtlCol="0">
-            <a:spAutoFit/>
-          </a:bodyPr>
-          <a:lstStyle/>
-          <a:p>
-            <a:r>
-              <a:rPr lang="pt-BR" sz="1050" dirty="0">
-                <a:latin typeface="Arial" panose="020B0604020202020204" pitchFamily="34" charset="0"/>
-                <a:cs typeface="Arial" panose="020B0604020202020204" pitchFamily="34" charset="0"/>
-              </a:rPr>
-              <a:t>- Hazard: Scenario 1 +</a:t>
-            </a:r>
-            <a:endParaRPr lang="en-NZ" sz="1050" dirty="0">
-              <a:latin typeface="Arial" panose="020B0604020202020204" pitchFamily="34" charset="0"/>
-              <a:cs typeface="Arial" panose="020B0604020202020204" pitchFamily="34" charset="0"/>
-            </a:endParaRPr>
-          </a:p>
-        </p:txBody>
-      </p:sp>
-      <p:sp>
-        <p:nvSpPr>
-          <p:cNvPr id="14" name="TextBox 13">
-            <a:extLst>
-              <a:ext uri="{FF2B5EF4-FFF2-40B4-BE49-F238E27FC236}">
-                <a16:creationId xmlns:a16="http://schemas.microsoft.com/office/drawing/2014/main" id="{412E36AF-67A4-06CD-C04F-D13B07080A02}"/>
-              </a:ext>
-            </a:extLst>
-          </p:cNvPr>
-          <p:cNvSpPr txBox="1"/>
-          <p:nvPr/>
-        </p:nvSpPr>
-        <p:spPr>
-          <a:xfrm>
-            <a:off x="632271" y="5875397"/>
-            <a:ext cx="1874231" cy="253916"/>
-          </a:xfrm>
-          <a:prstGeom prst="rect">
-            <a:avLst/>
-          </a:prstGeom>
-          <a:noFill/>
-        </p:spPr>
-        <p:txBody>
-          <a:bodyPr wrap="none" rtlCol="0">
-            <a:spAutoFit/>
-          </a:bodyPr>
-          <a:lstStyle/>
-          <a:p>
-            <a:r>
-              <a:rPr lang="pt-BR" sz="1050" dirty="0">
-                <a:latin typeface="Arial" panose="020B0604020202020204" pitchFamily="34" charset="0"/>
-                <a:cs typeface="Arial" panose="020B0604020202020204" pitchFamily="34" charset="0"/>
-              </a:rPr>
-              <a:t>- Time to reach healthcare +</a:t>
-            </a:r>
-            <a:endParaRPr lang="en-NZ" sz="1050" dirty="0">
-              <a:latin typeface="Arial" panose="020B0604020202020204" pitchFamily="34" charset="0"/>
-              <a:cs typeface="Arial" panose="020B0604020202020204" pitchFamily="34" charset="0"/>
-            </a:endParaRPr>
-          </a:p>
-        </p:txBody>
-      </p:sp>
-    </p:spTree>
-    <p:extLst>
-      <p:ext uri="{BB962C8B-B14F-4D97-AF65-F5344CB8AC3E}">
-        <p14:creationId xmlns:p14="http://schemas.microsoft.com/office/powerpoint/2010/main" val="2552097197"/>
-      </p:ext>
-    </p:extLst>
-  </p:cSld>
-  <p:clrMapOvr>
-    <a:masterClrMapping/>
-  </p:clrMapOvr>
-</p:sld>
-</file>
-
-<file path=ppt/slides/slide3.xml><?xml version="1.0" encoding="utf-8"?>
-<p:sld xmlns:a="http://schemas.openxmlformats.org/drawingml/2006/main" xmlns:r="http://schemas.openxmlformats.org/officeDocument/2006/relationships" xmlns:p="http://schemas.openxmlformats.org/presentationml/2006/main">
-  <p:cSld>
-    <p:spTree>
-      <p:nvGrpSpPr>
-        <p:cNvPr id="1" name=""/>
-        <p:cNvGrpSpPr/>
-        <p:nvPr/>
-      </p:nvGrpSpPr>
-      <p:grpSpPr>
-        <a:xfrm>
-          <a:off x="0" y="0"/>
-          <a:ext cx="0" cy="0"/>
-          <a:chOff x="0" y="0"/>
-          <a:chExt cx="0" cy="0"/>
-        </a:xfrm>
-      </p:grpSpPr>
-      <p:sp>
-        <p:nvSpPr>
-          <p:cNvPr id="2" name="Title 1">
-            <a:extLst>
-              <a:ext uri="{FF2B5EF4-FFF2-40B4-BE49-F238E27FC236}">
-                <a16:creationId xmlns:a16="http://schemas.microsoft.com/office/drawing/2014/main" id="{E0586232-ACB7-C3C0-0FC9-5143F1C2A26E}"/>
-              </a:ext>
-            </a:extLst>
-          </p:cNvPr>
-          <p:cNvSpPr>
-            <a:spLocks noGrp="1"/>
-          </p:cNvSpPr>
-          <p:nvPr>
-            <p:ph type="title"/>
-          </p:nvPr>
-        </p:nvSpPr>
-        <p:spPr/>
-        <p:txBody>
-          <a:bodyPr/>
-          <a:lstStyle/>
-          <a:p>
-            <a:endParaRPr lang="en-NZ"/>
-          </a:p>
-        </p:txBody>
-      </p:sp>
-      <p:sp>
-        <p:nvSpPr>
-          <p:cNvPr id="3" name="Content Placeholder 2">
-            <a:extLst>
-              <a:ext uri="{FF2B5EF4-FFF2-40B4-BE49-F238E27FC236}">
-                <a16:creationId xmlns:a16="http://schemas.microsoft.com/office/drawing/2014/main" id="{F3875B38-BD07-1803-06BE-CCDE01B53B1C}"/>
-              </a:ext>
-            </a:extLst>
-          </p:cNvPr>
-          <p:cNvSpPr>
-            <a:spLocks noGrp="1"/>
-          </p:cNvSpPr>
-          <p:nvPr>
-            <p:ph idx="1"/>
-          </p:nvPr>
-        </p:nvSpPr>
-        <p:spPr/>
-        <p:txBody>
-          <a:bodyPr/>
-          <a:lstStyle/>
-          <a:p>
-            <a:endParaRPr lang="en-NZ" dirty="0"/>
-          </a:p>
-        </p:txBody>
-      </p:sp>
-      <p:pic>
-        <p:nvPicPr>
-          <p:cNvPr id="7" name="Picture 6">
-            <a:extLst>
-              <a:ext uri="{FF2B5EF4-FFF2-40B4-BE49-F238E27FC236}">
-                <a16:creationId xmlns:a16="http://schemas.microsoft.com/office/drawing/2014/main" id="{C759FFEB-30F9-85D5-DE9F-B1E29453ADEC}"/>
-              </a:ext>
-            </a:extLst>
-          </p:cNvPr>
-          <p:cNvPicPr>
-            <a:picLocks noChangeAspect="1"/>
-          </p:cNvPicPr>
-          <p:nvPr/>
-        </p:nvPicPr>
-        <p:blipFill rotWithShape="1">
-          <a:blip r:embed="rId2"/>
-          <a:srcRect l="74844" t="48781" r="15601" b="15070"/>
-          <a:stretch/>
-        </p:blipFill>
-        <p:spPr>
-          <a:xfrm>
-            <a:off x="282272" y="213091"/>
-            <a:ext cx="6044454" cy="6431817"/>
-          </a:xfrm>
-          <a:prstGeom prst="rect">
-            <a:avLst/>
-          </a:prstGeom>
-        </p:spPr>
-      </p:pic>
-      <p:pic>
-        <p:nvPicPr>
-          <p:cNvPr id="8" name="Picture 7">
-            <a:extLst>
-              <a:ext uri="{FF2B5EF4-FFF2-40B4-BE49-F238E27FC236}">
-                <a16:creationId xmlns:a16="http://schemas.microsoft.com/office/drawing/2014/main" id="{E04D91B0-9815-99B0-258B-9459C9A10560}"/>
-              </a:ext>
-            </a:extLst>
-          </p:cNvPr>
-          <p:cNvPicPr>
-            <a:picLocks noChangeAspect="1"/>
-          </p:cNvPicPr>
-          <p:nvPr/>
-        </p:nvPicPr>
-        <p:blipFill rotWithShape="1">
-          <a:blip r:embed="rId3"/>
-          <a:srcRect l="5434" b="4825"/>
-          <a:stretch/>
-        </p:blipFill>
-        <p:spPr>
-          <a:xfrm>
-            <a:off x="4385192" y="443586"/>
-            <a:ext cx="1591370" cy="1247102"/>
-          </a:xfrm>
-          <a:prstGeom prst="rect">
-            <a:avLst/>
-          </a:prstGeom>
-        </p:spPr>
-      </p:pic>
-      <p:sp>
-        <p:nvSpPr>
-          <p:cNvPr id="9" name="TextBox 8">
-            <a:extLst>
-              <a:ext uri="{FF2B5EF4-FFF2-40B4-BE49-F238E27FC236}">
-                <a16:creationId xmlns:a16="http://schemas.microsoft.com/office/drawing/2014/main" id="{9E07AF82-624B-0AFB-4AC1-B728E444E23F}"/>
-              </a:ext>
-            </a:extLst>
-          </p:cNvPr>
-          <p:cNvSpPr txBox="1"/>
-          <p:nvPr/>
-        </p:nvSpPr>
-        <p:spPr>
-          <a:xfrm rot="16200000">
-            <a:off x="3452969" y="996949"/>
-            <a:ext cx="1537600" cy="253916"/>
-          </a:xfrm>
-          <a:prstGeom prst="rect">
-            <a:avLst/>
-          </a:prstGeom>
-          <a:noFill/>
-        </p:spPr>
-        <p:txBody>
-          <a:bodyPr wrap="none" rtlCol="0">
-            <a:spAutoFit/>
-          </a:bodyPr>
-          <a:lstStyle/>
-          <a:p>
-            <a:r>
-              <a:rPr lang="pt-BR" sz="1050" dirty="0">
-                <a:latin typeface="Arial" panose="020B0604020202020204" pitchFamily="34" charset="0"/>
-                <a:cs typeface="Arial" panose="020B0604020202020204" pitchFamily="34" charset="0"/>
-              </a:rPr>
-              <a:t>- Hazard: Scenario 1 +</a:t>
-            </a:r>
-            <a:endParaRPr lang="en-NZ" sz="1050" dirty="0">
-              <a:latin typeface="Arial" panose="020B0604020202020204" pitchFamily="34" charset="0"/>
-              <a:cs typeface="Arial" panose="020B0604020202020204" pitchFamily="34" charset="0"/>
-            </a:endParaRPr>
-          </a:p>
-        </p:txBody>
-      </p:sp>
-      <p:sp>
-        <p:nvSpPr>
-          <p:cNvPr id="10" name="TextBox 9">
-            <a:extLst>
-              <a:ext uri="{FF2B5EF4-FFF2-40B4-BE49-F238E27FC236}">
-                <a16:creationId xmlns:a16="http://schemas.microsoft.com/office/drawing/2014/main" id="{79CC58E3-7219-BBCF-C521-7B003B9B4261}"/>
-              </a:ext>
-            </a:extLst>
-          </p:cNvPr>
-          <p:cNvSpPr txBox="1"/>
-          <p:nvPr/>
-        </p:nvSpPr>
-        <p:spPr>
-          <a:xfrm>
-            <a:off x="4221769" y="1742584"/>
-            <a:ext cx="1874231" cy="253916"/>
-          </a:xfrm>
-          <a:prstGeom prst="rect">
-            <a:avLst/>
-          </a:prstGeom>
-          <a:noFill/>
-        </p:spPr>
-        <p:txBody>
-          <a:bodyPr wrap="none" rtlCol="0">
-            <a:spAutoFit/>
-          </a:bodyPr>
-          <a:lstStyle/>
-          <a:p>
-            <a:r>
-              <a:rPr lang="pt-BR" sz="1050" dirty="0">
-                <a:latin typeface="Arial" panose="020B0604020202020204" pitchFamily="34" charset="0"/>
-                <a:cs typeface="Arial" panose="020B0604020202020204" pitchFamily="34" charset="0"/>
-              </a:rPr>
-              <a:t>- Time to reach healthcare +</a:t>
-            </a:r>
-            <a:endParaRPr lang="en-NZ" sz="1050" dirty="0">
-              <a:latin typeface="Arial" panose="020B0604020202020204" pitchFamily="34" charset="0"/>
-              <a:cs typeface="Arial" panose="020B0604020202020204" pitchFamily="34" charset="0"/>
-            </a:endParaRPr>
-          </a:p>
-        </p:txBody>
-      </p:sp>
-      <p:pic>
-        <p:nvPicPr>
-          <p:cNvPr id="11" name="Picture 10">
-            <a:extLst>
-              <a:ext uri="{FF2B5EF4-FFF2-40B4-BE49-F238E27FC236}">
-                <a16:creationId xmlns:a16="http://schemas.microsoft.com/office/drawing/2014/main" id="{53E5BF57-CECC-60FC-38F2-9192D876CF82}"/>
-              </a:ext>
-            </a:extLst>
-          </p:cNvPr>
-          <p:cNvPicPr>
-            <a:picLocks noChangeAspect="1"/>
-          </p:cNvPicPr>
-          <p:nvPr/>
-        </p:nvPicPr>
-        <p:blipFill rotWithShape="1">
-          <a:blip r:embed="rId4"/>
-          <a:srcRect l="49020" t="49388" r="30533"/>
-          <a:stretch/>
-        </p:blipFill>
-        <p:spPr>
-          <a:xfrm>
-            <a:off x="6326726" y="365125"/>
-            <a:ext cx="5760000" cy="7580157"/>
-          </a:xfrm>
-          <a:prstGeom prst="rect">
-            <a:avLst/>
-          </a:prstGeom>
-        </p:spPr>
-      </p:pic>
-      <p:sp>
-        <p:nvSpPr>
-          <p:cNvPr id="12" name="TextBox 11">
-            <a:extLst>
-              <a:ext uri="{FF2B5EF4-FFF2-40B4-BE49-F238E27FC236}">
-                <a16:creationId xmlns:a16="http://schemas.microsoft.com/office/drawing/2014/main" id="{72252596-3821-86C8-06DC-891CCA8D13C8}"/>
-              </a:ext>
-            </a:extLst>
-          </p:cNvPr>
-          <p:cNvSpPr txBox="1"/>
-          <p:nvPr/>
-        </p:nvSpPr>
-        <p:spPr>
-          <a:xfrm rot="16200000">
-            <a:off x="9204540" y="872556"/>
-            <a:ext cx="1537600" cy="253916"/>
-          </a:xfrm>
-          <a:prstGeom prst="rect">
-            <a:avLst/>
-          </a:prstGeom>
-          <a:noFill/>
-        </p:spPr>
-        <p:txBody>
-          <a:bodyPr wrap="none" rtlCol="0">
-            <a:spAutoFit/>
-          </a:bodyPr>
-          <a:lstStyle/>
-          <a:p>
-            <a:r>
-              <a:rPr lang="pt-BR" sz="1050" dirty="0">
-                <a:latin typeface="Arial" panose="020B0604020202020204" pitchFamily="34" charset="0"/>
-                <a:cs typeface="Arial" panose="020B0604020202020204" pitchFamily="34" charset="0"/>
-              </a:rPr>
-              <a:t>- Hazard: Scenario 2 +</a:t>
-            </a:r>
-            <a:endParaRPr lang="en-NZ" sz="1050" dirty="0">
-              <a:latin typeface="Arial" panose="020B0604020202020204" pitchFamily="34" charset="0"/>
-              <a:cs typeface="Arial" panose="020B0604020202020204" pitchFamily="34" charset="0"/>
-            </a:endParaRPr>
-          </a:p>
-        </p:txBody>
-      </p:sp>
-      <p:sp>
-        <p:nvSpPr>
-          <p:cNvPr id="13" name="TextBox 12">
-            <a:extLst>
-              <a:ext uri="{FF2B5EF4-FFF2-40B4-BE49-F238E27FC236}">
-                <a16:creationId xmlns:a16="http://schemas.microsoft.com/office/drawing/2014/main" id="{1779D251-E33B-EDF2-A6DC-F4C82AC9A7BC}"/>
-              </a:ext>
-            </a:extLst>
-          </p:cNvPr>
-          <p:cNvSpPr txBox="1"/>
-          <p:nvPr/>
-        </p:nvSpPr>
-        <p:spPr>
-          <a:xfrm>
-            <a:off x="9973340" y="1618191"/>
-            <a:ext cx="1874231" cy="253916"/>
-          </a:xfrm>
-          <a:prstGeom prst="rect">
-            <a:avLst/>
-          </a:prstGeom>
-          <a:noFill/>
-        </p:spPr>
-        <p:txBody>
-          <a:bodyPr wrap="none" rtlCol="0">
-            <a:spAutoFit/>
-          </a:bodyPr>
-          <a:lstStyle/>
-          <a:p>
-            <a:r>
-              <a:rPr lang="pt-BR" sz="1050" dirty="0">
-                <a:latin typeface="Arial" panose="020B0604020202020204" pitchFamily="34" charset="0"/>
-                <a:cs typeface="Arial" panose="020B0604020202020204" pitchFamily="34" charset="0"/>
-              </a:rPr>
-              <a:t>- Time to reach healthcare +</a:t>
-            </a:r>
-            <a:endParaRPr lang="en-NZ" sz="1050" dirty="0">
-              <a:latin typeface="Arial" panose="020B0604020202020204" pitchFamily="34" charset="0"/>
-              <a:cs typeface="Arial" panose="020B0604020202020204" pitchFamily="34" charset="0"/>
-            </a:endParaRPr>
-          </a:p>
-        </p:txBody>
-      </p:sp>
-      <p:pic>
-        <p:nvPicPr>
-          <p:cNvPr id="14" name="Picture 13">
-            <a:extLst>
-              <a:ext uri="{FF2B5EF4-FFF2-40B4-BE49-F238E27FC236}">
-                <a16:creationId xmlns:a16="http://schemas.microsoft.com/office/drawing/2014/main" id="{B80AF72E-68A1-6087-3318-53AEC88B6740}"/>
-              </a:ext>
-            </a:extLst>
-          </p:cNvPr>
-          <p:cNvPicPr>
-            <a:picLocks noChangeAspect="1"/>
-          </p:cNvPicPr>
-          <p:nvPr/>
-        </p:nvPicPr>
-        <p:blipFill rotWithShape="1">
-          <a:blip r:embed="rId3"/>
-          <a:srcRect l="5434" b="4825"/>
-          <a:stretch/>
-        </p:blipFill>
-        <p:spPr>
-          <a:xfrm>
-            <a:off x="10112594" y="374952"/>
-            <a:ext cx="1591370" cy="1247102"/>
-          </a:xfrm>
-          <a:prstGeom prst="rect">
-            <a:avLst/>
-          </a:prstGeom>
-        </p:spPr>
-      </p:pic>
-    </p:spTree>
-    <p:extLst>
-      <p:ext uri="{BB962C8B-B14F-4D97-AF65-F5344CB8AC3E}">
-        <p14:creationId xmlns:p14="http://schemas.microsoft.com/office/powerpoint/2010/main" val="4061473718"/>
-      </p:ext>
-    </p:extLst>
-  </p:cSld>
-  <p:clrMapOvr>
-    <a:masterClrMapping/>
-  </p:clrMapOvr>
-</p:sld>
-</file>
-
-<file path=ppt/slides/slide4.xml><?xml version="1.0" encoding="utf-8"?>
-<p:sld xmlns:a="http://schemas.openxmlformats.org/drawingml/2006/main" xmlns:r="http://schemas.openxmlformats.org/officeDocument/2006/relationships" xmlns:p="http://schemas.openxmlformats.org/presentationml/2006/main">
-  <p:cSld>
-    <p:spTree>
-      <p:nvGrpSpPr>
-        <p:cNvPr id="1" name=""/>
-        <p:cNvGrpSpPr/>
-        <p:nvPr/>
-      </p:nvGrpSpPr>
-      <p:grpSpPr>
-        <a:xfrm>
-          <a:off x="0" y="0"/>
-          <a:ext cx="0" cy="0"/>
-          <a:chOff x="0" y="0"/>
-          <a:chExt cx="0" cy="0"/>
-        </a:xfrm>
-      </p:grpSpPr>
-      <p:sp>
-        <p:nvSpPr>
-          <p:cNvPr id="2" name="Title 1">
-            <a:extLst>
-              <a:ext uri="{FF2B5EF4-FFF2-40B4-BE49-F238E27FC236}">
-                <a16:creationId xmlns:a16="http://schemas.microsoft.com/office/drawing/2014/main" id="{ED4DAD48-13D1-734F-29E2-CC087C734E18}"/>
-              </a:ext>
-            </a:extLst>
-          </p:cNvPr>
-          <p:cNvSpPr>
-            <a:spLocks noGrp="1"/>
-          </p:cNvSpPr>
-          <p:nvPr>
-            <p:ph type="title"/>
-          </p:nvPr>
-        </p:nvSpPr>
-        <p:spPr/>
-        <p:txBody>
-          <a:bodyPr/>
-          <a:lstStyle/>
-          <a:p>
-            <a:endParaRPr lang="en-NZ"/>
-          </a:p>
-        </p:txBody>
-      </p:sp>
-      <p:sp>
-        <p:nvSpPr>
-          <p:cNvPr id="3" name="Content Placeholder 2">
-            <a:extLst>
-              <a:ext uri="{FF2B5EF4-FFF2-40B4-BE49-F238E27FC236}">
-                <a16:creationId xmlns:a16="http://schemas.microsoft.com/office/drawing/2014/main" id="{903BB9D9-EEE1-25A9-ACA5-3CEE079B4C22}"/>
-              </a:ext>
-            </a:extLst>
-          </p:cNvPr>
-          <p:cNvSpPr>
-            <a:spLocks noGrp="1"/>
-          </p:cNvSpPr>
-          <p:nvPr>
-            <p:ph idx="1"/>
-          </p:nvPr>
-        </p:nvSpPr>
-        <p:spPr/>
-        <p:txBody>
-          <a:bodyPr/>
-          <a:lstStyle/>
-          <a:p>
-            <a:endParaRPr lang="en-NZ" dirty="0"/>
-          </a:p>
-        </p:txBody>
-      </p:sp>
-      <p:pic>
-        <p:nvPicPr>
-          <p:cNvPr id="5" name="Picture 4">
-            <a:extLst>
-              <a:ext uri="{FF2B5EF4-FFF2-40B4-BE49-F238E27FC236}">
-                <a16:creationId xmlns:a16="http://schemas.microsoft.com/office/drawing/2014/main" id="{F58BA3D7-4118-EB8E-158B-E4FF8EB141EE}"/>
-              </a:ext>
-            </a:extLst>
-          </p:cNvPr>
-          <p:cNvPicPr>
-            <a:picLocks noChangeAspect="1"/>
-          </p:cNvPicPr>
-          <p:nvPr/>
-        </p:nvPicPr>
-        <p:blipFill rotWithShape="1">
-          <a:blip r:embed="rId2"/>
-          <a:srcRect l="69848" t="38116" r="20891" b="27797"/>
-          <a:stretch/>
-        </p:blipFill>
-        <p:spPr>
-          <a:xfrm>
-            <a:off x="6013836" y="897049"/>
-            <a:ext cx="5339964" cy="5527989"/>
-          </a:xfrm>
-          <a:prstGeom prst="rect">
-            <a:avLst/>
-          </a:prstGeom>
-        </p:spPr>
-      </p:pic>
-      <p:pic>
-        <p:nvPicPr>
-          <p:cNvPr id="7" name="Picture 6">
-            <a:extLst>
-              <a:ext uri="{FF2B5EF4-FFF2-40B4-BE49-F238E27FC236}">
-                <a16:creationId xmlns:a16="http://schemas.microsoft.com/office/drawing/2014/main" id="{E53C0C11-F2A2-1995-7909-A70F4FE72C55}"/>
-              </a:ext>
-            </a:extLst>
-          </p:cNvPr>
-          <p:cNvPicPr>
-            <a:picLocks noChangeAspect="1"/>
-          </p:cNvPicPr>
-          <p:nvPr/>
-        </p:nvPicPr>
-        <p:blipFill rotWithShape="1">
-          <a:blip r:embed="rId3"/>
-          <a:srcRect l="69761" t="39049" r="20891" b="26632"/>
-          <a:stretch/>
-        </p:blipFill>
-        <p:spPr>
-          <a:xfrm>
-            <a:off x="673873" y="897049"/>
-            <a:ext cx="5339964" cy="5513827"/>
-          </a:xfrm>
-          <a:prstGeom prst="rect">
-            <a:avLst/>
-          </a:prstGeom>
-        </p:spPr>
-      </p:pic>
-      <p:pic>
-        <p:nvPicPr>
-          <p:cNvPr id="8" name="Picture 7">
-            <a:extLst>
-              <a:ext uri="{FF2B5EF4-FFF2-40B4-BE49-F238E27FC236}">
-                <a16:creationId xmlns:a16="http://schemas.microsoft.com/office/drawing/2014/main" id="{CB6D5D61-BEA8-DD97-23AC-AB158D654A98}"/>
-              </a:ext>
-            </a:extLst>
-          </p:cNvPr>
-          <p:cNvPicPr>
-            <a:picLocks noChangeAspect="1"/>
-          </p:cNvPicPr>
-          <p:nvPr/>
-        </p:nvPicPr>
-        <p:blipFill rotWithShape="1">
-          <a:blip r:embed="rId4"/>
-          <a:srcRect l="5434" b="4825"/>
-          <a:stretch/>
-        </p:blipFill>
-        <p:spPr>
-          <a:xfrm>
-            <a:off x="4337485" y="-677650"/>
-            <a:ext cx="1591370" cy="1247102"/>
-          </a:xfrm>
-          <a:prstGeom prst="rect">
-            <a:avLst/>
-          </a:prstGeom>
-        </p:spPr>
-      </p:pic>
-      <p:sp>
-        <p:nvSpPr>
-          <p:cNvPr id="9" name="TextBox 8">
-            <a:extLst>
-              <a:ext uri="{FF2B5EF4-FFF2-40B4-BE49-F238E27FC236}">
-                <a16:creationId xmlns:a16="http://schemas.microsoft.com/office/drawing/2014/main" id="{337945D8-6853-E939-F1F1-621515F19810}"/>
-              </a:ext>
-            </a:extLst>
-          </p:cNvPr>
-          <p:cNvSpPr txBox="1"/>
-          <p:nvPr/>
-        </p:nvSpPr>
-        <p:spPr>
-          <a:xfrm rot="16200000">
-            <a:off x="3405262" y="-124287"/>
-            <a:ext cx="1537600" cy="253916"/>
-          </a:xfrm>
-          <a:prstGeom prst="rect">
-            <a:avLst/>
-          </a:prstGeom>
-          <a:noFill/>
-        </p:spPr>
-        <p:txBody>
-          <a:bodyPr wrap="none" rtlCol="0">
-            <a:spAutoFit/>
-          </a:bodyPr>
-          <a:lstStyle/>
-          <a:p>
-            <a:r>
-              <a:rPr lang="pt-BR" sz="1050" dirty="0">
-                <a:latin typeface="Arial" panose="020B0604020202020204" pitchFamily="34" charset="0"/>
-                <a:cs typeface="Arial" panose="020B0604020202020204" pitchFamily="34" charset="0"/>
-              </a:rPr>
-              <a:t>- Hazard: Scenario 1 +</a:t>
-            </a:r>
-            <a:endParaRPr lang="en-NZ" sz="1050" dirty="0">
-              <a:latin typeface="Arial" panose="020B0604020202020204" pitchFamily="34" charset="0"/>
-              <a:cs typeface="Arial" panose="020B0604020202020204" pitchFamily="34" charset="0"/>
-            </a:endParaRPr>
-          </a:p>
-        </p:txBody>
-      </p:sp>
-      <p:sp>
-        <p:nvSpPr>
-          <p:cNvPr id="10" name="TextBox 9">
-            <a:extLst>
-              <a:ext uri="{FF2B5EF4-FFF2-40B4-BE49-F238E27FC236}">
-                <a16:creationId xmlns:a16="http://schemas.microsoft.com/office/drawing/2014/main" id="{4FD6AC77-71DE-A0B4-3E64-0F702A8FF00F}"/>
-              </a:ext>
-            </a:extLst>
-          </p:cNvPr>
-          <p:cNvSpPr txBox="1"/>
-          <p:nvPr/>
-        </p:nvSpPr>
-        <p:spPr>
-          <a:xfrm>
-            <a:off x="4174062" y="621348"/>
-            <a:ext cx="1874231" cy="253916"/>
-          </a:xfrm>
-          <a:prstGeom prst="rect">
-            <a:avLst/>
-          </a:prstGeom>
-          <a:noFill/>
-        </p:spPr>
-        <p:txBody>
-          <a:bodyPr wrap="none" rtlCol="0">
-            <a:spAutoFit/>
-          </a:bodyPr>
-          <a:lstStyle/>
-          <a:p>
-            <a:r>
-              <a:rPr lang="pt-BR" sz="1050" dirty="0">
-                <a:latin typeface="Arial" panose="020B0604020202020204" pitchFamily="34" charset="0"/>
-                <a:cs typeface="Arial" panose="020B0604020202020204" pitchFamily="34" charset="0"/>
-              </a:rPr>
-              <a:t>- Time to reach healthcare +</a:t>
-            </a:r>
-            <a:endParaRPr lang="en-NZ" sz="1050" dirty="0">
-              <a:latin typeface="Arial" panose="020B0604020202020204" pitchFamily="34" charset="0"/>
-              <a:cs typeface="Arial" panose="020B0604020202020204" pitchFamily="34" charset="0"/>
-            </a:endParaRPr>
-          </a:p>
-        </p:txBody>
-      </p:sp>
-      <p:sp>
-        <p:nvSpPr>
-          <p:cNvPr id="11" name="TextBox 10">
-            <a:extLst>
-              <a:ext uri="{FF2B5EF4-FFF2-40B4-BE49-F238E27FC236}">
-                <a16:creationId xmlns:a16="http://schemas.microsoft.com/office/drawing/2014/main" id="{5C080652-C219-0788-218E-E98D31E960F2}"/>
-              </a:ext>
-            </a:extLst>
-          </p:cNvPr>
-          <p:cNvSpPr txBox="1"/>
-          <p:nvPr/>
-        </p:nvSpPr>
-        <p:spPr>
-          <a:xfrm rot="16200000">
-            <a:off x="9156833" y="-248680"/>
-            <a:ext cx="1537600" cy="253916"/>
-          </a:xfrm>
-          <a:prstGeom prst="rect">
-            <a:avLst/>
-          </a:prstGeom>
-          <a:noFill/>
-        </p:spPr>
-        <p:txBody>
-          <a:bodyPr wrap="none" rtlCol="0">
-            <a:spAutoFit/>
-          </a:bodyPr>
-          <a:lstStyle/>
-          <a:p>
-            <a:r>
-              <a:rPr lang="pt-BR" sz="1050" dirty="0">
-                <a:latin typeface="Arial" panose="020B0604020202020204" pitchFamily="34" charset="0"/>
-                <a:cs typeface="Arial" panose="020B0604020202020204" pitchFamily="34" charset="0"/>
-              </a:rPr>
-              <a:t>- Hazard: Scenario 2 +</a:t>
-            </a:r>
-            <a:endParaRPr lang="en-NZ" sz="1050" dirty="0">
-              <a:latin typeface="Arial" panose="020B0604020202020204" pitchFamily="34" charset="0"/>
-              <a:cs typeface="Arial" panose="020B0604020202020204" pitchFamily="34" charset="0"/>
-            </a:endParaRPr>
-          </a:p>
-        </p:txBody>
-      </p:sp>
-      <p:sp>
-        <p:nvSpPr>
-          <p:cNvPr id="12" name="TextBox 11">
-            <a:extLst>
-              <a:ext uri="{FF2B5EF4-FFF2-40B4-BE49-F238E27FC236}">
-                <a16:creationId xmlns:a16="http://schemas.microsoft.com/office/drawing/2014/main" id="{BE3A5BA4-BF97-64A0-46BA-5B875D5788AD}"/>
-              </a:ext>
-            </a:extLst>
-          </p:cNvPr>
-          <p:cNvSpPr txBox="1"/>
-          <p:nvPr/>
-        </p:nvSpPr>
-        <p:spPr>
-          <a:xfrm>
-            <a:off x="9925633" y="496955"/>
-            <a:ext cx="1874231" cy="253916"/>
-          </a:xfrm>
-          <a:prstGeom prst="rect">
-            <a:avLst/>
-          </a:prstGeom>
-          <a:noFill/>
-        </p:spPr>
-        <p:txBody>
-          <a:bodyPr wrap="none" rtlCol="0">
-            <a:spAutoFit/>
-          </a:bodyPr>
-          <a:lstStyle/>
-          <a:p>
-            <a:r>
-              <a:rPr lang="pt-BR" sz="1050" dirty="0">
-                <a:latin typeface="Arial" panose="020B0604020202020204" pitchFamily="34" charset="0"/>
-                <a:cs typeface="Arial" panose="020B0604020202020204" pitchFamily="34" charset="0"/>
-              </a:rPr>
-              <a:t>- Time to reach healthcare +</a:t>
-            </a:r>
-            <a:endParaRPr lang="en-NZ" sz="1050" dirty="0">
-              <a:latin typeface="Arial" panose="020B0604020202020204" pitchFamily="34" charset="0"/>
-              <a:cs typeface="Arial" panose="020B0604020202020204" pitchFamily="34" charset="0"/>
-            </a:endParaRPr>
-          </a:p>
-        </p:txBody>
-      </p:sp>
-      <p:pic>
-        <p:nvPicPr>
-          <p:cNvPr id="13" name="Picture 12">
-            <a:extLst>
-              <a:ext uri="{FF2B5EF4-FFF2-40B4-BE49-F238E27FC236}">
-                <a16:creationId xmlns:a16="http://schemas.microsoft.com/office/drawing/2014/main" id="{221CF551-7870-D18F-B3A4-0D69CE429467}"/>
-              </a:ext>
-            </a:extLst>
-          </p:cNvPr>
-          <p:cNvPicPr>
-            <a:picLocks noChangeAspect="1"/>
-          </p:cNvPicPr>
-          <p:nvPr/>
-        </p:nvPicPr>
-        <p:blipFill rotWithShape="1">
-          <a:blip r:embed="rId4"/>
-          <a:srcRect l="5434" b="4825"/>
-          <a:stretch/>
-        </p:blipFill>
-        <p:spPr>
-          <a:xfrm>
-            <a:off x="10064887" y="-746284"/>
-            <a:ext cx="1591370" cy="1247102"/>
-          </a:xfrm>
-          <a:prstGeom prst="rect">
-            <a:avLst/>
-          </a:prstGeom>
-        </p:spPr>
-      </p:pic>
-    </p:spTree>
-    <p:extLst>
-      <p:ext uri="{BB962C8B-B14F-4D97-AF65-F5344CB8AC3E}">
-        <p14:creationId xmlns:p14="http://schemas.microsoft.com/office/powerpoint/2010/main" val="2763511205"/>
-      </p:ext>
-    </p:extLst>
-  </p:cSld>
-  <p:clrMapOvr>
-    <a:masterClrMapping/>
-  </p:clrMapOvr>
-</p:sld>
-</file>
-
-<file path=ppt/slides/slide5.xml><?xml version="1.0" encoding="utf-8"?>
-<p:sld xmlns:a="http://schemas.openxmlformats.org/drawingml/2006/main" xmlns:r="http://schemas.openxmlformats.org/officeDocument/2006/relationships" xmlns:p="http://schemas.openxmlformats.org/presentationml/2006/main">
-  <p:cSld>
-    <p:spTree>
-      <p:nvGrpSpPr>
-        <p:cNvPr id="1" name=""/>
-        <p:cNvGrpSpPr/>
-        <p:nvPr/>
-      </p:nvGrpSpPr>
-      <p:grpSpPr>
-        <a:xfrm>
-          <a:off x="0" y="0"/>
-          <a:ext cx="0" cy="0"/>
-          <a:chOff x="0" y="0"/>
-          <a:chExt cx="0" cy="0"/>
-        </a:xfrm>
-      </p:grpSpPr>
-      <p:sp>
-        <p:nvSpPr>
-          <p:cNvPr id="2" name="Title 1">
-            <a:extLst>
-              <a:ext uri="{FF2B5EF4-FFF2-40B4-BE49-F238E27FC236}">
-                <a16:creationId xmlns:a16="http://schemas.microsoft.com/office/drawing/2014/main" id="{54CAA44C-093D-57F5-824F-7CB31C578875}"/>
-              </a:ext>
-            </a:extLst>
-          </p:cNvPr>
-          <p:cNvSpPr>
-            <a:spLocks noGrp="1"/>
-          </p:cNvSpPr>
-          <p:nvPr>
-            <p:ph type="title"/>
-          </p:nvPr>
-        </p:nvSpPr>
-        <p:spPr/>
-        <p:txBody>
-          <a:bodyPr/>
-          <a:lstStyle/>
-          <a:p>
-            <a:endParaRPr lang="en-NZ"/>
-          </a:p>
-        </p:txBody>
-      </p:sp>
-      <p:sp>
-        <p:nvSpPr>
-          <p:cNvPr id="3" name="Content Placeholder 2">
-            <a:extLst>
-              <a:ext uri="{FF2B5EF4-FFF2-40B4-BE49-F238E27FC236}">
-                <a16:creationId xmlns:a16="http://schemas.microsoft.com/office/drawing/2014/main" id="{3222CD3F-8F0E-9391-58A8-496CFCE1F356}"/>
-              </a:ext>
-            </a:extLst>
-          </p:cNvPr>
-          <p:cNvSpPr>
-            <a:spLocks noGrp="1"/>
-          </p:cNvSpPr>
-          <p:nvPr>
-            <p:ph idx="1"/>
-          </p:nvPr>
-        </p:nvSpPr>
-        <p:spPr/>
-        <p:txBody>
-          <a:bodyPr/>
-          <a:lstStyle/>
-          <a:p>
-            <a:endParaRPr lang="en-NZ"/>
-          </a:p>
-        </p:txBody>
-      </p:sp>
-      <p:pic>
-        <p:nvPicPr>
-          <p:cNvPr id="4" name="Picture 3">
-            <a:extLst>
-              <a:ext uri="{FF2B5EF4-FFF2-40B4-BE49-F238E27FC236}">
-                <a16:creationId xmlns:a16="http://schemas.microsoft.com/office/drawing/2014/main" id="{8A358630-DD88-020B-861A-D2BDCA3531EF}"/>
-              </a:ext>
-            </a:extLst>
-          </p:cNvPr>
-          <p:cNvPicPr>
-            <a:picLocks noChangeAspect="1"/>
-          </p:cNvPicPr>
-          <p:nvPr/>
-        </p:nvPicPr>
-        <p:blipFill>
-          <a:blip r:embed="rId2"/>
-          <a:stretch>
-            <a:fillRect/>
-          </a:stretch>
-        </p:blipFill>
-        <p:spPr>
-          <a:xfrm>
-            <a:off x="0" y="188119"/>
-            <a:ext cx="12192000" cy="6481762"/>
-          </a:xfrm>
-          <a:prstGeom prst="rect">
-            <a:avLst/>
-          </a:prstGeom>
-        </p:spPr>
-      </p:pic>
-      <p:pic>
-        <p:nvPicPr>
-          <p:cNvPr id="5" name="Picture 4">
-            <a:extLst>
-              <a:ext uri="{FF2B5EF4-FFF2-40B4-BE49-F238E27FC236}">
-                <a16:creationId xmlns:a16="http://schemas.microsoft.com/office/drawing/2014/main" id="{CD60A5C0-C885-8BBC-40F2-018236232C55}"/>
-              </a:ext>
-            </a:extLst>
-          </p:cNvPr>
-          <p:cNvPicPr>
-            <a:picLocks noChangeAspect="1"/>
-          </p:cNvPicPr>
-          <p:nvPr/>
-        </p:nvPicPr>
-        <p:blipFill rotWithShape="1">
-          <a:blip r:embed="rId3"/>
-          <a:srcRect b="11344"/>
-          <a:stretch/>
-        </p:blipFill>
-        <p:spPr>
-          <a:xfrm>
-            <a:off x="10111826" y="2380616"/>
-            <a:ext cx="1870131" cy="1673224"/>
-          </a:xfrm>
-          <a:prstGeom prst="rect">
-            <a:avLst/>
-          </a:prstGeom>
-        </p:spPr>
-      </p:pic>
-      <p:sp>
-        <p:nvSpPr>
-          <p:cNvPr id="6" name="TextBox 5">
-            <a:extLst>
-              <a:ext uri="{FF2B5EF4-FFF2-40B4-BE49-F238E27FC236}">
-                <a16:creationId xmlns:a16="http://schemas.microsoft.com/office/drawing/2014/main" id="{86803CD7-727D-717F-FA11-59E23A773C17}"/>
-              </a:ext>
-            </a:extLst>
-          </p:cNvPr>
-          <p:cNvSpPr txBox="1"/>
-          <p:nvPr/>
-        </p:nvSpPr>
-        <p:spPr>
-          <a:xfrm>
-            <a:off x="11144448" y="2737104"/>
-            <a:ext cx="418704" cy="369332"/>
-          </a:xfrm>
-          <a:prstGeom prst="rect">
-            <a:avLst/>
-          </a:prstGeom>
-          <a:noFill/>
-        </p:spPr>
-        <p:txBody>
-          <a:bodyPr wrap="none" rtlCol="0">
-            <a:spAutoFit/>
-          </a:bodyPr>
-          <a:lstStyle/>
-          <a:p>
-            <a:r>
-              <a:rPr lang="pt-BR" dirty="0"/>
-              <a:t>12</a:t>
-            </a:r>
-            <a:endParaRPr lang="en-NZ" dirty="0"/>
-          </a:p>
-        </p:txBody>
-      </p:sp>
-      <p:sp>
-        <p:nvSpPr>
-          <p:cNvPr id="7" name="TextBox 6">
-            <a:extLst>
-              <a:ext uri="{FF2B5EF4-FFF2-40B4-BE49-F238E27FC236}">
-                <a16:creationId xmlns:a16="http://schemas.microsoft.com/office/drawing/2014/main" id="{0D9641BE-90CD-052C-00BD-F6A32D95CC08}"/>
-              </a:ext>
-            </a:extLst>
-          </p:cNvPr>
-          <p:cNvSpPr txBox="1"/>
-          <p:nvPr/>
-        </p:nvSpPr>
-        <p:spPr>
-          <a:xfrm>
-            <a:off x="11156640" y="3491255"/>
-            <a:ext cx="418704" cy="369332"/>
-          </a:xfrm>
-          <a:prstGeom prst="rect">
-            <a:avLst/>
-          </a:prstGeom>
-          <a:noFill/>
-        </p:spPr>
-        <p:txBody>
-          <a:bodyPr wrap="none" rtlCol="0">
-            <a:spAutoFit/>
-          </a:bodyPr>
-          <a:lstStyle/>
-          <a:p>
-            <a:r>
-              <a:rPr lang="pt-BR" dirty="0">
-                <a:solidFill>
-                  <a:schemeClr val="bg1"/>
-                </a:solidFill>
-              </a:rPr>
-              <a:t>10</a:t>
-            </a:r>
-            <a:endParaRPr lang="en-NZ" dirty="0">
-              <a:solidFill>
-                <a:schemeClr val="bg1"/>
-              </a:solidFill>
-            </a:endParaRPr>
-          </a:p>
-        </p:txBody>
-      </p:sp>
-      <p:sp>
-        <p:nvSpPr>
-          <p:cNvPr id="8" name="TextBox 7">
-            <a:extLst>
-              <a:ext uri="{FF2B5EF4-FFF2-40B4-BE49-F238E27FC236}">
-                <a16:creationId xmlns:a16="http://schemas.microsoft.com/office/drawing/2014/main" id="{5EC512EA-A58B-3DF5-A2D4-06E2DAD9A493}"/>
-              </a:ext>
-            </a:extLst>
-          </p:cNvPr>
-          <p:cNvSpPr txBox="1"/>
-          <p:nvPr/>
-        </p:nvSpPr>
-        <p:spPr>
-          <a:xfrm>
-            <a:off x="10318836" y="3497351"/>
-            <a:ext cx="301686" cy="369332"/>
-          </a:xfrm>
-          <a:prstGeom prst="rect">
-            <a:avLst/>
-          </a:prstGeom>
-          <a:noFill/>
-        </p:spPr>
-        <p:txBody>
-          <a:bodyPr wrap="none" rtlCol="0">
-            <a:spAutoFit/>
-          </a:bodyPr>
-          <a:lstStyle/>
-          <a:p>
-            <a:r>
-              <a:rPr lang="pt-BR" dirty="0"/>
-              <a:t>1</a:t>
-            </a:r>
-            <a:endParaRPr lang="en-NZ" dirty="0"/>
-          </a:p>
-        </p:txBody>
-      </p:sp>
-      <p:sp>
-        <p:nvSpPr>
-          <p:cNvPr id="9" name="TextBox 8">
-            <a:extLst>
-              <a:ext uri="{FF2B5EF4-FFF2-40B4-BE49-F238E27FC236}">
-                <a16:creationId xmlns:a16="http://schemas.microsoft.com/office/drawing/2014/main" id="{6C362359-2D2E-E225-CB1C-3EBBA05FCF79}"/>
-              </a:ext>
-            </a:extLst>
-          </p:cNvPr>
-          <p:cNvSpPr txBox="1"/>
-          <p:nvPr/>
-        </p:nvSpPr>
-        <p:spPr>
-          <a:xfrm>
-            <a:off x="10825101" y="3445535"/>
-            <a:ext cx="301686" cy="369332"/>
-          </a:xfrm>
-          <a:prstGeom prst="rect">
-            <a:avLst/>
-          </a:prstGeom>
-          <a:noFill/>
-        </p:spPr>
-        <p:txBody>
-          <a:bodyPr wrap="none" rtlCol="0">
-            <a:spAutoFit/>
-          </a:bodyPr>
-          <a:lstStyle/>
-          <a:p>
-            <a:r>
-              <a:rPr lang="pt-BR" dirty="0"/>
-              <a:t>7</a:t>
-            </a:r>
-            <a:endParaRPr lang="en-NZ" dirty="0"/>
-          </a:p>
-        </p:txBody>
-      </p:sp>
-      <p:sp>
-        <p:nvSpPr>
-          <p:cNvPr id="11" name="TextBox 10">
-            <a:extLst>
-              <a:ext uri="{FF2B5EF4-FFF2-40B4-BE49-F238E27FC236}">
-                <a16:creationId xmlns:a16="http://schemas.microsoft.com/office/drawing/2014/main" id="{64080385-730B-4E0E-4F5E-2ACE6A3213A2}"/>
-              </a:ext>
-            </a:extLst>
-          </p:cNvPr>
-          <p:cNvSpPr txBox="1"/>
-          <p:nvPr/>
-        </p:nvSpPr>
-        <p:spPr>
-          <a:xfrm>
-            <a:off x="10406199" y="3125528"/>
-            <a:ext cx="301686" cy="369332"/>
-          </a:xfrm>
-          <a:prstGeom prst="rect">
-            <a:avLst/>
-          </a:prstGeom>
-          <a:noFill/>
-        </p:spPr>
-        <p:txBody>
-          <a:bodyPr wrap="none" rtlCol="0">
-            <a:spAutoFit/>
-          </a:bodyPr>
-          <a:lstStyle/>
-          <a:p>
-            <a:r>
-              <a:rPr lang="pt-BR" dirty="0"/>
-              <a:t>2</a:t>
-            </a:r>
-            <a:endParaRPr lang="en-NZ" dirty="0"/>
-          </a:p>
-        </p:txBody>
-      </p:sp>
-      <p:sp>
-        <p:nvSpPr>
-          <p:cNvPr id="13" name="TextBox 12">
-            <a:extLst>
-              <a:ext uri="{FF2B5EF4-FFF2-40B4-BE49-F238E27FC236}">
-                <a16:creationId xmlns:a16="http://schemas.microsoft.com/office/drawing/2014/main" id="{01762264-494F-D524-19D2-B899DB082C07}"/>
-              </a:ext>
-            </a:extLst>
-          </p:cNvPr>
-          <p:cNvSpPr txBox="1"/>
-          <p:nvPr/>
-        </p:nvSpPr>
-        <p:spPr>
-          <a:xfrm>
-            <a:off x="10871120" y="2783055"/>
-            <a:ext cx="301686" cy="369332"/>
-          </a:xfrm>
-          <a:prstGeom prst="rect">
-            <a:avLst/>
-          </a:prstGeom>
-          <a:noFill/>
-        </p:spPr>
-        <p:txBody>
-          <a:bodyPr wrap="none" rtlCol="0">
-            <a:spAutoFit/>
-          </a:bodyPr>
-          <a:lstStyle/>
-          <a:p>
-            <a:r>
-              <a:rPr lang="pt-BR" dirty="0"/>
-              <a:t>9</a:t>
-            </a:r>
-            <a:endParaRPr lang="en-NZ" dirty="0"/>
-          </a:p>
-        </p:txBody>
-      </p:sp>
-      <p:sp>
-        <p:nvSpPr>
-          <p:cNvPr id="15" name="TextBox 14">
-            <a:extLst>
-              <a:ext uri="{FF2B5EF4-FFF2-40B4-BE49-F238E27FC236}">
-                <a16:creationId xmlns:a16="http://schemas.microsoft.com/office/drawing/2014/main" id="{CAC377D6-5507-F852-0888-4DD90AC3B0EC}"/>
-              </a:ext>
-            </a:extLst>
-          </p:cNvPr>
-          <p:cNvSpPr txBox="1"/>
-          <p:nvPr/>
-        </p:nvSpPr>
-        <p:spPr>
-          <a:xfrm>
-            <a:off x="10842762" y="3102658"/>
-            <a:ext cx="301686" cy="369332"/>
-          </a:xfrm>
-          <a:prstGeom prst="rect">
-            <a:avLst/>
-          </a:prstGeom>
-          <a:noFill/>
-        </p:spPr>
-        <p:txBody>
-          <a:bodyPr wrap="none" rtlCol="0">
-            <a:spAutoFit/>
-          </a:bodyPr>
-          <a:lstStyle/>
-          <a:p>
-            <a:r>
-              <a:rPr lang="pt-BR" dirty="0"/>
-              <a:t>8</a:t>
-            </a:r>
-            <a:endParaRPr lang="en-NZ" dirty="0"/>
-          </a:p>
-        </p:txBody>
-      </p:sp>
-      <p:sp>
-        <p:nvSpPr>
-          <p:cNvPr id="16" name="TextBox 15">
-            <a:extLst>
-              <a:ext uri="{FF2B5EF4-FFF2-40B4-BE49-F238E27FC236}">
-                <a16:creationId xmlns:a16="http://schemas.microsoft.com/office/drawing/2014/main" id="{5BED0E60-C581-AF3E-F875-2EC53727A81C}"/>
-              </a:ext>
-            </a:extLst>
-          </p:cNvPr>
-          <p:cNvSpPr txBox="1"/>
-          <p:nvPr/>
-        </p:nvSpPr>
-        <p:spPr>
-          <a:xfrm>
-            <a:off x="11156640" y="3085399"/>
-            <a:ext cx="418704" cy="369332"/>
-          </a:xfrm>
-          <a:prstGeom prst="rect">
-            <a:avLst/>
-          </a:prstGeom>
-          <a:noFill/>
-        </p:spPr>
-        <p:txBody>
-          <a:bodyPr wrap="none" rtlCol="0">
-            <a:spAutoFit/>
-          </a:bodyPr>
-          <a:lstStyle/>
-          <a:p>
-            <a:r>
-              <a:rPr lang="pt-BR" dirty="0">
-                <a:solidFill>
-                  <a:schemeClr val="bg1"/>
-                </a:solidFill>
-              </a:rPr>
-              <a:t>11</a:t>
-            </a:r>
-            <a:endParaRPr lang="en-NZ" dirty="0">
-              <a:solidFill>
-                <a:schemeClr val="bg1"/>
-              </a:solidFill>
-            </a:endParaRPr>
-          </a:p>
-        </p:txBody>
-      </p:sp>
-      <p:sp>
-        <p:nvSpPr>
-          <p:cNvPr id="17" name="TextBox 16">
-            <a:extLst>
-              <a:ext uri="{FF2B5EF4-FFF2-40B4-BE49-F238E27FC236}">
-                <a16:creationId xmlns:a16="http://schemas.microsoft.com/office/drawing/2014/main" id="{36C281AE-ED7B-6AC7-D6FC-CA1B72D34085}"/>
-              </a:ext>
-            </a:extLst>
-          </p:cNvPr>
-          <p:cNvSpPr txBox="1"/>
-          <p:nvPr/>
-        </p:nvSpPr>
-        <p:spPr>
-          <a:xfrm>
-            <a:off x="10376544" y="2754318"/>
-            <a:ext cx="301686" cy="369332"/>
-          </a:xfrm>
-          <a:prstGeom prst="rect">
-            <a:avLst/>
-          </a:prstGeom>
-          <a:noFill/>
-        </p:spPr>
-        <p:txBody>
-          <a:bodyPr wrap="none" rtlCol="0">
-            <a:spAutoFit/>
-          </a:bodyPr>
-          <a:lstStyle/>
-          <a:p>
-            <a:r>
-              <a:rPr lang="pt-BR" dirty="0">
-                <a:solidFill>
-                  <a:schemeClr val="bg1"/>
-                </a:solidFill>
-              </a:rPr>
-              <a:t>3</a:t>
-            </a:r>
-            <a:endParaRPr lang="en-NZ" dirty="0">
-              <a:solidFill>
-                <a:schemeClr val="bg1"/>
-              </a:solidFill>
-            </a:endParaRPr>
-          </a:p>
-        </p:txBody>
-      </p:sp>
-      <p:pic>
-        <p:nvPicPr>
-          <p:cNvPr id="20" name="Picture 19">
-            <a:extLst>
-              <a:ext uri="{FF2B5EF4-FFF2-40B4-BE49-F238E27FC236}">
-                <a16:creationId xmlns:a16="http://schemas.microsoft.com/office/drawing/2014/main" id="{2C064C2B-526A-5769-8647-66695AE54E39}"/>
-              </a:ext>
-            </a:extLst>
-          </p:cNvPr>
-          <p:cNvPicPr>
-            <a:picLocks noChangeAspect="1"/>
-          </p:cNvPicPr>
-          <p:nvPr/>
-        </p:nvPicPr>
-        <p:blipFill>
-          <a:blip r:embed="rId4"/>
-          <a:stretch>
-            <a:fillRect/>
-          </a:stretch>
-        </p:blipFill>
-        <p:spPr>
-          <a:xfrm>
-            <a:off x="1071666" y="159747"/>
-            <a:ext cx="8383230" cy="1231730"/>
-          </a:xfrm>
-          <a:prstGeom prst="rect">
-            <a:avLst/>
-          </a:prstGeom>
-        </p:spPr>
-      </p:pic>
-    </p:spTree>
-    <p:extLst>
-      <p:ext uri="{BB962C8B-B14F-4D97-AF65-F5344CB8AC3E}">
-        <p14:creationId xmlns:p14="http://schemas.microsoft.com/office/powerpoint/2010/main" val="148171327"/>
-      </p:ext>
-    </p:extLst>
-  </p:cSld>
-  <p:clrMapOvr>
-    <a:masterClrMapping/>
-  </p:clrMapOvr>
-</p:sld>
-</file>
-
-<file path=ppt/slides/slide6.xml><?xml version="1.0" encoding="utf-8"?>
-<p:sld xmlns:a="http://schemas.openxmlformats.org/drawingml/2006/main" xmlns:r="http://schemas.openxmlformats.org/officeDocument/2006/relationships" xmlns:p="http://schemas.openxmlformats.org/presentationml/2006/main">
-  <p:cSld>
-    <p:spTree>
-      <p:nvGrpSpPr>
-        <p:cNvPr id="1" name=""/>
-        <p:cNvGrpSpPr/>
-        <p:nvPr/>
-      </p:nvGrpSpPr>
-      <p:grpSpPr>
-        <a:xfrm>
-          <a:off x="0" y="0"/>
-          <a:ext cx="0" cy="0"/>
-          <a:chOff x="0" y="0"/>
-          <a:chExt cx="0" cy="0"/>
-        </a:xfrm>
-      </p:grpSpPr>
-      <p:sp>
-        <p:nvSpPr>
-          <p:cNvPr id="2" name="Title 1">
-            <a:extLst>
-              <a:ext uri="{FF2B5EF4-FFF2-40B4-BE49-F238E27FC236}">
-                <a16:creationId xmlns:a16="http://schemas.microsoft.com/office/drawing/2014/main" id="{5B59E8B8-8DFB-C538-3E4A-38474F67555E}"/>
-              </a:ext>
-            </a:extLst>
-          </p:cNvPr>
-          <p:cNvSpPr>
-            <a:spLocks noGrp="1"/>
-          </p:cNvSpPr>
-          <p:nvPr>
-            <p:ph type="title"/>
-          </p:nvPr>
-        </p:nvSpPr>
-        <p:spPr/>
-        <p:txBody>
-          <a:bodyPr/>
-          <a:lstStyle/>
-          <a:p>
-            <a:endParaRPr lang="en-NZ"/>
-          </a:p>
-        </p:txBody>
-      </p:sp>
-      <p:pic>
-        <p:nvPicPr>
-          <p:cNvPr id="4" name="Picture 3">
-            <a:extLst>
-              <a:ext uri="{FF2B5EF4-FFF2-40B4-BE49-F238E27FC236}">
-                <a16:creationId xmlns:a16="http://schemas.microsoft.com/office/drawing/2014/main" id="{2B9F438F-42D2-A284-25DC-41ABE4F4F085}"/>
-              </a:ext>
-            </a:extLst>
-          </p:cNvPr>
-          <p:cNvPicPr>
-            <a:picLocks noChangeAspect="1"/>
-          </p:cNvPicPr>
-          <p:nvPr/>
-        </p:nvPicPr>
-        <p:blipFill>
-          <a:blip r:embed="rId2"/>
-          <a:stretch>
-            <a:fillRect/>
-          </a:stretch>
-        </p:blipFill>
-        <p:spPr>
-          <a:xfrm>
-            <a:off x="2444247" y="640208"/>
-            <a:ext cx="5730737" cy="5852667"/>
-          </a:xfrm>
-          <a:prstGeom prst="rect">
-            <a:avLst/>
-          </a:prstGeom>
-        </p:spPr>
-      </p:pic>
-      <p:sp>
-        <p:nvSpPr>
-          <p:cNvPr id="5" name="TextBox 4">
-            <a:extLst>
-              <a:ext uri="{FF2B5EF4-FFF2-40B4-BE49-F238E27FC236}">
-                <a16:creationId xmlns:a16="http://schemas.microsoft.com/office/drawing/2014/main" id="{354B6805-30D2-D7F9-8857-84A8FD05B178}"/>
-              </a:ext>
-            </a:extLst>
-          </p:cNvPr>
-          <p:cNvSpPr txBox="1"/>
-          <p:nvPr/>
-        </p:nvSpPr>
-        <p:spPr>
-          <a:xfrm>
-            <a:off x="7780318" y="2566957"/>
-            <a:ext cx="1418978" cy="523220"/>
-          </a:xfrm>
-          <a:prstGeom prst="rect">
-            <a:avLst/>
-          </a:prstGeom>
-          <a:noFill/>
-        </p:spPr>
-        <p:txBody>
-          <a:bodyPr wrap="none" rtlCol="0">
-            <a:spAutoFit/>
-          </a:bodyPr>
-          <a:lstStyle/>
-          <a:p>
-            <a:r>
-              <a:rPr lang="pt-BR" sz="1400" dirty="0">
-                <a:latin typeface="Arial" panose="020B0604020202020204" pitchFamily="34" charset="0"/>
-                <a:cs typeface="Arial" panose="020B0604020202020204" pitchFamily="34" charset="0"/>
-              </a:rPr>
-              <a:t>Hazard excess </a:t>
-            </a:r>
-          </a:p>
-          <a:p>
-            <a:r>
-              <a:rPr lang="pt-BR" sz="1400" dirty="0">
-                <a:latin typeface="Arial" panose="020B0604020202020204" pitchFamily="34" charset="0"/>
-                <a:cs typeface="Arial" panose="020B0604020202020204" pitchFamily="34" charset="0"/>
-              </a:rPr>
-              <a:t>in scenario 2</a:t>
-            </a:r>
-            <a:endParaRPr lang="en-NZ" sz="1400" dirty="0">
-              <a:latin typeface="Arial" panose="020B0604020202020204" pitchFamily="34" charset="0"/>
-              <a:cs typeface="Arial" panose="020B0604020202020204" pitchFamily="34" charset="0"/>
-            </a:endParaRPr>
-          </a:p>
-        </p:txBody>
-      </p:sp>
-      <p:sp>
-        <p:nvSpPr>
-          <p:cNvPr id="6" name="TextBox 5">
-            <a:extLst>
-              <a:ext uri="{FF2B5EF4-FFF2-40B4-BE49-F238E27FC236}">
-                <a16:creationId xmlns:a16="http://schemas.microsoft.com/office/drawing/2014/main" id="{7617852D-31A2-9E5A-0D00-01460D074FBE}"/>
-              </a:ext>
-            </a:extLst>
-          </p:cNvPr>
-          <p:cNvSpPr txBox="1"/>
-          <p:nvPr/>
-        </p:nvSpPr>
-        <p:spPr>
-          <a:xfrm>
-            <a:off x="7780318" y="4103149"/>
-            <a:ext cx="1418978" cy="523220"/>
-          </a:xfrm>
-          <a:prstGeom prst="rect">
-            <a:avLst/>
-          </a:prstGeom>
-          <a:noFill/>
-        </p:spPr>
-        <p:txBody>
-          <a:bodyPr wrap="none" rtlCol="0">
-            <a:spAutoFit/>
-          </a:bodyPr>
-          <a:lstStyle/>
-          <a:p>
-            <a:r>
-              <a:rPr lang="pt-BR" sz="1400" dirty="0">
-                <a:latin typeface="Arial" panose="020B0604020202020204" pitchFamily="34" charset="0"/>
-                <a:cs typeface="Arial" panose="020B0604020202020204" pitchFamily="34" charset="0"/>
-              </a:rPr>
-              <a:t>Hazard excess </a:t>
-            </a:r>
-          </a:p>
-          <a:p>
-            <a:r>
-              <a:rPr lang="pt-BR" sz="1400" dirty="0">
-                <a:latin typeface="Arial" panose="020B0604020202020204" pitchFamily="34" charset="0"/>
-                <a:cs typeface="Arial" panose="020B0604020202020204" pitchFamily="34" charset="0"/>
-              </a:rPr>
-              <a:t>in scenario 1</a:t>
-            </a:r>
-            <a:endParaRPr lang="en-NZ" sz="1400" dirty="0">
-              <a:latin typeface="Arial" panose="020B0604020202020204" pitchFamily="34" charset="0"/>
-              <a:cs typeface="Arial" panose="020B0604020202020204" pitchFamily="34" charset="0"/>
-            </a:endParaRPr>
-          </a:p>
-        </p:txBody>
-      </p:sp>
-    </p:spTree>
-    <p:extLst>
-      <p:ext uri="{BB962C8B-B14F-4D97-AF65-F5344CB8AC3E}">
-        <p14:creationId xmlns:p14="http://schemas.microsoft.com/office/powerpoint/2010/main" val="553303046"/>
       </p:ext>
     </p:extLst>
   </p:cSld>

--- a/results/bivariate/bivariate.pptx
+++ b/results/bivariate/bivariate.pptx
@@ -7,10 +7,11 @@
   <p:sldIdLst>
     <p:sldId id="265" r:id="rId2"/>
     <p:sldId id="268" r:id="rId3"/>
-    <p:sldId id="269" r:id="rId4"/>
-    <p:sldId id="271" r:id="rId5"/>
-    <p:sldId id="264" r:id="rId6"/>
-    <p:sldId id="262" r:id="rId7"/>
+    <p:sldId id="273" r:id="rId4"/>
+    <p:sldId id="269" r:id="rId5"/>
+    <p:sldId id="271" r:id="rId6"/>
+    <p:sldId id="264" r:id="rId7"/>
+    <p:sldId id="262" r:id="rId8"/>
   </p:sldIdLst>
   <p:sldSz cx="12192000" cy="6858000"/>
   <p:notesSz cx="6858000" cy="9144000"/>
@@ -266,7 +267,7 @@
           <a:p>
             <a:fld id="{59F2DA02-C017-43A8-B4B3-504ECAFB589F}" type="datetimeFigureOut">
               <a:rPr lang="en-NZ" smtClean="0"/>
-              <a:t>21/10/2022</a:t>
+              <a:t>22/10/2022</a:t>
             </a:fld>
             <a:endParaRPr lang="en-NZ"/>
           </a:p>
@@ -466,7 +467,7 @@
           <a:p>
             <a:fld id="{59F2DA02-C017-43A8-B4B3-504ECAFB589F}" type="datetimeFigureOut">
               <a:rPr lang="en-NZ" smtClean="0"/>
-              <a:t>21/10/2022</a:t>
+              <a:t>22/10/2022</a:t>
             </a:fld>
             <a:endParaRPr lang="en-NZ"/>
           </a:p>
@@ -676,7 +677,7 @@
           <a:p>
             <a:fld id="{59F2DA02-C017-43A8-B4B3-504ECAFB589F}" type="datetimeFigureOut">
               <a:rPr lang="en-NZ" smtClean="0"/>
-              <a:t>21/10/2022</a:t>
+              <a:t>22/10/2022</a:t>
             </a:fld>
             <a:endParaRPr lang="en-NZ"/>
           </a:p>
@@ -876,7 +877,7 @@
           <a:p>
             <a:fld id="{59F2DA02-C017-43A8-B4B3-504ECAFB589F}" type="datetimeFigureOut">
               <a:rPr lang="en-NZ" smtClean="0"/>
-              <a:t>21/10/2022</a:t>
+              <a:t>22/10/2022</a:t>
             </a:fld>
             <a:endParaRPr lang="en-NZ"/>
           </a:p>
@@ -1152,7 +1153,7 @@
           <a:p>
             <a:fld id="{59F2DA02-C017-43A8-B4B3-504ECAFB589F}" type="datetimeFigureOut">
               <a:rPr lang="en-NZ" smtClean="0"/>
-              <a:t>21/10/2022</a:t>
+              <a:t>22/10/2022</a:t>
             </a:fld>
             <a:endParaRPr lang="en-NZ"/>
           </a:p>
@@ -1420,7 +1421,7 @@
           <a:p>
             <a:fld id="{59F2DA02-C017-43A8-B4B3-504ECAFB589F}" type="datetimeFigureOut">
               <a:rPr lang="en-NZ" smtClean="0"/>
-              <a:t>21/10/2022</a:t>
+              <a:t>22/10/2022</a:t>
             </a:fld>
             <a:endParaRPr lang="en-NZ"/>
           </a:p>
@@ -1835,7 +1836,7 @@
           <a:p>
             <a:fld id="{59F2DA02-C017-43A8-B4B3-504ECAFB589F}" type="datetimeFigureOut">
               <a:rPr lang="en-NZ" smtClean="0"/>
-              <a:t>21/10/2022</a:t>
+              <a:t>22/10/2022</a:t>
             </a:fld>
             <a:endParaRPr lang="en-NZ"/>
           </a:p>
@@ -1977,7 +1978,7 @@
           <a:p>
             <a:fld id="{59F2DA02-C017-43A8-B4B3-504ECAFB589F}" type="datetimeFigureOut">
               <a:rPr lang="en-NZ" smtClean="0"/>
-              <a:t>21/10/2022</a:t>
+              <a:t>22/10/2022</a:t>
             </a:fld>
             <a:endParaRPr lang="en-NZ"/>
           </a:p>
@@ -2090,7 +2091,7 @@
           <a:p>
             <a:fld id="{59F2DA02-C017-43A8-B4B3-504ECAFB589F}" type="datetimeFigureOut">
               <a:rPr lang="en-NZ" smtClean="0"/>
-              <a:t>21/10/2022</a:t>
+              <a:t>22/10/2022</a:t>
             </a:fld>
             <a:endParaRPr lang="en-NZ"/>
           </a:p>
@@ -2403,7 +2404,7 @@
           <a:p>
             <a:fld id="{59F2DA02-C017-43A8-B4B3-504ECAFB589F}" type="datetimeFigureOut">
               <a:rPr lang="en-NZ" smtClean="0"/>
-              <a:t>21/10/2022</a:t>
+              <a:t>22/10/2022</a:t>
             </a:fld>
             <a:endParaRPr lang="en-NZ"/>
           </a:p>
@@ -2692,7 +2693,7 @@
           <a:p>
             <a:fld id="{59F2DA02-C017-43A8-B4B3-504ECAFB589F}" type="datetimeFigureOut">
               <a:rPr lang="en-NZ" smtClean="0"/>
-              <a:t>21/10/2022</a:t>
+              <a:t>22/10/2022</a:t>
             </a:fld>
             <a:endParaRPr lang="en-NZ"/>
           </a:p>
@@ -2935,7 +2936,7 @@
           <a:p>
             <a:fld id="{59F2DA02-C017-43A8-B4B3-504ECAFB589F}" type="datetimeFigureOut">
               <a:rPr lang="en-NZ" smtClean="0"/>
-              <a:t>21/10/2022</a:t>
+              <a:t>22/10/2022</a:t>
             </a:fld>
             <a:endParaRPr lang="en-NZ"/>
           </a:p>
@@ -3693,7 +3694,7 @@
         <p:spPr>
           <a:xfrm>
             <a:off x="558653" y="110176"/>
-            <a:ext cx="1393330" cy="369332"/>
+            <a:ext cx="2701573" cy="369332"/>
           </a:xfrm>
           <a:prstGeom prst="rect">
             <a:avLst/>
@@ -3708,7 +3709,7 @@
           <a:p>
             <a:r>
               <a:rPr lang="pt-BR" dirty="0"/>
-              <a:t>All mammals</a:t>
+              <a:t>All mammals (redundancy)</a:t>
             </a:r>
             <a:endParaRPr lang="en-NZ" dirty="0"/>
           </a:p>
@@ -3795,7 +3796,7 @@
         <p:spPr>
           <a:xfrm>
             <a:off x="5733228" y="-134112"/>
-            <a:ext cx="6275892" cy="6858000"/>
+            <a:ext cx="6355140" cy="6944598"/>
           </a:xfrm>
           <a:prstGeom prst="rect">
             <a:avLst/>
@@ -4106,6 +4107,42 @@
           </a:p>
         </p:txBody>
       </p:sp>
+      <p:sp>
+        <p:nvSpPr>
+          <p:cNvPr id="2" name="TextBox 1">
+            <a:extLst>
+              <a:ext uri="{FF2B5EF4-FFF2-40B4-BE49-F238E27FC236}">
+                <a16:creationId xmlns:a16="http://schemas.microsoft.com/office/drawing/2014/main" id="{C0D21141-DFF2-23EA-6D64-532FEF7EB01B}"/>
+              </a:ext>
+            </a:extLst>
+          </p:cNvPr>
+          <p:cNvSpPr txBox="1"/>
+          <p:nvPr/>
+        </p:nvSpPr>
+        <p:spPr>
+          <a:xfrm>
+            <a:off x="170688" y="79248"/>
+            <a:ext cx="5125570" cy="369332"/>
+          </a:xfrm>
+          <a:prstGeom prst="rect">
+            <a:avLst/>
+          </a:prstGeom>
+          <a:noFill/>
+        </p:spPr>
+        <p:txBody>
+          <a:bodyPr wrap="none" rtlCol="0">
+            <a:spAutoFit/>
+          </a:bodyPr>
+          <a:lstStyle/>
+          <a:p>
+            <a:r>
+              <a:rPr lang="pt-BR" dirty="0"/>
+              <a:t>All mammals minus bat hosts (redundancy removed)</a:t>
+            </a:r>
+            <a:endParaRPr lang="en-NZ" dirty="0"/>
+          </a:p>
+        </p:txBody>
+      </p:sp>
     </p:spTree>
     <p:extLst>
       <p:ext uri="{BB962C8B-B14F-4D97-AF65-F5344CB8AC3E}">
@@ -4136,66 +4173,440 @@
           <a:chExt cx="0" cy="0"/>
         </a:xfrm>
       </p:grpSpPr>
-      <p:sp>
-        <p:nvSpPr>
-          <p:cNvPr id="2" name="Title 1">
-            <a:extLst>
-              <a:ext uri="{FF2B5EF4-FFF2-40B4-BE49-F238E27FC236}">
-                <a16:creationId xmlns:a16="http://schemas.microsoft.com/office/drawing/2014/main" id="{BBB69E6E-D6D9-F05A-F91F-83132A1DAF46}"/>
-              </a:ext>
-            </a:extLst>
-          </p:cNvPr>
-          <p:cNvSpPr>
-            <a:spLocks noGrp="1"/>
-          </p:cNvSpPr>
-          <p:nvPr>
-            <p:ph type="title"/>
-          </p:nvPr>
-        </p:nvSpPr>
-        <p:spPr/>
-        <p:txBody>
-          <a:bodyPr/>
-          <a:lstStyle/>
-          <a:p>
-            <a:r>
-              <a:rPr lang="pt-BR" dirty="0"/>
-              <a:t>Bovliv mammals minus bat</a:t>
-            </a:r>
-            <a:endParaRPr lang="en-NZ" dirty="0"/>
-          </a:p>
-        </p:txBody>
-      </p:sp>
-      <p:sp>
-        <p:nvSpPr>
-          <p:cNvPr id="3" name="Content Placeholder 2">
-            <a:extLst>
-              <a:ext uri="{FF2B5EF4-FFF2-40B4-BE49-F238E27FC236}">
-                <a16:creationId xmlns:a16="http://schemas.microsoft.com/office/drawing/2014/main" id="{3AF26841-84E1-7DA1-C6D8-A91681DB6D69}"/>
-              </a:ext>
-            </a:extLst>
-          </p:cNvPr>
-          <p:cNvSpPr>
-            <a:spLocks noGrp="1"/>
-          </p:cNvSpPr>
-          <p:nvPr>
-            <p:ph idx="1"/>
-          </p:nvPr>
-        </p:nvSpPr>
-        <p:spPr/>
-        <p:txBody>
-          <a:bodyPr/>
-          <a:lstStyle/>
-          <a:p>
-            <a:endParaRPr lang="en-NZ"/>
-          </a:p>
-        </p:txBody>
-      </p:sp>
       <p:pic>
         <p:nvPicPr>
-          <p:cNvPr id="4" name="Picture 3">
-            <a:extLst>
-              <a:ext uri="{FF2B5EF4-FFF2-40B4-BE49-F238E27FC236}">
-                <a16:creationId xmlns:a16="http://schemas.microsoft.com/office/drawing/2014/main" id="{0F0DDD87-6116-9FAB-F46D-E3B8D6997183}"/>
+          <p:cNvPr id="2" name="Picture 1">
+            <a:extLst>
+              <a:ext uri="{FF2B5EF4-FFF2-40B4-BE49-F238E27FC236}">
+                <a16:creationId xmlns:a16="http://schemas.microsoft.com/office/drawing/2014/main" id="{D5AC5D54-BD2B-5873-7DA2-C9DEBBD5A141}"/>
+              </a:ext>
+            </a:extLst>
+          </p:cNvPr>
+          <p:cNvPicPr>
+            <a:picLocks noChangeAspect="1"/>
+          </p:cNvPicPr>
+          <p:nvPr/>
+        </p:nvPicPr>
+        <p:blipFill rotWithShape="1">
+          <a:blip r:embed="rId2"/>
+          <a:srcRect l="9610"/>
+          <a:stretch/>
+        </p:blipFill>
+        <p:spPr>
+          <a:xfrm>
+            <a:off x="5809182" y="-80744"/>
+            <a:ext cx="6260898" cy="6911992"/>
+          </a:xfrm>
+          <a:prstGeom prst="rect">
+            <a:avLst/>
+          </a:prstGeom>
+        </p:spPr>
+      </p:pic>
+      <p:pic>
+        <p:nvPicPr>
+          <p:cNvPr id="5" name="Picture 4">
+            <a:extLst>
+              <a:ext uri="{FF2B5EF4-FFF2-40B4-BE49-F238E27FC236}">
+                <a16:creationId xmlns:a16="http://schemas.microsoft.com/office/drawing/2014/main" id="{5305C25F-9502-2996-DC42-7AD26191C7B9}"/>
+              </a:ext>
+            </a:extLst>
+          </p:cNvPr>
+          <p:cNvPicPr>
+            <a:picLocks noChangeAspect="1"/>
+          </p:cNvPicPr>
+          <p:nvPr/>
+        </p:nvPicPr>
+        <p:blipFill rotWithShape="1">
+          <a:blip r:embed="rId3"/>
+          <a:srcRect r="14477"/>
+          <a:stretch/>
+        </p:blipFill>
+        <p:spPr>
+          <a:xfrm>
+            <a:off x="-334714" y="-134112"/>
+            <a:ext cx="5877505" cy="6858000"/>
+          </a:xfrm>
+          <a:prstGeom prst="rect">
+            <a:avLst/>
+          </a:prstGeom>
+        </p:spPr>
+      </p:pic>
+      <p:grpSp>
+        <p:nvGrpSpPr>
+          <p:cNvPr id="15" name="Group 14">
+            <a:extLst>
+              <a:ext uri="{FF2B5EF4-FFF2-40B4-BE49-F238E27FC236}">
+                <a16:creationId xmlns:a16="http://schemas.microsoft.com/office/drawing/2014/main" id="{B2E9E56C-EED3-D11C-4798-67FF57682B65}"/>
+              </a:ext>
+            </a:extLst>
+          </p:cNvPr>
+          <p:cNvGrpSpPr/>
+          <p:nvPr/>
+        </p:nvGrpSpPr>
+        <p:grpSpPr>
+          <a:xfrm>
+            <a:off x="5606273" y="3995335"/>
+            <a:ext cx="2001186" cy="2533066"/>
+            <a:chOff x="5606273" y="3294295"/>
+            <a:chExt cx="2001186" cy="2533066"/>
+          </a:xfrm>
+        </p:grpSpPr>
+        <p:grpSp>
+          <p:nvGrpSpPr>
+            <p:cNvPr id="21" name="Group 20">
+              <a:extLst>
+                <a:ext uri="{FF2B5EF4-FFF2-40B4-BE49-F238E27FC236}">
+                  <a16:creationId xmlns:a16="http://schemas.microsoft.com/office/drawing/2014/main" id="{6892794E-6CA8-362B-3C4B-68DA3F822D2B}"/>
+                </a:ext>
+              </a:extLst>
+            </p:cNvPr>
+            <p:cNvGrpSpPr/>
+            <p:nvPr/>
+          </p:nvGrpSpPr>
+          <p:grpSpPr>
+            <a:xfrm>
+              <a:off x="5606273" y="3294295"/>
+              <a:ext cx="2001186" cy="2533066"/>
+              <a:chOff x="3627021" y="3309106"/>
+              <a:chExt cx="2001186" cy="2533066"/>
+            </a:xfrm>
+          </p:grpSpPr>
+          <p:sp>
+            <p:nvSpPr>
+              <p:cNvPr id="23" name="TextBox 22">
+                <a:extLst>
+                  <a:ext uri="{FF2B5EF4-FFF2-40B4-BE49-F238E27FC236}">
+                    <a16:creationId xmlns:a16="http://schemas.microsoft.com/office/drawing/2014/main" id="{BA5A4276-2536-AF3B-8C1C-33D41845E3AC}"/>
+                  </a:ext>
+                </a:extLst>
+              </p:cNvPr>
+              <p:cNvSpPr txBox="1"/>
+              <p:nvPr/>
+            </p:nvSpPr>
+            <p:spPr>
+              <a:xfrm rot="16200000">
+                <a:off x="2487446" y="4448681"/>
+                <a:ext cx="2533066" cy="253916"/>
+              </a:xfrm>
+              <a:prstGeom prst="rect">
+                <a:avLst/>
+              </a:prstGeom>
+              <a:noFill/>
+            </p:spPr>
+            <p:txBody>
+              <a:bodyPr wrap="none" rtlCol="0">
+                <a:spAutoFit/>
+              </a:bodyPr>
+              <a:lstStyle/>
+              <a:p>
+                <a:r>
+                  <a:rPr lang="pt-BR" sz="1050" dirty="0">
+                    <a:latin typeface="Arial" panose="020B0604020202020204" pitchFamily="34" charset="0"/>
+                    <a:cs typeface="Arial" panose="020B0604020202020204" pitchFamily="34" charset="0"/>
+                  </a:rPr>
+                  <a:t>- Hazard: Scenario 2 (mius bat hosts) +</a:t>
+                </a:r>
+                <a:endParaRPr lang="en-NZ" sz="1050" dirty="0">
+                  <a:latin typeface="Arial" panose="020B0604020202020204" pitchFamily="34" charset="0"/>
+                  <a:cs typeface="Arial" panose="020B0604020202020204" pitchFamily="34" charset="0"/>
+                </a:endParaRPr>
+              </a:p>
+            </p:txBody>
+          </p:sp>
+          <p:sp>
+            <p:nvSpPr>
+              <p:cNvPr id="24" name="TextBox 23">
+                <a:extLst>
+                  <a:ext uri="{FF2B5EF4-FFF2-40B4-BE49-F238E27FC236}">
+                    <a16:creationId xmlns:a16="http://schemas.microsoft.com/office/drawing/2014/main" id="{D76A0517-CC26-E210-C81B-6AE00E30A8E9}"/>
+                  </a:ext>
+                </a:extLst>
+              </p:cNvPr>
+              <p:cNvSpPr txBox="1"/>
+              <p:nvPr/>
+            </p:nvSpPr>
+            <p:spPr>
+              <a:xfrm>
+                <a:off x="3753976" y="5194316"/>
+                <a:ext cx="1874231" cy="253916"/>
+              </a:xfrm>
+              <a:prstGeom prst="rect">
+                <a:avLst/>
+              </a:prstGeom>
+              <a:noFill/>
+            </p:spPr>
+            <p:txBody>
+              <a:bodyPr wrap="none" rtlCol="0">
+                <a:spAutoFit/>
+              </a:bodyPr>
+              <a:lstStyle/>
+              <a:p>
+                <a:r>
+                  <a:rPr lang="pt-BR" sz="1050" dirty="0">
+                    <a:latin typeface="Arial" panose="020B0604020202020204" pitchFamily="34" charset="0"/>
+                    <a:cs typeface="Arial" panose="020B0604020202020204" pitchFamily="34" charset="0"/>
+                  </a:rPr>
+                  <a:t>- Time to reach healthcare +</a:t>
+                </a:r>
+                <a:endParaRPr lang="en-NZ" sz="1050" dirty="0">
+                  <a:latin typeface="Arial" panose="020B0604020202020204" pitchFamily="34" charset="0"/>
+                  <a:cs typeface="Arial" panose="020B0604020202020204" pitchFamily="34" charset="0"/>
+                </a:endParaRPr>
+              </a:p>
+            </p:txBody>
+          </p:sp>
+        </p:grpSp>
+        <p:pic>
+          <p:nvPicPr>
+            <p:cNvPr id="8" name="Picture 7">
+              <a:extLst>
+                <a:ext uri="{FF2B5EF4-FFF2-40B4-BE49-F238E27FC236}">
+                  <a16:creationId xmlns:a16="http://schemas.microsoft.com/office/drawing/2014/main" id="{19182808-6484-B62C-6E17-FB83AC04414A}"/>
+                </a:ext>
+              </a:extLst>
+            </p:cNvPr>
+            <p:cNvPicPr>
+              <a:picLocks noChangeAspect="1"/>
+            </p:cNvPicPr>
+            <p:nvPr/>
+          </p:nvPicPr>
+          <p:blipFill rotWithShape="1">
+            <a:blip r:embed="rId4"/>
+            <a:srcRect l="5434" b="4825"/>
+            <a:stretch/>
+          </p:blipFill>
+          <p:spPr>
+            <a:xfrm>
+              <a:off x="5872482" y="3936266"/>
+              <a:ext cx="1591370" cy="1247102"/>
+            </a:xfrm>
+            <a:prstGeom prst="rect">
+              <a:avLst/>
+            </a:prstGeom>
+          </p:spPr>
+        </p:pic>
+      </p:grpSp>
+      <p:pic>
+        <p:nvPicPr>
+          <p:cNvPr id="9" name="Picture 8">
+            <a:extLst>
+              <a:ext uri="{FF2B5EF4-FFF2-40B4-BE49-F238E27FC236}">
+                <a16:creationId xmlns:a16="http://schemas.microsoft.com/office/drawing/2014/main" id="{2F6C5851-394F-5462-A2A9-A4716FAF5AB0}"/>
+              </a:ext>
+            </a:extLst>
+          </p:cNvPr>
+          <p:cNvPicPr>
+            <a:picLocks noChangeAspect="1"/>
+          </p:cNvPicPr>
+          <p:nvPr/>
+        </p:nvPicPr>
+        <p:blipFill rotWithShape="1">
+          <a:blip r:embed="rId4"/>
+          <a:srcRect l="5434" b="4825"/>
+          <a:stretch/>
+        </p:blipFill>
+        <p:spPr>
+          <a:xfrm>
+            <a:off x="795694" y="4576399"/>
+            <a:ext cx="1591370" cy="1247102"/>
+          </a:xfrm>
+          <a:prstGeom prst="rect">
+            <a:avLst/>
+          </a:prstGeom>
+        </p:spPr>
+      </p:pic>
+      <p:sp>
+        <p:nvSpPr>
+          <p:cNvPr id="13" name="TextBox 12">
+            <a:extLst>
+              <a:ext uri="{FF2B5EF4-FFF2-40B4-BE49-F238E27FC236}">
+                <a16:creationId xmlns:a16="http://schemas.microsoft.com/office/drawing/2014/main" id="{6DE2C51C-B2F7-DC24-B241-034F0CACE432}"/>
+              </a:ext>
+            </a:extLst>
+          </p:cNvPr>
+          <p:cNvSpPr txBox="1"/>
+          <p:nvPr/>
+        </p:nvSpPr>
+        <p:spPr>
+          <a:xfrm rot="16200000">
+            <a:off x="-136529" y="5129762"/>
+            <a:ext cx="1537600" cy="253916"/>
+          </a:xfrm>
+          <a:prstGeom prst="rect">
+            <a:avLst/>
+          </a:prstGeom>
+          <a:noFill/>
+        </p:spPr>
+        <p:txBody>
+          <a:bodyPr wrap="none" rtlCol="0">
+            <a:spAutoFit/>
+          </a:bodyPr>
+          <a:lstStyle/>
+          <a:p>
+            <a:r>
+              <a:rPr lang="pt-BR" sz="1050" dirty="0">
+                <a:latin typeface="Arial" panose="020B0604020202020204" pitchFamily="34" charset="0"/>
+                <a:cs typeface="Arial" panose="020B0604020202020204" pitchFamily="34" charset="0"/>
+              </a:rPr>
+              <a:t>- Hazard: Scenario 1 +</a:t>
+            </a:r>
+            <a:endParaRPr lang="en-NZ" sz="1050" dirty="0">
+              <a:latin typeface="Arial" panose="020B0604020202020204" pitchFamily="34" charset="0"/>
+              <a:cs typeface="Arial" panose="020B0604020202020204" pitchFamily="34" charset="0"/>
+            </a:endParaRPr>
+          </a:p>
+        </p:txBody>
+      </p:sp>
+      <p:sp>
+        <p:nvSpPr>
+          <p:cNvPr id="14" name="TextBox 13">
+            <a:extLst>
+              <a:ext uri="{FF2B5EF4-FFF2-40B4-BE49-F238E27FC236}">
+                <a16:creationId xmlns:a16="http://schemas.microsoft.com/office/drawing/2014/main" id="{412E36AF-67A4-06CD-C04F-D13B07080A02}"/>
+              </a:ext>
+            </a:extLst>
+          </p:cNvPr>
+          <p:cNvSpPr txBox="1"/>
+          <p:nvPr/>
+        </p:nvSpPr>
+        <p:spPr>
+          <a:xfrm>
+            <a:off x="632271" y="5875397"/>
+            <a:ext cx="1874231" cy="253916"/>
+          </a:xfrm>
+          <a:prstGeom prst="rect">
+            <a:avLst/>
+          </a:prstGeom>
+          <a:noFill/>
+        </p:spPr>
+        <p:txBody>
+          <a:bodyPr wrap="none" rtlCol="0">
+            <a:spAutoFit/>
+          </a:bodyPr>
+          <a:lstStyle/>
+          <a:p>
+            <a:r>
+              <a:rPr lang="pt-BR" sz="1050" dirty="0">
+                <a:latin typeface="Arial" panose="020B0604020202020204" pitchFamily="34" charset="0"/>
+                <a:cs typeface="Arial" panose="020B0604020202020204" pitchFamily="34" charset="0"/>
+              </a:rPr>
+              <a:t>- Time to reach healthcare +</a:t>
+            </a:r>
+            <a:endParaRPr lang="en-NZ" sz="1050" dirty="0">
+              <a:latin typeface="Arial" panose="020B0604020202020204" pitchFamily="34" charset="0"/>
+              <a:cs typeface="Arial" panose="020B0604020202020204" pitchFamily="34" charset="0"/>
+            </a:endParaRPr>
+          </a:p>
+        </p:txBody>
+      </p:sp>
+      <p:sp>
+        <p:nvSpPr>
+          <p:cNvPr id="6" name="TextBox 5">
+            <a:extLst>
+              <a:ext uri="{FF2B5EF4-FFF2-40B4-BE49-F238E27FC236}">
+                <a16:creationId xmlns:a16="http://schemas.microsoft.com/office/drawing/2014/main" id="{27ABAB92-A199-8253-C1E8-3FA1ACE2D56B}"/>
+              </a:ext>
+            </a:extLst>
+          </p:cNvPr>
+          <p:cNvSpPr txBox="1"/>
+          <p:nvPr/>
+        </p:nvSpPr>
+        <p:spPr>
+          <a:xfrm>
+            <a:off x="288926" y="-451888"/>
+            <a:ext cx="2098138" cy="369332"/>
+          </a:xfrm>
+          <a:prstGeom prst="rect">
+            <a:avLst/>
+          </a:prstGeom>
+          <a:noFill/>
+        </p:spPr>
+        <p:txBody>
+          <a:bodyPr wrap="none" rtlCol="0">
+            <a:spAutoFit/>
+          </a:bodyPr>
+          <a:lstStyle/>
+          <a:p>
+            <a:r>
+              <a:rPr lang="pt-BR" dirty="0"/>
+              <a:t>Mammals minus bat</a:t>
+            </a:r>
+            <a:endParaRPr lang="en-NZ" dirty="0"/>
+          </a:p>
+        </p:txBody>
+      </p:sp>
+      <p:sp>
+        <p:nvSpPr>
+          <p:cNvPr id="3" name="TextBox 2">
+            <a:extLst>
+              <a:ext uri="{FF2B5EF4-FFF2-40B4-BE49-F238E27FC236}">
+                <a16:creationId xmlns:a16="http://schemas.microsoft.com/office/drawing/2014/main" id="{12A55844-533D-407A-DD70-091600A612F2}"/>
+              </a:ext>
+            </a:extLst>
+          </p:cNvPr>
+          <p:cNvSpPr txBox="1"/>
+          <p:nvPr/>
+        </p:nvSpPr>
+        <p:spPr>
+          <a:xfrm>
+            <a:off x="170688" y="79248"/>
+            <a:ext cx="7369518" cy="369332"/>
+          </a:xfrm>
+          <a:prstGeom prst="rect">
+            <a:avLst/>
+          </a:prstGeom>
+          <a:noFill/>
+        </p:spPr>
+        <p:txBody>
+          <a:bodyPr wrap="none" rtlCol="0">
+            <a:spAutoFit/>
+          </a:bodyPr>
+          <a:lstStyle/>
+          <a:p>
+            <a:r>
+              <a:rPr lang="pt-BR" dirty="0"/>
+              <a:t>All mammals minus bat hosts (redundancy removed) – scenario 2 not nested</a:t>
+            </a:r>
+            <a:endParaRPr lang="en-NZ" dirty="0"/>
+          </a:p>
+        </p:txBody>
+      </p:sp>
+    </p:spTree>
+    <p:extLst>
+      <p:ext uri="{BB962C8B-B14F-4D97-AF65-F5344CB8AC3E}">
+        <p14:creationId xmlns:p14="http://schemas.microsoft.com/office/powerpoint/2010/main" val="971413135"/>
+      </p:ext>
+    </p:extLst>
+  </p:cSld>
+  <p:clrMapOvr>
+    <a:masterClrMapping/>
+  </p:clrMapOvr>
+</p:sld>
+</file>
+
+<file path=ppt/slides/slide4.xml><?xml version="1.0" encoding="utf-8"?>
+<p:sld xmlns:a="http://schemas.openxmlformats.org/drawingml/2006/main" xmlns:r="http://schemas.openxmlformats.org/officeDocument/2006/relationships" xmlns:p="http://schemas.openxmlformats.org/presentationml/2006/main">
+  <p:cSld>
+    <p:spTree>
+      <p:nvGrpSpPr>
+        <p:cNvPr id="1" name=""/>
+        <p:cNvGrpSpPr/>
+        <p:nvPr/>
+      </p:nvGrpSpPr>
+      <p:grpSpPr>
+        <a:xfrm>
+          <a:off x="0" y="0"/>
+          <a:ext cx="0" cy="0"/>
+          <a:chOff x="0" y="0"/>
+          <a:chExt cx="0" cy="0"/>
+        </a:xfrm>
+      </p:grpSpPr>
+      <p:pic>
+        <p:nvPicPr>
+          <p:cNvPr id="5" name="Picture 4">
+            <a:extLst>
+              <a:ext uri="{FF2B5EF4-FFF2-40B4-BE49-F238E27FC236}">
+                <a16:creationId xmlns:a16="http://schemas.microsoft.com/office/drawing/2014/main" id="{4EE7D53B-BB4B-49B6-FCB0-0106C9CC306B}"/>
               </a:ext>
             </a:extLst>
           </p:cNvPr>
@@ -4212,14 +4623,140 @@
         </p:blipFill>
         <p:spPr>
           <a:xfrm>
-            <a:off x="6462146" y="1485106"/>
-            <a:ext cx="5042992" cy="5032375"/>
+            <a:off x="1196694" y="1118615"/>
+            <a:ext cx="4899306" cy="4888992"/>
           </a:xfrm>
           <a:prstGeom prst="rect">
             <a:avLst/>
           </a:prstGeom>
         </p:spPr>
       </p:pic>
+      <p:sp>
+        <p:nvSpPr>
+          <p:cNvPr id="2" name="Title 1">
+            <a:extLst>
+              <a:ext uri="{FF2B5EF4-FFF2-40B4-BE49-F238E27FC236}">
+                <a16:creationId xmlns:a16="http://schemas.microsoft.com/office/drawing/2014/main" id="{BBB69E6E-D6D9-F05A-F91F-83132A1DAF46}"/>
+              </a:ext>
+            </a:extLst>
+          </p:cNvPr>
+          <p:cNvSpPr>
+            <a:spLocks noGrp="1"/>
+          </p:cNvSpPr>
+          <p:nvPr>
+            <p:ph type="title"/>
+          </p:nvPr>
+        </p:nvSpPr>
+        <p:spPr/>
+        <p:txBody>
+          <a:bodyPr/>
+          <a:lstStyle/>
+          <a:p>
+            <a:r>
+              <a:rPr lang="pt-BR" dirty="0"/>
+              <a:t>Differences are small</a:t>
+            </a:r>
+            <a:endParaRPr lang="en-NZ" dirty="0"/>
+          </a:p>
+        </p:txBody>
+      </p:sp>
+      <p:sp>
+        <p:nvSpPr>
+          <p:cNvPr id="3" name="Content Placeholder 2">
+            <a:extLst>
+              <a:ext uri="{FF2B5EF4-FFF2-40B4-BE49-F238E27FC236}">
+                <a16:creationId xmlns:a16="http://schemas.microsoft.com/office/drawing/2014/main" id="{3AF26841-84E1-7DA1-C6D8-A91681DB6D69}"/>
+              </a:ext>
+            </a:extLst>
+          </p:cNvPr>
+          <p:cNvSpPr>
+            <a:spLocks noGrp="1"/>
+          </p:cNvSpPr>
+          <p:nvPr>
+            <p:ph idx="1"/>
+          </p:nvPr>
+        </p:nvSpPr>
+        <p:spPr/>
+        <p:txBody>
+          <a:bodyPr/>
+          <a:lstStyle/>
+          <a:p>
+            <a:endParaRPr lang="en-NZ"/>
+          </a:p>
+        </p:txBody>
+      </p:sp>
+      <p:pic>
+        <p:nvPicPr>
+          <p:cNvPr id="4" name="Picture 3">
+            <a:extLst>
+              <a:ext uri="{FF2B5EF4-FFF2-40B4-BE49-F238E27FC236}">
+                <a16:creationId xmlns:a16="http://schemas.microsoft.com/office/drawing/2014/main" id="{0F0DDD87-6116-9FAB-F46D-E3B8D6997183}"/>
+              </a:ext>
+            </a:extLst>
+          </p:cNvPr>
+          <p:cNvPicPr>
+            <a:picLocks noChangeAspect="1"/>
+          </p:cNvPicPr>
+          <p:nvPr/>
+        </p:nvPicPr>
+        <p:blipFill>
+          <a:blip r:embed="rId3"/>
+          <a:stretch>
+            <a:fillRect/>
+          </a:stretch>
+        </p:blipFill>
+        <p:spPr>
+          <a:xfrm>
+            <a:off x="6310808" y="912812"/>
+            <a:ext cx="5042992" cy="5032375"/>
+          </a:xfrm>
+          <a:prstGeom prst="rect">
+            <a:avLst/>
+          </a:prstGeom>
+        </p:spPr>
+      </p:pic>
+      <p:sp>
+        <p:nvSpPr>
+          <p:cNvPr id="6" name="TextBox 5">
+            <a:extLst>
+              <a:ext uri="{FF2B5EF4-FFF2-40B4-BE49-F238E27FC236}">
+                <a16:creationId xmlns:a16="http://schemas.microsoft.com/office/drawing/2014/main" id="{A1D0E393-32C9-DEBB-7D53-DE8D9E7514F5}"/>
+              </a:ext>
+            </a:extLst>
+          </p:cNvPr>
+          <p:cNvSpPr txBox="1"/>
+          <p:nvPr/>
+        </p:nvSpPr>
+        <p:spPr>
+          <a:xfrm>
+            <a:off x="8095488" y="5737910"/>
+            <a:ext cx="1964577" cy="646331"/>
+          </a:xfrm>
+          <a:prstGeom prst="rect">
+            <a:avLst/>
+          </a:prstGeom>
+          <a:noFill/>
+        </p:spPr>
+        <p:txBody>
+          <a:bodyPr wrap="none" rtlCol="0">
+            <a:spAutoFit/>
+          </a:bodyPr>
+          <a:lstStyle/>
+          <a:p>
+            <a:r>
+              <a:rPr lang="pt-BR" dirty="0"/>
+              <a:t>Risk 2 – just cattle</a:t>
+            </a:r>
+          </a:p>
+          <a:p>
+            <a:r>
+              <a:rPr lang="pt-BR" dirty="0"/>
+              <a:t>Risk 3 – all bovidae</a:t>
+            </a:r>
+            <a:endParaRPr lang="en-NZ" dirty="0"/>
+          </a:p>
+        </p:txBody>
+      </p:sp>
     </p:spTree>
     <p:extLst>
       <p:ext uri="{BB962C8B-B14F-4D97-AF65-F5344CB8AC3E}">
@@ -4233,7 +4770,7 @@
 </p:sld>
 </file>
 
-<file path=ppt/slides/slide4.xml><?xml version="1.0" encoding="utf-8"?>
+<file path=ppt/slides/slide5.xml><?xml version="1.0" encoding="utf-8"?>
 <p:sld xmlns:a="http://schemas.openxmlformats.org/drawingml/2006/main" xmlns:r="http://schemas.openxmlformats.org/officeDocument/2006/relationships" xmlns:p="http://schemas.openxmlformats.org/presentationml/2006/main">
   <p:cSld>
     <p:spTree>
@@ -4625,7 +5162,7 @@
 </p:sld>
 </file>
 
-<file path=ppt/slides/slide5.xml><?xml version="1.0" encoding="utf-8"?>
+<file path=ppt/slides/slide6.xml><?xml version="1.0" encoding="utf-8"?>
 <p:sld xmlns:a="http://schemas.openxmlformats.org/drawingml/2006/main" xmlns:r="http://schemas.openxmlformats.org/officeDocument/2006/relationships" xmlns:p="http://schemas.openxmlformats.org/presentationml/2006/main">
   <p:cSld>
     <p:spTree>
@@ -5142,7 +5679,7 @@
 </p:sld>
 </file>
 
-<file path=ppt/slides/slide6.xml><?xml version="1.0" encoding="utf-8"?>
+<file path=ppt/slides/slide7.xml><?xml version="1.0" encoding="utf-8"?>
 <p:sld xmlns:a="http://schemas.openxmlformats.org/drawingml/2006/main" xmlns:r="http://schemas.openxmlformats.org/officeDocument/2006/relationships" xmlns:p="http://schemas.openxmlformats.org/presentationml/2006/main">
   <p:cSld>
     <p:spTree>

--- a/results/bivariate/bivariate.pptx
+++ b/results/bivariate/bivariate.pptx
@@ -5,13 +5,14 @@
     <p:sldMasterId id="2147483648" r:id="rId1"/>
   </p:sldMasterIdLst>
   <p:sldIdLst>
-    <p:sldId id="265" r:id="rId2"/>
-    <p:sldId id="268" r:id="rId3"/>
-    <p:sldId id="273" r:id="rId4"/>
-    <p:sldId id="269" r:id="rId5"/>
-    <p:sldId id="271" r:id="rId6"/>
-    <p:sldId id="264" r:id="rId7"/>
-    <p:sldId id="262" r:id="rId8"/>
+    <p:sldId id="274" r:id="rId2"/>
+    <p:sldId id="265" r:id="rId3"/>
+    <p:sldId id="268" r:id="rId4"/>
+    <p:sldId id="273" r:id="rId5"/>
+    <p:sldId id="269" r:id="rId6"/>
+    <p:sldId id="271" r:id="rId7"/>
+    <p:sldId id="264" r:id="rId8"/>
+    <p:sldId id="262" r:id="rId9"/>
   </p:sldIdLst>
   <p:sldSz cx="12192000" cy="6858000"/>
   <p:notesSz cx="6858000" cy="9144000"/>
@@ -267,9 +268,9 @@
           <a:p>
             <a:fld id="{59F2DA02-C017-43A8-B4B3-504ECAFB589F}" type="datetimeFigureOut">
               <a:rPr lang="en-NZ" smtClean="0"/>
-              <a:t>22/10/2022</a:t>
+              <a:t>24/10/2022</a:t>
             </a:fld>
-            <a:endParaRPr lang="en-NZ"/>
+            <a:endParaRPr lang="en-NZ" dirty="0"/>
           </a:p>
         </p:txBody>
       </p:sp>
@@ -294,7 +295,7 @@
           <a:bodyPr/>
           <a:lstStyle/>
           <a:p>
-            <a:endParaRPr lang="en-NZ"/>
+            <a:endParaRPr lang="en-NZ" dirty="0"/>
           </a:p>
         </p:txBody>
       </p:sp>
@@ -323,7 +324,7 @@
               <a:rPr lang="en-NZ" smtClean="0"/>
               <a:t>‹#›</a:t>
             </a:fld>
-            <a:endParaRPr lang="en-NZ"/>
+            <a:endParaRPr lang="en-NZ" dirty="0"/>
           </a:p>
         </p:txBody>
       </p:sp>
@@ -467,9 +468,9 @@
           <a:p>
             <a:fld id="{59F2DA02-C017-43A8-B4B3-504ECAFB589F}" type="datetimeFigureOut">
               <a:rPr lang="en-NZ" smtClean="0"/>
-              <a:t>22/10/2022</a:t>
+              <a:t>24/10/2022</a:t>
             </a:fld>
-            <a:endParaRPr lang="en-NZ"/>
+            <a:endParaRPr lang="en-NZ" dirty="0"/>
           </a:p>
         </p:txBody>
       </p:sp>
@@ -494,7 +495,7 @@
           <a:bodyPr/>
           <a:lstStyle/>
           <a:p>
-            <a:endParaRPr lang="en-NZ"/>
+            <a:endParaRPr lang="en-NZ" dirty="0"/>
           </a:p>
         </p:txBody>
       </p:sp>
@@ -523,7 +524,7 @@
               <a:rPr lang="en-NZ" smtClean="0"/>
               <a:t>‹#›</a:t>
             </a:fld>
-            <a:endParaRPr lang="en-NZ"/>
+            <a:endParaRPr lang="en-NZ" dirty="0"/>
           </a:p>
         </p:txBody>
       </p:sp>
@@ -677,9 +678,9 @@
           <a:p>
             <a:fld id="{59F2DA02-C017-43A8-B4B3-504ECAFB589F}" type="datetimeFigureOut">
               <a:rPr lang="en-NZ" smtClean="0"/>
-              <a:t>22/10/2022</a:t>
+              <a:t>24/10/2022</a:t>
             </a:fld>
-            <a:endParaRPr lang="en-NZ"/>
+            <a:endParaRPr lang="en-NZ" dirty="0"/>
           </a:p>
         </p:txBody>
       </p:sp>
@@ -704,7 +705,7 @@
           <a:bodyPr/>
           <a:lstStyle/>
           <a:p>
-            <a:endParaRPr lang="en-NZ"/>
+            <a:endParaRPr lang="en-NZ" dirty="0"/>
           </a:p>
         </p:txBody>
       </p:sp>
@@ -733,7 +734,7 @@
               <a:rPr lang="en-NZ" smtClean="0"/>
               <a:t>‹#›</a:t>
             </a:fld>
-            <a:endParaRPr lang="en-NZ"/>
+            <a:endParaRPr lang="en-NZ" dirty="0"/>
           </a:p>
         </p:txBody>
       </p:sp>
@@ -877,9 +878,9 @@
           <a:p>
             <a:fld id="{59F2DA02-C017-43A8-B4B3-504ECAFB589F}" type="datetimeFigureOut">
               <a:rPr lang="en-NZ" smtClean="0"/>
-              <a:t>22/10/2022</a:t>
+              <a:t>24/10/2022</a:t>
             </a:fld>
-            <a:endParaRPr lang="en-NZ"/>
+            <a:endParaRPr lang="en-NZ" dirty="0"/>
           </a:p>
         </p:txBody>
       </p:sp>
@@ -904,7 +905,7 @@
           <a:bodyPr/>
           <a:lstStyle/>
           <a:p>
-            <a:endParaRPr lang="en-NZ"/>
+            <a:endParaRPr lang="en-NZ" dirty="0"/>
           </a:p>
         </p:txBody>
       </p:sp>
@@ -933,7 +934,7 @@
               <a:rPr lang="en-NZ" smtClean="0"/>
               <a:t>‹#›</a:t>
             </a:fld>
-            <a:endParaRPr lang="en-NZ"/>
+            <a:endParaRPr lang="en-NZ" dirty="0"/>
           </a:p>
         </p:txBody>
       </p:sp>
@@ -1153,9 +1154,9 @@
           <a:p>
             <a:fld id="{59F2DA02-C017-43A8-B4B3-504ECAFB589F}" type="datetimeFigureOut">
               <a:rPr lang="en-NZ" smtClean="0"/>
-              <a:t>22/10/2022</a:t>
+              <a:t>24/10/2022</a:t>
             </a:fld>
-            <a:endParaRPr lang="en-NZ"/>
+            <a:endParaRPr lang="en-NZ" dirty="0"/>
           </a:p>
         </p:txBody>
       </p:sp>
@@ -1180,7 +1181,7 @@
           <a:bodyPr/>
           <a:lstStyle/>
           <a:p>
-            <a:endParaRPr lang="en-NZ"/>
+            <a:endParaRPr lang="en-NZ" dirty="0"/>
           </a:p>
         </p:txBody>
       </p:sp>
@@ -1209,7 +1210,7 @@
               <a:rPr lang="en-NZ" smtClean="0"/>
               <a:t>‹#›</a:t>
             </a:fld>
-            <a:endParaRPr lang="en-NZ"/>
+            <a:endParaRPr lang="en-NZ" dirty="0"/>
           </a:p>
         </p:txBody>
       </p:sp>
@@ -1421,9 +1422,9 @@
           <a:p>
             <a:fld id="{59F2DA02-C017-43A8-B4B3-504ECAFB589F}" type="datetimeFigureOut">
               <a:rPr lang="en-NZ" smtClean="0"/>
-              <a:t>22/10/2022</a:t>
+              <a:t>24/10/2022</a:t>
             </a:fld>
-            <a:endParaRPr lang="en-NZ"/>
+            <a:endParaRPr lang="en-NZ" dirty="0"/>
           </a:p>
         </p:txBody>
       </p:sp>
@@ -1448,7 +1449,7 @@
           <a:bodyPr/>
           <a:lstStyle/>
           <a:p>
-            <a:endParaRPr lang="en-NZ"/>
+            <a:endParaRPr lang="en-NZ" dirty="0"/>
           </a:p>
         </p:txBody>
       </p:sp>
@@ -1477,7 +1478,7 @@
               <a:rPr lang="en-NZ" smtClean="0"/>
               <a:t>‹#›</a:t>
             </a:fld>
-            <a:endParaRPr lang="en-NZ"/>
+            <a:endParaRPr lang="en-NZ" dirty="0"/>
           </a:p>
         </p:txBody>
       </p:sp>
@@ -1836,9 +1837,9 @@
           <a:p>
             <a:fld id="{59F2DA02-C017-43A8-B4B3-504ECAFB589F}" type="datetimeFigureOut">
               <a:rPr lang="en-NZ" smtClean="0"/>
-              <a:t>22/10/2022</a:t>
+              <a:t>24/10/2022</a:t>
             </a:fld>
-            <a:endParaRPr lang="en-NZ"/>
+            <a:endParaRPr lang="en-NZ" dirty="0"/>
           </a:p>
         </p:txBody>
       </p:sp>
@@ -1863,7 +1864,7 @@
           <a:bodyPr/>
           <a:lstStyle/>
           <a:p>
-            <a:endParaRPr lang="en-NZ"/>
+            <a:endParaRPr lang="en-NZ" dirty="0"/>
           </a:p>
         </p:txBody>
       </p:sp>
@@ -1892,7 +1893,7 @@
               <a:rPr lang="en-NZ" smtClean="0"/>
               <a:t>‹#›</a:t>
             </a:fld>
-            <a:endParaRPr lang="en-NZ"/>
+            <a:endParaRPr lang="en-NZ" dirty="0"/>
           </a:p>
         </p:txBody>
       </p:sp>
@@ -1978,9 +1979,9 @@
           <a:p>
             <a:fld id="{59F2DA02-C017-43A8-B4B3-504ECAFB589F}" type="datetimeFigureOut">
               <a:rPr lang="en-NZ" smtClean="0"/>
-              <a:t>22/10/2022</a:t>
+              <a:t>24/10/2022</a:t>
             </a:fld>
-            <a:endParaRPr lang="en-NZ"/>
+            <a:endParaRPr lang="en-NZ" dirty="0"/>
           </a:p>
         </p:txBody>
       </p:sp>
@@ -2005,7 +2006,7 @@
           <a:bodyPr/>
           <a:lstStyle/>
           <a:p>
-            <a:endParaRPr lang="en-NZ"/>
+            <a:endParaRPr lang="en-NZ" dirty="0"/>
           </a:p>
         </p:txBody>
       </p:sp>
@@ -2034,7 +2035,7 @@
               <a:rPr lang="en-NZ" smtClean="0"/>
               <a:t>‹#›</a:t>
             </a:fld>
-            <a:endParaRPr lang="en-NZ"/>
+            <a:endParaRPr lang="en-NZ" dirty="0"/>
           </a:p>
         </p:txBody>
       </p:sp>
@@ -2091,9 +2092,9 @@
           <a:p>
             <a:fld id="{59F2DA02-C017-43A8-B4B3-504ECAFB589F}" type="datetimeFigureOut">
               <a:rPr lang="en-NZ" smtClean="0"/>
-              <a:t>22/10/2022</a:t>
+              <a:t>24/10/2022</a:t>
             </a:fld>
-            <a:endParaRPr lang="en-NZ"/>
+            <a:endParaRPr lang="en-NZ" dirty="0"/>
           </a:p>
         </p:txBody>
       </p:sp>
@@ -2118,7 +2119,7 @@
           <a:bodyPr/>
           <a:lstStyle/>
           <a:p>
-            <a:endParaRPr lang="en-NZ"/>
+            <a:endParaRPr lang="en-NZ" dirty="0"/>
           </a:p>
         </p:txBody>
       </p:sp>
@@ -2147,7 +2148,7 @@
               <a:rPr lang="en-NZ" smtClean="0"/>
               <a:t>‹#›</a:t>
             </a:fld>
-            <a:endParaRPr lang="en-NZ"/>
+            <a:endParaRPr lang="en-NZ" dirty="0"/>
           </a:p>
         </p:txBody>
       </p:sp>
@@ -2404,9 +2405,9 @@
           <a:p>
             <a:fld id="{59F2DA02-C017-43A8-B4B3-504ECAFB589F}" type="datetimeFigureOut">
               <a:rPr lang="en-NZ" smtClean="0"/>
-              <a:t>22/10/2022</a:t>
+              <a:t>24/10/2022</a:t>
             </a:fld>
-            <a:endParaRPr lang="en-NZ"/>
+            <a:endParaRPr lang="en-NZ" dirty="0"/>
           </a:p>
         </p:txBody>
       </p:sp>
@@ -2431,7 +2432,7 @@
           <a:bodyPr/>
           <a:lstStyle/>
           <a:p>
-            <a:endParaRPr lang="en-NZ"/>
+            <a:endParaRPr lang="en-NZ" dirty="0"/>
           </a:p>
         </p:txBody>
       </p:sp>
@@ -2460,7 +2461,7 @@
               <a:rPr lang="en-NZ" smtClean="0"/>
               <a:t>‹#›</a:t>
             </a:fld>
-            <a:endParaRPr lang="en-NZ"/>
+            <a:endParaRPr lang="en-NZ" dirty="0"/>
           </a:p>
         </p:txBody>
       </p:sp>
@@ -2595,7 +2596,7 @@
             </a:lvl9pPr>
           </a:lstStyle>
           <a:p>
-            <a:endParaRPr lang="en-NZ"/>
+            <a:endParaRPr lang="en-NZ" dirty="0"/>
           </a:p>
         </p:txBody>
       </p:sp>
@@ -2693,9 +2694,9 @@
           <a:p>
             <a:fld id="{59F2DA02-C017-43A8-B4B3-504ECAFB589F}" type="datetimeFigureOut">
               <a:rPr lang="en-NZ" smtClean="0"/>
-              <a:t>22/10/2022</a:t>
+              <a:t>24/10/2022</a:t>
             </a:fld>
-            <a:endParaRPr lang="en-NZ"/>
+            <a:endParaRPr lang="en-NZ" dirty="0"/>
           </a:p>
         </p:txBody>
       </p:sp>
@@ -2720,7 +2721,7 @@
           <a:bodyPr/>
           <a:lstStyle/>
           <a:p>
-            <a:endParaRPr lang="en-NZ"/>
+            <a:endParaRPr lang="en-NZ" dirty="0"/>
           </a:p>
         </p:txBody>
       </p:sp>
@@ -2749,7 +2750,7 @@
               <a:rPr lang="en-NZ" smtClean="0"/>
               <a:t>‹#›</a:t>
             </a:fld>
-            <a:endParaRPr lang="en-NZ"/>
+            <a:endParaRPr lang="en-NZ" dirty="0"/>
           </a:p>
         </p:txBody>
       </p:sp>
@@ -2936,9 +2937,9 @@
           <a:p>
             <a:fld id="{59F2DA02-C017-43A8-B4B3-504ECAFB589F}" type="datetimeFigureOut">
               <a:rPr lang="en-NZ" smtClean="0"/>
-              <a:t>22/10/2022</a:t>
+              <a:t>24/10/2022</a:t>
             </a:fld>
-            <a:endParaRPr lang="en-NZ"/>
+            <a:endParaRPr lang="en-NZ" dirty="0"/>
           </a:p>
         </p:txBody>
       </p:sp>
@@ -2981,7 +2982,7 @@
             </a:lvl1pPr>
           </a:lstStyle>
           <a:p>
-            <a:endParaRPr lang="en-NZ"/>
+            <a:endParaRPr lang="en-NZ" dirty="0"/>
           </a:p>
         </p:txBody>
       </p:sp>
@@ -3028,7 +3029,7 @@
               <a:rPr lang="en-NZ" smtClean="0"/>
               <a:t>‹#›</a:t>
             </a:fld>
-            <a:endParaRPr lang="en-NZ"/>
+            <a:endParaRPr lang="en-NZ" dirty="0"/>
           </a:p>
         </p:txBody>
       </p:sp>
@@ -3355,6 +3356,761 @@
       </p:grpSpPr>
       <p:pic>
         <p:nvPicPr>
+          <p:cNvPr id="4" name="Picture 3">
+            <a:extLst>
+              <a:ext uri="{FF2B5EF4-FFF2-40B4-BE49-F238E27FC236}">
+                <a16:creationId xmlns:a16="http://schemas.microsoft.com/office/drawing/2014/main" id="{03B84C59-030F-0613-C908-8222513B7DDC}"/>
+              </a:ext>
+            </a:extLst>
+          </p:cNvPr>
+          <p:cNvPicPr>
+            <a:picLocks noChangeAspect="1"/>
+          </p:cNvPicPr>
+          <p:nvPr/>
+        </p:nvPicPr>
+        <p:blipFill rotWithShape="1">
+          <a:blip r:embed="rId2">
+            <a:alphaModFix amt="34000"/>
+          </a:blip>
+          <a:srcRect l="5433" t="4067" r="9926" b="4825"/>
+          <a:stretch/>
+        </p:blipFill>
+        <p:spPr>
+          <a:xfrm>
+            <a:off x="2185582" y="684107"/>
+            <a:ext cx="6260765" cy="5247478"/>
+          </a:xfrm>
+          <a:prstGeom prst="rect">
+            <a:avLst/>
+          </a:prstGeom>
+          <a:effectLst>
+            <a:outerShdw blurRad="50800" dist="50800" dir="5400000" algn="ctr" rotWithShape="0">
+              <a:srgbClr val="000000">
+                <a:alpha val="48000"/>
+              </a:srgbClr>
+            </a:outerShdw>
+          </a:effectLst>
+        </p:spPr>
+      </p:pic>
+      <p:sp>
+        <p:nvSpPr>
+          <p:cNvPr id="5" name="TextBox 4">
+            <a:extLst>
+              <a:ext uri="{FF2B5EF4-FFF2-40B4-BE49-F238E27FC236}">
+                <a16:creationId xmlns:a16="http://schemas.microsoft.com/office/drawing/2014/main" id="{8A4C08F3-6C17-9CCF-0855-775BDFA7BFA7}"/>
+              </a:ext>
+            </a:extLst>
+          </p:cNvPr>
+          <p:cNvSpPr txBox="1"/>
+          <p:nvPr/>
+        </p:nvSpPr>
+        <p:spPr>
+          <a:xfrm rot="16200000">
+            <a:off x="279622" y="2787946"/>
+            <a:ext cx="3263369" cy="400110"/>
+          </a:xfrm>
+          <a:prstGeom prst="rect">
+            <a:avLst/>
+          </a:prstGeom>
+          <a:noFill/>
+        </p:spPr>
+        <p:txBody>
+          <a:bodyPr wrap="square" rtlCol="0">
+            <a:spAutoFit/>
+          </a:bodyPr>
+          <a:lstStyle/>
+          <a:p>
+            <a:r>
+              <a:rPr lang="pt-BR" sz="2000" dirty="0">
+                <a:latin typeface="Arial" panose="020B0604020202020204" pitchFamily="34" charset="0"/>
+                <a:cs typeface="Arial" panose="020B0604020202020204" pitchFamily="34" charset="0"/>
+              </a:rPr>
+              <a:t>- Hazard: Scenario 1 +</a:t>
+            </a:r>
+            <a:endParaRPr lang="en-NZ" sz="2000" dirty="0">
+              <a:latin typeface="Arial" panose="020B0604020202020204" pitchFamily="34" charset="0"/>
+              <a:cs typeface="Arial" panose="020B0604020202020204" pitchFamily="34" charset="0"/>
+            </a:endParaRPr>
+          </a:p>
+        </p:txBody>
+      </p:sp>
+      <p:sp>
+        <p:nvSpPr>
+          <p:cNvPr id="6" name="TextBox 5">
+            <a:extLst>
+              <a:ext uri="{FF2B5EF4-FFF2-40B4-BE49-F238E27FC236}">
+                <a16:creationId xmlns:a16="http://schemas.microsoft.com/office/drawing/2014/main" id="{03BBE782-EB87-2C6C-91F8-9DE29C66DA49}"/>
+              </a:ext>
+            </a:extLst>
+          </p:cNvPr>
+          <p:cNvSpPr txBox="1"/>
+          <p:nvPr/>
+        </p:nvSpPr>
+        <p:spPr>
+          <a:xfrm>
+            <a:off x="3909297" y="6020615"/>
+            <a:ext cx="4719805" cy="369332"/>
+          </a:xfrm>
+          <a:prstGeom prst="rect">
+            <a:avLst/>
+          </a:prstGeom>
+          <a:noFill/>
+        </p:spPr>
+        <p:txBody>
+          <a:bodyPr wrap="square" rtlCol="0">
+            <a:spAutoFit/>
+          </a:bodyPr>
+          <a:lstStyle/>
+          <a:p>
+            <a:r>
+              <a:rPr lang="pt-BR" dirty="0">
+                <a:latin typeface="Arial" panose="020B0604020202020204" pitchFamily="34" charset="0"/>
+                <a:cs typeface="Arial" panose="020B0604020202020204" pitchFamily="34" charset="0"/>
+              </a:rPr>
+              <a:t>- Time to reach healthcare +</a:t>
+            </a:r>
+            <a:endParaRPr lang="en-NZ" dirty="0">
+              <a:latin typeface="Arial" panose="020B0604020202020204" pitchFamily="34" charset="0"/>
+              <a:cs typeface="Arial" panose="020B0604020202020204" pitchFamily="34" charset="0"/>
+            </a:endParaRPr>
+          </a:p>
+        </p:txBody>
+      </p:sp>
+      <p:sp>
+        <p:nvSpPr>
+          <p:cNvPr id="7" name="TextBox 6">
+            <a:extLst>
+              <a:ext uri="{FF2B5EF4-FFF2-40B4-BE49-F238E27FC236}">
+                <a16:creationId xmlns:a16="http://schemas.microsoft.com/office/drawing/2014/main" id="{D0C07DFD-E03F-4A44-FDCA-6989673464D2}"/>
+              </a:ext>
+            </a:extLst>
+          </p:cNvPr>
+          <p:cNvSpPr txBox="1"/>
+          <p:nvPr/>
+        </p:nvSpPr>
+        <p:spPr>
+          <a:xfrm>
+            <a:off x="2762949" y="1154852"/>
+            <a:ext cx="1916852" cy="369332"/>
+          </a:xfrm>
+          <a:prstGeom prst="rect">
+            <a:avLst/>
+          </a:prstGeom>
+          <a:noFill/>
+        </p:spPr>
+        <p:txBody>
+          <a:bodyPr wrap="square" rtlCol="0">
+            <a:spAutoFit/>
+          </a:bodyPr>
+          <a:lstStyle/>
+          <a:p>
+            <a:r>
+              <a:rPr lang="pt-BR" dirty="0"/>
+              <a:t>Sink</a:t>
+            </a:r>
+            <a:endParaRPr lang="en-NZ" dirty="0"/>
+          </a:p>
+        </p:txBody>
+      </p:sp>
+      <p:sp>
+        <p:nvSpPr>
+          <p:cNvPr id="8" name="TextBox 7">
+            <a:extLst>
+              <a:ext uri="{FF2B5EF4-FFF2-40B4-BE49-F238E27FC236}">
+                <a16:creationId xmlns:a16="http://schemas.microsoft.com/office/drawing/2014/main" id="{0A81A80F-DD29-BFDA-2080-2880C67F3ED8}"/>
+              </a:ext>
+            </a:extLst>
+          </p:cNvPr>
+          <p:cNvSpPr txBox="1"/>
+          <p:nvPr/>
+        </p:nvSpPr>
+        <p:spPr>
+          <a:xfrm>
+            <a:off x="6245691" y="1154852"/>
+            <a:ext cx="1916852" cy="923330"/>
+          </a:xfrm>
+          <a:prstGeom prst="rect">
+            <a:avLst/>
+          </a:prstGeom>
+          <a:noFill/>
+        </p:spPr>
+        <p:txBody>
+          <a:bodyPr wrap="square" rtlCol="0">
+            <a:spAutoFit/>
+          </a:bodyPr>
+          <a:lstStyle/>
+          <a:p>
+            <a:r>
+              <a:rPr lang="pt-BR" dirty="0"/>
+              <a:t>Source</a:t>
+            </a:r>
+          </a:p>
+          <a:p>
+            <a:r>
+              <a:rPr lang="pt-BR" dirty="0"/>
+              <a:t>Spillover debt:</a:t>
+            </a:r>
+          </a:p>
+          <a:p>
+            <a:r>
+              <a:rPr lang="pt-BR" dirty="0"/>
+              <a:t>Urgent action</a:t>
+            </a:r>
+            <a:endParaRPr lang="en-NZ" dirty="0"/>
+          </a:p>
+        </p:txBody>
+      </p:sp>
+      <p:sp>
+        <p:nvSpPr>
+          <p:cNvPr id="11" name="TextBox 10">
+            <a:extLst>
+              <a:ext uri="{FF2B5EF4-FFF2-40B4-BE49-F238E27FC236}">
+                <a16:creationId xmlns:a16="http://schemas.microsoft.com/office/drawing/2014/main" id="{87C15971-B5EA-D268-8B25-0E1C9EC43975}"/>
+              </a:ext>
+            </a:extLst>
+          </p:cNvPr>
+          <p:cNvSpPr txBox="1"/>
+          <p:nvPr/>
+        </p:nvSpPr>
+        <p:spPr>
+          <a:xfrm>
+            <a:off x="4594703" y="4053387"/>
+            <a:ext cx="3291542" cy="923330"/>
+          </a:xfrm>
+          <a:prstGeom prst="rect">
+            <a:avLst/>
+          </a:prstGeom>
+          <a:noFill/>
+        </p:spPr>
+        <p:txBody>
+          <a:bodyPr wrap="square" rtlCol="0">
+            <a:spAutoFit/>
+          </a:bodyPr>
+          <a:lstStyle/>
+          <a:p>
+            <a:pPr algn="ctr"/>
+            <a:r>
+              <a:rPr lang="pt-BR" dirty="0"/>
+              <a:t>Conditionally safer zones: focus on other</a:t>
+            </a:r>
+          </a:p>
+          <a:p>
+            <a:pPr algn="ctr"/>
+            <a:r>
+              <a:rPr lang="pt-BR" dirty="0"/>
+              <a:t>risks</a:t>
+            </a:r>
+            <a:endParaRPr lang="en-NZ" dirty="0"/>
+          </a:p>
+        </p:txBody>
+      </p:sp>
+      <p:sp>
+        <p:nvSpPr>
+          <p:cNvPr id="13" name="TextBox 12">
+            <a:extLst>
+              <a:ext uri="{FF2B5EF4-FFF2-40B4-BE49-F238E27FC236}">
+                <a16:creationId xmlns:a16="http://schemas.microsoft.com/office/drawing/2014/main" id="{DA19029C-A4B5-F9B5-FF9F-1EC5CFD0403C}"/>
+              </a:ext>
+            </a:extLst>
+          </p:cNvPr>
+          <p:cNvSpPr txBox="1"/>
+          <p:nvPr/>
+        </p:nvSpPr>
+        <p:spPr>
+          <a:xfrm>
+            <a:off x="2758527" y="1475375"/>
+            <a:ext cx="1631801" cy="769441"/>
+          </a:xfrm>
+          <a:prstGeom prst="rect">
+            <a:avLst/>
+          </a:prstGeom>
+          <a:noFill/>
+        </p:spPr>
+        <p:txBody>
+          <a:bodyPr wrap="square">
+            <a:spAutoFit/>
+          </a:bodyPr>
+          <a:lstStyle/>
+          <a:p>
+            <a:r>
+              <a:rPr lang="en-NZ" sz="1100" dirty="0"/>
+              <a:t>Moderate priority for discovery,</a:t>
+            </a:r>
+          </a:p>
+          <a:p>
+            <a:r>
+              <a:rPr lang="en-NZ" sz="1100" dirty="0"/>
+              <a:t>prioritise understanding known hosts</a:t>
+            </a:r>
+          </a:p>
+        </p:txBody>
+      </p:sp>
+      <p:sp>
+        <p:nvSpPr>
+          <p:cNvPr id="15" name="TextBox 14">
+            <a:extLst>
+              <a:ext uri="{FF2B5EF4-FFF2-40B4-BE49-F238E27FC236}">
+                <a16:creationId xmlns:a16="http://schemas.microsoft.com/office/drawing/2014/main" id="{B90D080A-1568-F322-3760-B530791EE188}"/>
+              </a:ext>
+            </a:extLst>
+          </p:cNvPr>
+          <p:cNvSpPr txBox="1"/>
+          <p:nvPr/>
+        </p:nvSpPr>
+        <p:spPr>
+          <a:xfrm>
+            <a:off x="4662437" y="2410061"/>
+            <a:ext cx="3291541" cy="1384995"/>
+          </a:xfrm>
+          <a:prstGeom prst="rect">
+            <a:avLst/>
+          </a:prstGeom>
+          <a:noFill/>
+        </p:spPr>
+        <p:txBody>
+          <a:bodyPr wrap="square">
+            <a:spAutoFit/>
+          </a:bodyPr>
+          <a:lstStyle/>
+          <a:p>
+            <a:endParaRPr lang="pt-BR" sz="1400" dirty="0"/>
+          </a:p>
+          <a:p>
+            <a:r>
+              <a:rPr lang="pt-BR" sz="1400" dirty="0"/>
+              <a:t>Prioritize </a:t>
+            </a:r>
+          </a:p>
+          <a:p>
+            <a:r>
+              <a:rPr lang="pt-BR" sz="1400" dirty="0"/>
+              <a:t>OneHealth,</a:t>
+            </a:r>
+          </a:p>
+          <a:p>
+            <a:r>
+              <a:rPr lang="pt-BR" sz="1400" dirty="0"/>
+              <a:t>Host discovery </a:t>
+            </a:r>
+          </a:p>
+          <a:p>
+            <a:r>
+              <a:rPr lang="pt-BR" sz="1400" dirty="0"/>
+              <a:t>and public health access</a:t>
+            </a:r>
+          </a:p>
+          <a:p>
+            <a:r>
+              <a:rPr lang="pt-BR" sz="1400" dirty="0"/>
+              <a:t>(surveillance, fixed and mobile clinics)</a:t>
+            </a:r>
+            <a:endParaRPr lang="en-NZ" sz="1400" dirty="0"/>
+          </a:p>
+        </p:txBody>
+      </p:sp>
+      <p:sp>
+        <p:nvSpPr>
+          <p:cNvPr id="17" name="TextBox 16">
+            <a:extLst>
+              <a:ext uri="{FF2B5EF4-FFF2-40B4-BE49-F238E27FC236}">
+                <a16:creationId xmlns:a16="http://schemas.microsoft.com/office/drawing/2014/main" id="{798C32A3-4E7E-BB3D-55B6-8124110A2B80}"/>
+              </a:ext>
+            </a:extLst>
+          </p:cNvPr>
+          <p:cNvSpPr txBox="1"/>
+          <p:nvPr/>
+        </p:nvSpPr>
+        <p:spPr>
+          <a:xfrm>
+            <a:off x="2921364" y="2899729"/>
+            <a:ext cx="1219200" cy="954107"/>
+          </a:xfrm>
+          <a:prstGeom prst="rect">
+            <a:avLst/>
+          </a:prstGeom>
+          <a:noFill/>
+        </p:spPr>
+        <p:txBody>
+          <a:bodyPr wrap="square">
+            <a:spAutoFit/>
+          </a:bodyPr>
+          <a:lstStyle/>
+          <a:p>
+            <a:pPr algn="ctr"/>
+            <a:r>
+              <a:rPr lang="pt-BR" sz="1400" dirty="0">
+                <a:solidFill>
+                  <a:schemeClr val="tx1"/>
+                </a:solidFill>
+              </a:rPr>
+              <a:t>Host bias reduction from surveillance</a:t>
+            </a:r>
+            <a:endParaRPr lang="en-NZ" sz="1400" dirty="0">
+              <a:solidFill>
+                <a:schemeClr val="tx1"/>
+              </a:solidFill>
+            </a:endParaRPr>
+          </a:p>
+        </p:txBody>
+      </p:sp>
+      <p:sp>
+        <p:nvSpPr>
+          <p:cNvPr id="18" name="Arrow: Right 17">
+            <a:extLst>
+              <a:ext uri="{FF2B5EF4-FFF2-40B4-BE49-F238E27FC236}">
+                <a16:creationId xmlns:a16="http://schemas.microsoft.com/office/drawing/2014/main" id="{AAD16CF2-1FC3-BC09-72DF-1DB08DBAE15A}"/>
+              </a:ext>
+            </a:extLst>
+          </p:cNvPr>
+          <p:cNvSpPr/>
+          <p:nvPr/>
+        </p:nvSpPr>
+        <p:spPr>
+          <a:xfrm rot="16200000">
+            <a:off x="3158516" y="2465600"/>
+            <a:ext cx="564022" cy="302527"/>
+          </a:xfrm>
+          <a:prstGeom prst="rightArrow">
+            <a:avLst/>
+          </a:prstGeom>
+        </p:spPr>
+        <p:style>
+          <a:lnRef idx="2">
+            <a:schemeClr val="accent4">
+              <a:shade val="50000"/>
+            </a:schemeClr>
+          </a:lnRef>
+          <a:fillRef idx="1">
+            <a:schemeClr val="accent4"/>
+          </a:fillRef>
+          <a:effectRef idx="0">
+            <a:schemeClr val="accent4"/>
+          </a:effectRef>
+          <a:fontRef idx="minor">
+            <a:schemeClr val="lt1"/>
+          </a:fontRef>
+        </p:style>
+        <p:txBody>
+          <a:bodyPr rtlCol="0" anchor="ctr"/>
+          <a:lstStyle/>
+          <a:p>
+            <a:pPr algn="ctr"/>
+            <a:endParaRPr lang="en-NZ" sz="1200"/>
+          </a:p>
+        </p:txBody>
+      </p:sp>
+      <p:sp>
+        <p:nvSpPr>
+          <p:cNvPr id="19" name="Arrow: Right 18">
+            <a:extLst>
+              <a:ext uri="{FF2B5EF4-FFF2-40B4-BE49-F238E27FC236}">
+                <a16:creationId xmlns:a16="http://schemas.microsoft.com/office/drawing/2014/main" id="{E73D63AD-3B15-83CD-D2D2-D2631E5C03A7}"/>
+              </a:ext>
+            </a:extLst>
+          </p:cNvPr>
+          <p:cNvSpPr/>
+          <p:nvPr/>
+        </p:nvSpPr>
+        <p:spPr>
+          <a:xfrm rot="5400000">
+            <a:off x="3476022" y="2481863"/>
+            <a:ext cx="564022" cy="302527"/>
+          </a:xfrm>
+          <a:prstGeom prst="rightArrow">
+            <a:avLst/>
+          </a:prstGeom>
+        </p:spPr>
+        <p:style>
+          <a:lnRef idx="2">
+            <a:schemeClr val="accent4">
+              <a:shade val="50000"/>
+            </a:schemeClr>
+          </a:lnRef>
+          <a:fillRef idx="1">
+            <a:schemeClr val="accent4"/>
+          </a:fillRef>
+          <a:effectRef idx="0">
+            <a:schemeClr val="accent4"/>
+          </a:effectRef>
+          <a:fontRef idx="minor">
+            <a:schemeClr val="lt1"/>
+          </a:fontRef>
+        </p:style>
+        <p:txBody>
+          <a:bodyPr rtlCol="0" anchor="ctr"/>
+          <a:lstStyle/>
+          <a:p>
+            <a:pPr algn="ctr"/>
+            <a:endParaRPr lang="en-NZ" sz="1200"/>
+          </a:p>
+        </p:txBody>
+      </p:sp>
+      <p:sp>
+        <p:nvSpPr>
+          <p:cNvPr id="22" name="TextBox 21">
+            <a:extLst>
+              <a:ext uri="{FF2B5EF4-FFF2-40B4-BE49-F238E27FC236}">
+                <a16:creationId xmlns:a16="http://schemas.microsoft.com/office/drawing/2014/main" id="{E811C48E-3F37-8D6C-0CDF-94AF470D0C30}"/>
+              </a:ext>
+            </a:extLst>
+          </p:cNvPr>
+          <p:cNvSpPr txBox="1"/>
+          <p:nvPr/>
+        </p:nvSpPr>
+        <p:spPr>
+          <a:xfrm>
+            <a:off x="2921364" y="4363317"/>
+            <a:ext cx="1916852" cy="369332"/>
+          </a:xfrm>
+          <a:prstGeom prst="rect">
+            <a:avLst/>
+          </a:prstGeom>
+          <a:noFill/>
+        </p:spPr>
+        <p:txBody>
+          <a:bodyPr wrap="square" rtlCol="0">
+            <a:spAutoFit/>
+          </a:bodyPr>
+          <a:lstStyle/>
+          <a:p>
+            <a:r>
+              <a:rPr lang="pt-BR" dirty="0"/>
+              <a:t>Safer zones</a:t>
+            </a:r>
+            <a:endParaRPr lang="en-NZ" dirty="0"/>
+          </a:p>
+        </p:txBody>
+      </p:sp>
+      <p:sp>
+        <p:nvSpPr>
+          <p:cNvPr id="25" name="Half Frame 24">
+            <a:extLst>
+              <a:ext uri="{FF2B5EF4-FFF2-40B4-BE49-F238E27FC236}">
+                <a16:creationId xmlns:a16="http://schemas.microsoft.com/office/drawing/2014/main" id="{F0A125F5-1EB4-AFE8-5434-F83D320C6B95}"/>
+              </a:ext>
+            </a:extLst>
+          </p:cNvPr>
+          <p:cNvSpPr/>
+          <p:nvPr/>
+        </p:nvSpPr>
+        <p:spPr>
+          <a:xfrm flipV="1">
+            <a:off x="4594702" y="1154851"/>
+            <a:ext cx="3291542" cy="2698983"/>
+          </a:xfrm>
+          <a:prstGeom prst="halfFrame">
+            <a:avLst>
+              <a:gd name="adj1" fmla="val 41168"/>
+              <a:gd name="adj2" fmla="val 45490"/>
+            </a:avLst>
+          </a:prstGeom>
+          <a:noFill/>
+          <a:ln>
+            <a:solidFill>
+              <a:schemeClr val="tx1"/>
+            </a:solidFill>
+          </a:ln>
+        </p:spPr>
+        <p:style>
+          <a:lnRef idx="2">
+            <a:schemeClr val="accent1">
+              <a:shade val="50000"/>
+            </a:schemeClr>
+          </a:lnRef>
+          <a:fillRef idx="1">
+            <a:schemeClr val="accent1"/>
+          </a:fillRef>
+          <a:effectRef idx="0">
+            <a:schemeClr val="accent1"/>
+          </a:effectRef>
+          <a:fontRef idx="minor">
+            <a:schemeClr val="lt1"/>
+          </a:fontRef>
+        </p:style>
+        <p:txBody>
+          <a:bodyPr rtlCol="0" anchor="ctr"/>
+          <a:lstStyle/>
+          <a:p>
+            <a:pPr algn="ctr"/>
+            <a:endParaRPr lang="en-NZ">
+              <a:solidFill>
+                <a:schemeClr val="tx1"/>
+              </a:solidFill>
+            </a:endParaRPr>
+          </a:p>
+        </p:txBody>
+      </p:sp>
+      <p:sp>
+        <p:nvSpPr>
+          <p:cNvPr id="23" name="Arrow: Right 22">
+            <a:extLst>
+              <a:ext uri="{FF2B5EF4-FFF2-40B4-BE49-F238E27FC236}">
+                <a16:creationId xmlns:a16="http://schemas.microsoft.com/office/drawing/2014/main" id="{5E5AFA97-9133-D02D-5D1C-1137504AD48D}"/>
+              </a:ext>
+            </a:extLst>
+          </p:cNvPr>
+          <p:cNvSpPr/>
+          <p:nvPr/>
+        </p:nvSpPr>
+        <p:spPr>
+          <a:xfrm rot="7746211">
+            <a:off x="3887960" y="3917941"/>
+            <a:ext cx="953704" cy="398847"/>
+          </a:xfrm>
+          <a:prstGeom prst="rightArrow">
+            <a:avLst/>
+          </a:prstGeom>
+        </p:spPr>
+        <p:style>
+          <a:lnRef idx="2">
+            <a:schemeClr val="accent4">
+              <a:shade val="50000"/>
+            </a:schemeClr>
+          </a:lnRef>
+          <a:fillRef idx="1">
+            <a:schemeClr val="accent4"/>
+          </a:fillRef>
+          <a:effectRef idx="0">
+            <a:schemeClr val="accent4"/>
+          </a:effectRef>
+          <a:fontRef idx="minor">
+            <a:schemeClr val="lt1"/>
+          </a:fontRef>
+        </p:style>
+        <p:txBody>
+          <a:bodyPr rtlCol="0" anchor="ctr"/>
+          <a:lstStyle/>
+          <a:p>
+            <a:pPr algn="ctr"/>
+            <a:endParaRPr lang="en-NZ" sz="1200"/>
+          </a:p>
+        </p:txBody>
+      </p:sp>
+      <p:sp>
+        <p:nvSpPr>
+          <p:cNvPr id="26" name="Arrow: Right 25">
+            <a:extLst>
+              <a:ext uri="{FF2B5EF4-FFF2-40B4-BE49-F238E27FC236}">
+                <a16:creationId xmlns:a16="http://schemas.microsoft.com/office/drawing/2014/main" id="{5A730C08-34A7-7E7F-0270-86A53D336B48}"/>
+              </a:ext>
+            </a:extLst>
+          </p:cNvPr>
+          <p:cNvSpPr/>
+          <p:nvPr/>
+        </p:nvSpPr>
+        <p:spPr>
+          <a:xfrm rot="7746211">
+            <a:off x="5538950" y="2204143"/>
+            <a:ext cx="953704" cy="398847"/>
+          </a:xfrm>
+          <a:prstGeom prst="rightArrow">
+            <a:avLst/>
+          </a:prstGeom>
+        </p:spPr>
+        <p:style>
+          <a:lnRef idx="2">
+            <a:schemeClr val="accent4">
+              <a:shade val="50000"/>
+            </a:schemeClr>
+          </a:lnRef>
+          <a:fillRef idx="1">
+            <a:schemeClr val="accent4"/>
+          </a:fillRef>
+          <a:effectRef idx="0">
+            <a:schemeClr val="accent4"/>
+          </a:effectRef>
+          <a:fontRef idx="minor">
+            <a:schemeClr val="lt1"/>
+          </a:fontRef>
+        </p:style>
+        <p:txBody>
+          <a:bodyPr rtlCol="0" anchor="ctr"/>
+          <a:lstStyle/>
+          <a:p>
+            <a:pPr algn="ctr"/>
+            <a:endParaRPr lang="en-NZ" sz="1200"/>
+          </a:p>
+        </p:txBody>
+      </p:sp>
+      <p:sp>
+        <p:nvSpPr>
+          <p:cNvPr id="27" name="Rectangle 26">
+            <a:extLst>
+              <a:ext uri="{FF2B5EF4-FFF2-40B4-BE49-F238E27FC236}">
+                <a16:creationId xmlns:a16="http://schemas.microsoft.com/office/drawing/2014/main" id="{460529E3-FB82-0C9E-9A67-E3106B048F4E}"/>
+              </a:ext>
+            </a:extLst>
+          </p:cNvPr>
+          <p:cNvSpPr/>
+          <p:nvPr/>
+        </p:nvSpPr>
+        <p:spPr>
+          <a:xfrm>
+            <a:off x="4696302" y="4033068"/>
+            <a:ext cx="3099805" cy="987015"/>
+          </a:xfrm>
+          <a:prstGeom prst="rect">
+            <a:avLst/>
+          </a:prstGeom>
+          <a:noFill/>
+        </p:spPr>
+        <p:style>
+          <a:lnRef idx="2">
+            <a:schemeClr val="accent1">
+              <a:shade val="50000"/>
+            </a:schemeClr>
+          </a:lnRef>
+          <a:fillRef idx="1">
+            <a:schemeClr val="accent1"/>
+          </a:fillRef>
+          <a:effectRef idx="0">
+            <a:schemeClr val="accent1"/>
+          </a:effectRef>
+          <a:fontRef idx="minor">
+            <a:schemeClr val="lt1"/>
+          </a:fontRef>
+        </p:style>
+        <p:txBody>
+          <a:bodyPr rtlCol="0" anchor="ctr"/>
+          <a:lstStyle/>
+          <a:p>
+            <a:pPr algn="ctr"/>
+            <a:endParaRPr lang="en-NZ"/>
+          </a:p>
+        </p:txBody>
+      </p:sp>
+    </p:spTree>
+    <p:extLst>
+      <p:ext uri="{BB962C8B-B14F-4D97-AF65-F5344CB8AC3E}">
+        <p14:creationId xmlns:p14="http://schemas.microsoft.com/office/powerpoint/2010/main" val="1358446245"/>
+      </p:ext>
+    </p:extLst>
+  </p:cSld>
+  <p:clrMapOvr>
+    <a:masterClrMapping/>
+  </p:clrMapOvr>
+</p:sld>
+</file>
+
+<file path=ppt/slides/slide2.xml><?xml version="1.0" encoding="utf-8"?>
+<p:sld xmlns:a="http://schemas.openxmlformats.org/drawingml/2006/main" xmlns:r="http://schemas.openxmlformats.org/officeDocument/2006/relationships" xmlns:p="http://schemas.openxmlformats.org/presentationml/2006/main">
+  <p:cSld>
+    <p:spTree>
+      <p:nvGrpSpPr>
+        <p:cNvPr id="1" name=""/>
+        <p:cNvGrpSpPr/>
+        <p:nvPr/>
+      </p:nvGrpSpPr>
+      <p:grpSpPr>
+        <a:xfrm>
+          <a:off x="0" y="0"/>
+          <a:ext cx="0" cy="0"/>
+          <a:chOff x="0" y="0"/>
+          <a:chExt cx="0" cy="0"/>
+        </a:xfrm>
+      </p:grpSpPr>
+      <p:pic>
+        <p:nvPicPr>
           <p:cNvPr id="29" name="Picture 28">
             <a:extLst>
               <a:ext uri="{FF2B5EF4-FFF2-40B4-BE49-F238E27FC236}">
@@ -3728,7 +4484,7 @@
 </p:sld>
 </file>
 
-<file path=ppt/slides/slide2.xml><?xml version="1.0" encoding="utf-8"?>
+<file path=ppt/slides/slide3.xml><?xml version="1.0" encoding="utf-8"?>
 <p:sld xmlns:a="http://schemas.openxmlformats.org/drawingml/2006/main" xmlns:r="http://schemas.openxmlformats.org/officeDocument/2006/relationships" xmlns:p="http://schemas.openxmlformats.org/presentationml/2006/main">
   <p:cSld>
     <p:spTree>
@@ -4156,7 +4912,7 @@
 </p:sld>
 </file>
 
-<file path=ppt/slides/slide3.xml><?xml version="1.0" encoding="utf-8"?>
+<file path=ppt/slides/slide4.xml><?xml version="1.0" encoding="utf-8"?>
 <p:sld xmlns:a="http://schemas.openxmlformats.org/drawingml/2006/main" xmlns:r="http://schemas.openxmlformats.org/officeDocument/2006/relationships" xmlns:p="http://schemas.openxmlformats.org/presentationml/2006/main">
   <p:cSld>
     <p:spTree>
@@ -4584,7 +5340,7 @@
 </p:sld>
 </file>
 
-<file path=ppt/slides/slide4.xml><?xml version="1.0" encoding="utf-8"?>
+<file path=ppt/slides/slide5.xml><?xml version="1.0" encoding="utf-8"?>
 <p:sld xmlns:a="http://schemas.openxmlformats.org/drawingml/2006/main" xmlns:r="http://schemas.openxmlformats.org/officeDocument/2006/relationships" xmlns:p="http://schemas.openxmlformats.org/presentationml/2006/main">
   <p:cSld>
     <p:spTree>
@@ -4681,7 +5437,7 @@
           <a:bodyPr/>
           <a:lstStyle/>
           <a:p>
-            <a:endParaRPr lang="en-NZ"/>
+            <a:endParaRPr lang="en-NZ" dirty="0"/>
           </a:p>
         </p:txBody>
       </p:sp>
@@ -4770,7 +5526,7 @@
 </p:sld>
 </file>
 
-<file path=ppt/slides/slide5.xml><?xml version="1.0" encoding="utf-8"?>
+<file path=ppt/slides/slide6.xml><?xml version="1.0" encoding="utf-8"?>
 <p:sld xmlns:a="http://schemas.openxmlformats.org/drawingml/2006/main" xmlns:r="http://schemas.openxmlformats.org/officeDocument/2006/relationships" xmlns:p="http://schemas.openxmlformats.org/presentationml/2006/main">
   <p:cSld>
     <p:spTree>
@@ -5162,7 +5918,7 @@
 </p:sld>
 </file>
 
-<file path=ppt/slides/slide6.xml><?xml version="1.0" encoding="utf-8"?>
+<file path=ppt/slides/slide7.xml><?xml version="1.0" encoding="utf-8"?>
 <p:sld xmlns:a="http://schemas.openxmlformats.org/drawingml/2006/main" xmlns:r="http://schemas.openxmlformats.org/officeDocument/2006/relationships" xmlns:p="http://schemas.openxmlformats.org/presentationml/2006/main">
   <p:cSld>
     <p:spTree>
@@ -5200,7 +5956,7 @@
           <a:bodyPr/>
           <a:lstStyle/>
           <a:p>
-            <a:endParaRPr lang="en-NZ"/>
+            <a:endParaRPr lang="en-NZ" dirty="0"/>
           </a:p>
         </p:txBody>
       </p:sp>
@@ -5225,7 +5981,7 @@
           <a:bodyPr/>
           <a:lstStyle/>
           <a:p>
-            <a:endParaRPr lang="en-NZ"/>
+            <a:endParaRPr lang="en-NZ" dirty="0"/>
           </a:p>
         </p:txBody>
       </p:sp>
@@ -5679,7 +6435,7 @@
 </p:sld>
 </file>
 
-<file path=ppt/slides/slide7.xml><?xml version="1.0" encoding="utf-8"?>
+<file path=ppt/slides/slide8.xml><?xml version="1.0" encoding="utf-8"?>
 <p:sld xmlns:a="http://schemas.openxmlformats.org/drawingml/2006/main" xmlns:r="http://schemas.openxmlformats.org/officeDocument/2006/relationships" xmlns:p="http://schemas.openxmlformats.org/presentationml/2006/main">
   <p:cSld>
     <p:spTree>
